--- a/10 大气阻力摄动，大气密度模型，陨落预报.pptx
+++ b/10 大气阻力摄动，大气密度模型，陨落预报.pptx
@@ -5,7 +5,7 @@
     <p:sldMasterId id="2147483648" r:id="rId1"/>
   </p:sldMasterIdLst>
   <p:notesMasterIdLst>
-    <p:notesMasterId r:id="rId11"/>
+    <p:notesMasterId r:id="rId13"/>
   </p:notesMasterIdLst>
   <p:sldIdLst>
     <p:sldId id="287" r:id="rId2"/>
@@ -13,10 +13,12 @@
     <p:sldId id="290" r:id="rId4"/>
     <p:sldId id="288" r:id="rId5"/>
     <p:sldId id="292" r:id="rId6"/>
-    <p:sldId id="293" r:id="rId7"/>
-    <p:sldId id="289" r:id="rId8"/>
-    <p:sldId id="294" r:id="rId9"/>
-    <p:sldId id="291" r:id="rId10"/>
+    <p:sldId id="295" r:id="rId7"/>
+    <p:sldId id="294" r:id="rId8"/>
+    <p:sldId id="298" r:id="rId9"/>
+    <p:sldId id="300" r:id="rId10"/>
+    <p:sldId id="291" r:id="rId11"/>
+    <p:sldId id="299" r:id="rId12"/>
   </p:sldIdLst>
   <p:sldSz cx="12192000" cy="6858000"/>
   <p:notesSz cx="6858000" cy="9144000"/>
@@ -226,7 +228,7 @@
           <a:p>
             <a:fld id="{26DDD1A4-63E9-4C41-BD0C-A6576214358F}" type="datetimeFigureOut">
               <a:rPr kumimoji="1" lang="zh-CN" altLang="en-US" smtClean="0"/>
-              <a:t>2023/7/21</a:t>
+              <a:t>2023/8/7</a:t>
             </a:fld>
             <a:endParaRPr kumimoji="1" lang="zh-CN" altLang="en-US"/>
           </a:p>
@@ -519,6 +521,121 @@
 </p:notes>
 </file>
 
+<file path=ppt/notesSlides/notesSlide2.xml><?xml version="1.0" encoding="utf-8"?>
+<p:notes xmlns:a="http://schemas.openxmlformats.org/drawingml/2006/main" xmlns:r="http://schemas.openxmlformats.org/officeDocument/2006/relationships" xmlns:p="http://schemas.openxmlformats.org/presentationml/2006/main">
+  <p:cSld>
+    <p:spTree>
+      <p:nvGrpSpPr>
+        <p:cNvPr id="1" name=""/>
+        <p:cNvGrpSpPr/>
+        <p:nvPr/>
+      </p:nvGrpSpPr>
+      <p:grpSpPr>
+        <a:xfrm>
+          <a:off x="0" y="0"/>
+          <a:ext cx="0" cy="0"/>
+          <a:chOff x="0" y="0"/>
+          <a:chExt cx="0" cy="0"/>
+        </a:xfrm>
+      </p:grpSpPr>
+      <p:sp>
+        <p:nvSpPr>
+          <p:cNvPr id="2" name="幻灯片图像占位符 1"/>
+          <p:cNvSpPr>
+            <a:spLocks noGrp="1" noRot="1" noChangeAspect="1"/>
+          </p:cNvSpPr>
+          <p:nvPr>
+            <p:ph type="sldImg"/>
+          </p:nvPr>
+        </p:nvSpPr>
+        <p:spPr/>
+      </p:sp>
+      <p:sp>
+        <p:nvSpPr>
+          <p:cNvPr id="3" name="备注占位符 2"/>
+          <p:cNvSpPr>
+            <a:spLocks noGrp="1"/>
+          </p:cNvSpPr>
+          <p:nvPr>
+            <p:ph type="body" idx="1"/>
+          </p:nvPr>
+        </p:nvSpPr>
+        <p:spPr/>
+        <p:txBody>
+          <a:bodyPr/>
+          <a:lstStyle/>
+          <a:p>
+            <a:r>
+              <a:rPr lang="en-US" altLang="zh-CN" dirty="0"/>
+              <a:t>1. </a:t>
+            </a:r>
+            <a:r>
+              <a:rPr lang="zh-CN" altLang="en-US" dirty="0"/>
+              <a:t>大椭圆近地段</a:t>
+            </a:r>
+            <a:r>
+              <a:rPr lang="en-US" altLang="zh-CN" dirty="0"/>
+              <a:t>theta</a:t>
+            </a:r>
+            <a:r>
+              <a:rPr lang="zh-CN" altLang="en-US" dirty="0"/>
+              <a:t>也接近</a:t>
+            </a:r>
+            <a:r>
+              <a:rPr lang="en-US" altLang="zh-CN" dirty="0"/>
+              <a:t>90</a:t>
+            </a:r>
+            <a:r>
+              <a:rPr lang="zh-CN" altLang="en-US" dirty="0"/>
+              <a:t>；</a:t>
+            </a:r>
+            <a:r>
+              <a:rPr lang="en-US" altLang="zh-CN" dirty="0"/>
+              <a:t>2. </a:t>
+            </a:r>
+            <a:r>
+              <a:rPr lang="zh-CN" altLang="en-US" dirty="0"/>
+              <a:t>大椭圆不适合构造摄动解（无法平均化）</a:t>
+            </a:r>
+          </a:p>
+        </p:txBody>
+      </p:sp>
+      <p:sp>
+        <p:nvSpPr>
+          <p:cNvPr id="4" name="灯片编号占位符 3"/>
+          <p:cNvSpPr>
+            <a:spLocks noGrp="1"/>
+          </p:cNvSpPr>
+          <p:nvPr>
+            <p:ph type="sldNum" sz="quarter" idx="5"/>
+          </p:nvPr>
+        </p:nvSpPr>
+        <p:spPr/>
+        <p:txBody>
+          <a:bodyPr/>
+          <a:lstStyle/>
+          <a:p>
+            <a:fld id="{0CF765C3-F77A-6D4A-A49F-194A41CA7DB6}" type="slidenum">
+              <a:rPr kumimoji="1" lang="zh-CN" altLang="en-US" smtClean="0"/>
+              <a:t>5</a:t>
+            </a:fld>
+            <a:endParaRPr kumimoji="1" lang="zh-CN" altLang="en-US"/>
+          </a:p>
+        </p:txBody>
+      </p:sp>
+    </p:spTree>
+    <p:extLst>
+      <p:ext uri="{BB962C8B-B14F-4D97-AF65-F5344CB8AC3E}">
+        <p14:creationId xmlns:p14="http://schemas.microsoft.com/office/powerpoint/2010/main" val="1590117981"/>
+      </p:ext>
+    </p:extLst>
+  </p:cSld>
+  <p:clrMapOvr>
+    <a:masterClrMapping/>
+  </p:clrMapOvr>
+</p:notes>
+</file>
+
 <file path=ppt/slideLayouts/slideLayout1.xml><?xml version="1.0" encoding="utf-8"?>
 <p:sldLayout xmlns:a="http://schemas.openxmlformats.org/drawingml/2006/main" xmlns:r="http://schemas.openxmlformats.org/officeDocument/2006/relationships" xmlns:p="http://schemas.openxmlformats.org/presentationml/2006/main" preserve="1" userDrawn="1">
   <p:cSld name="内容">
@@ -820,7 +937,7 @@
           <a:p>
             <a:fld id="{8664C608-40B1-4030-A28D-5B74BC98ADCE}" type="datetimeFigureOut">
               <a:rPr lang="en-US" smtClean="0"/>
-              <a:t>7/21/2023</a:t>
+              <a:t>8/7/2023</a:t>
             </a:fld>
             <a:endParaRPr lang="en-US" dirty="0"/>
           </a:p>
@@ -1660,7 +1777,7 @@
         <p:spPr>
           <a:xfrm>
             <a:off x="3003414" y="4516087"/>
-            <a:ext cx="6181775" cy="1307537"/>
+            <a:ext cx="6181775" cy="662297"/>
           </a:xfrm>
           <a:prstGeom prst="rect">
             <a:avLst/>
@@ -1733,24 +1850,6 @@
               <a:ea typeface="微软雅黑" panose="020B0503020204020204" pitchFamily="34" charset="-122"/>
               <a:cs typeface="Times New Roman" panose="02020603050405020304" pitchFamily="18" charset="0"/>
             </a:endParaRPr>
-          </a:p>
-          <a:p>
-            <a:pPr fontAlgn="auto">
-              <a:lnSpc>
-                <a:spcPct val="150000"/>
-              </a:lnSpc>
-              <a:spcAft>
-                <a:spcPts val="0"/>
-              </a:spcAft>
-            </a:pPr>
-            <a:r>
-              <a:rPr lang="en-US" altLang="zh-CN" sz="2800" b="1" dirty="0">
-                <a:latin typeface="Times New Roman" panose="02020603050405020304" pitchFamily="18" charset="0"/>
-                <a:ea typeface="微软雅黑" panose="020B0503020204020204" pitchFamily="34" charset="-122"/>
-                <a:cs typeface="Times New Roman" panose="02020603050405020304" pitchFamily="18" charset="0"/>
-              </a:rPr>
-              <a:t>《》</a:t>
-            </a:r>
           </a:p>
         </p:txBody>
       </p:sp>
@@ -1866,6 +1965,1397 @@
         </p:txBody>
       </p:sp>
     </p:spTree>
+  </p:cSld>
+  <p:clrMapOvr>
+    <a:masterClrMapping/>
+  </p:clrMapOvr>
+  <mc:AlternateContent xmlns:mc="http://schemas.openxmlformats.org/markup-compatibility/2006" xmlns:p159="http://schemas.microsoft.com/office/powerpoint/2015/09/main">
+    <mc:Choice Requires="p159">
+      <p:transition spd="slow">
+        <p159:morph option="byObject"/>
+      </p:transition>
+    </mc:Choice>
+    <mc:Fallback xmlns="">
+      <p:transition spd="slow">
+        <p:fade/>
+      </p:transition>
+    </mc:Fallback>
+  </mc:AlternateContent>
+</p:sld>
+</file>
+
+<file path=ppt/slides/slide10.xml><?xml version="1.0" encoding="utf-8"?>
+<p:sld xmlns:a="http://schemas.openxmlformats.org/drawingml/2006/main" xmlns:r="http://schemas.openxmlformats.org/officeDocument/2006/relationships" xmlns:p="http://schemas.openxmlformats.org/presentationml/2006/main">
+  <p:cSld>
+    <p:spTree>
+      <p:nvGrpSpPr>
+        <p:cNvPr id="1" name=""/>
+        <p:cNvGrpSpPr/>
+        <p:nvPr/>
+      </p:nvGrpSpPr>
+      <p:grpSpPr>
+        <a:xfrm>
+          <a:off x="0" y="0"/>
+          <a:ext cx="0" cy="0"/>
+          <a:chOff x="0" y="0"/>
+          <a:chExt cx="0" cy="0"/>
+        </a:xfrm>
+      </p:grpSpPr>
+      <p:sp>
+        <p:nvSpPr>
+          <p:cNvPr id="3" name="矩形 2"/>
+          <p:cNvSpPr/>
+          <p:nvPr/>
+        </p:nvSpPr>
+        <p:spPr>
+          <a:xfrm>
+            <a:off x="407987" y="1052513"/>
+            <a:ext cx="11376025" cy="3155544"/>
+          </a:xfrm>
+          <a:prstGeom prst="rect">
+            <a:avLst/>
+          </a:prstGeom>
+        </p:spPr>
+        <p:txBody>
+          <a:bodyPr wrap="square">
+            <a:spAutoFit/>
+          </a:bodyPr>
+          <a:lstStyle/>
+          <a:p>
+            <a:pPr marL="342900" indent="-342900" fontAlgn="auto">
+              <a:lnSpc>
+                <a:spcPct val="150000"/>
+              </a:lnSpc>
+              <a:spcAft>
+                <a:spcPts val="0"/>
+              </a:spcAft>
+              <a:buFont typeface="Arial" panose="020B0604020202020204" pitchFamily="34" charset="0"/>
+              <a:buChar char="•"/>
+            </a:pPr>
+            <a:r>
+              <a:rPr lang="zh-CN" altLang="en-US" sz="2800" b="1" dirty="0">
+                <a:latin typeface="微软雅黑" panose="020B0503020204020204" pitchFamily="34" charset="-122"/>
+                <a:ea typeface="微软雅黑" panose="020B0503020204020204" pitchFamily="34" charset="-122"/>
+              </a:rPr>
+              <a:t>轨道寿命预报（中长期）</a:t>
+            </a:r>
+          </a:p>
+          <a:p>
+            <a:pPr marL="800100" lvl="1" indent="-342900">
+              <a:lnSpc>
+                <a:spcPct val="150000"/>
+              </a:lnSpc>
+              <a:buFont typeface="Arial" panose="020B0604020202020204" pitchFamily="34" charset="0"/>
+              <a:buChar char="•"/>
+            </a:pPr>
+            <a:r>
+              <a:rPr lang="zh-CN" altLang="en-US" sz="2000" b="1" dirty="0">
+                <a:latin typeface="微软雅黑" panose="020B0503020204020204" pitchFamily="34" charset="-122"/>
+                <a:ea typeface="微软雅黑" panose="020B0503020204020204" pitchFamily="34" charset="-122"/>
+              </a:rPr>
+              <a:t>依托轨道特性为主</a:t>
+            </a:r>
+            <a:endParaRPr lang="en-US" altLang="zh-CN" sz="2000" b="1" dirty="0">
+              <a:latin typeface="微软雅黑" panose="020B0503020204020204" pitchFamily="34" charset="-122"/>
+              <a:ea typeface="微软雅黑" panose="020B0503020204020204" pitchFamily="34" charset="-122"/>
+            </a:endParaRPr>
+          </a:p>
+          <a:p>
+            <a:pPr marL="1257300" lvl="2" indent="-342900">
+              <a:lnSpc>
+                <a:spcPct val="150000"/>
+              </a:lnSpc>
+              <a:buFont typeface="Arial" panose="020B0604020202020204" pitchFamily="34" charset="0"/>
+              <a:buChar char="•"/>
+            </a:pPr>
+            <a:r>
+              <a:rPr lang="zh-CN" altLang="en-US" sz="2000" b="1" dirty="0">
+                <a:latin typeface="微软雅黑" panose="020B0503020204020204" pitchFamily="34" charset="-122"/>
+                <a:ea typeface="微软雅黑" panose="020B0503020204020204" pitchFamily="34" charset="-122"/>
+              </a:rPr>
+              <a:t>偏心率激发（高轨）</a:t>
+            </a:r>
+            <a:endParaRPr lang="en-US" altLang="zh-CN" sz="2000" b="1" dirty="0">
+              <a:latin typeface="微软雅黑" panose="020B0503020204020204" pitchFamily="34" charset="-122"/>
+              <a:ea typeface="微软雅黑" panose="020B0503020204020204" pitchFamily="34" charset="-122"/>
+            </a:endParaRPr>
+          </a:p>
+          <a:p>
+            <a:pPr marL="1257300" lvl="2" indent="-342900">
+              <a:lnSpc>
+                <a:spcPct val="150000"/>
+              </a:lnSpc>
+              <a:buFont typeface="Arial" panose="020B0604020202020204" pitchFamily="34" charset="0"/>
+              <a:buChar char="•"/>
+            </a:pPr>
+            <a:r>
+              <a:rPr lang="zh-CN" altLang="en-US" sz="2000" b="1" dirty="0">
+                <a:latin typeface="微软雅黑" panose="020B0503020204020204" pitchFamily="34" charset="-122"/>
+                <a:ea typeface="微软雅黑" panose="020B0503020204020204" pitchFamily="34" charset="-122"/>
+              </a:rPr>
+              <a:t>半长径周期振荡（低轨）</a:t>
+            </a:r>
+            <a:endParaRPr lang="en-US" altLang="zh-CN" sz="2000" b="1" dirty="0">
+              <a:latin typeface="微软雅黑" panose="020B0503020204020204" pitchFamily="34" charset="-122"/>
+              <a:ea typeface="微软雅黑" panose="020B0503020204020204" pitchFamily="34" charset="-122"/>
+            </a:endParaRPr>
+          </a:p>
+          <a:p>
+            <a:pPr marL="800100" lvl="1" indent="-342900">
+              <a:lnSpc>
+                <a:spcPct val="150000"/>
+              </a:lnSpc>
+              <a:buFont typeface="Arial" panose="020B0604020202020204" pitchFamily="34" charset="0"/>
+              <a:buChar char="•"/>
+            </a:pPr>
+            <a:r>
+              <a:rPr lang="zh-CN" altLang="en-US" sz="2000" b="1" dirty="0">
+                <a:latin typeface="微软雅黑" panose="020B0503020204020204" pitchFamily="34" charset="-122"/>
+                <a:ea typeface="微软雅黑" panose="020B0503020204020204" pitchFamily="34" charset="-122"/>
+              </a:rPr>
+              <a:t>大气阻力为辅</a:t>
+            </a:r>
+          </a:p>
+          <a:p>
+            <a:pPr marL="342900" indent="-342900" fontAlgn="auto">
+              <a:lnSpc>
+                <a:spcPct val="150000"/>
+              </a:lnSpc>
+              <a:spcAft>
+                <a:spcPts val="0"/>
+              </a:spcAft>
+              <a:buFont typeface="Arial" panose="020B0604020202020204" pitchFamily="34" charset="0"/>
+              <a:buChar char="•"/>
+            </a:pPr>
+            <a:endParaRPr lang="en-US" altLang="zh-CN" sz="2800" b="1" dirty="0">
+              <a:latin typeface="微软雅黑" panose="020B0503020204020204" pitchFamily="34" charset="-122"/>
+              <a:ea typeface="微软雅黑" panose="020B0503020204020204" pitchFamily="34" charset="-122"/>
+              <a:sym typeface="+mn-ea"/>
+            </a:endParaRPr>
+          </a:p>
+        </p:txBody>
+      </p:sp>
+      <p:sp>
+        <p:nvSpPr>
+          <p:cNvPr id="5" name="灯片编号占位符 4"/>
+          <p:cNvSpPr>
+            <a:spLocks noGrp="1"/>
+          </p:cNvSpPr>
+          <p:nvPr>
+            <p:ph type="sldNum" sz="quarter" idx="4"/>
+          </p:nvPr>
+        </p:nvSpPr>
+        <p:spPr/>
+        <p:txBody>
+          <a:bodyPr/>
+          <a:lstStyle/>
+          <a:p>
+            <a:fld id="{5F1D8F20-F945-584B-B149-8CCFBEFE168A}" type="slidenum">
+              <a:rPr kumimoji="1" lang="zh-CN" altLang="en-US" smtClean="0"/>
+              <a:t>10</a:t>
+            </a:fld>
+            <a:endParaRPr kumimoji="1" lang="zh-CN" altLang="en-US"/>
+          </a:p>
+        </p:txBody>
+      </p:sp>
+      <p:sp>
+        <p:nvSpPr>
+          <p:cNvPr id="26" name="标题 1"/>
+          <p:cNvSpPr txBox="1"/>
+          <p:nvPr/>
+        </p:nvSpPr>
+        <p:spPr>
+          <a:xfrm>
+            <a:off x="0" y="0"/>
+            <a:ext cx="12187555" cy="711200"/>
+          </a:xfrm>
+          <a:prstGeom prst="rect">
+            <a:avLst/>
+          </a:prstGeom>
+          <a:noFill/>
+        </p:spPr>
+        <p:txBody>
+          <a:bodyPr vert="horz" lIns="91440" tIns="45720" rIns="91440" bIns="45720" rtlCol="0" anchor="ctr"/>
+          <a:lstStyle/>
+          <a:p>
+            <a:pPr marL="0" marR="0" lvl="0" indent="0" algn="ctr" defTabSz="914400" rtl="0" eaLnBrk="1" fontAlgn="base" latinLnBrk="0" hangingPunct="1">
+              <a:lnSpc>
+                <a:spcPct val="100000"/>
+              </a:lnSpc>
+              <a:spcBef>
+                <a:spcPct val="0"/>
+              </a:spcBef>
+              <a:spcAft>
+                <a:spcPct val="0"/>
+              </a:spcAft>
+              <a:buClrTx/>
+              <a:buSzTx/>
+              <a:buFontTx/>
+              <a:buNone/>
+              <a:defRPr/>
+            </a:pPr>
+            <a:r>
+              <a:rPr kumimoji="0" lang="zh-CN" altLang="en-US" sz="3200" b="1" i="0" u="none" strike="noStrike" kern="1200" cap="none" spc="0" normalizeH="0" baseline="0" noProof="0" dirty="0">
+                <a:ln>
+                  <a:noFill/>
+                </a:ln>
+                <a:solidFill>
+                  <a:schemeClr val="bg1"/>
+                </a:solidFill>
+                <a:effectLst/>
+                <a:uLnTx/>
+                <a:uFillTx/>
+                <a:latin typeface="微软雅黑" panose="020B0503020204020204" pitchFamily="34" charset="-122"/>
+                <a:ea typeface="微软雅黑" panose="020B0503020204020204" pitchFamily="34" charset="-122"/>
+                <a:cs typeface="+mj-cs"/>
+              </a:rPr>
+              <a:t>陨落预报</a:t>
+            </a:r>
+          </a:p>
+        </p:txBody>
+      </p:sp>
+      <p:sp>
+        <p:nvSpPr>
+          <p:cNvPr id="2" name="文本框 1">
+            <a:extLst>
+              <a:ext uri="{FF2B5EF4-FFF2-40B4-BE49-F238E27FC236}">
+                <a16:creationId xmlns:a16="http://schemas.microsoft.com/office/drawing/2014/main" id="{87F05C92-9FB4-7B23-23DB-3F4BF5B88259}"/>
+              </a:ext>
+            </a:extLst>
+          </p:cNvPr>
+          <p:cNvSpPr txBox="1"/>
+          <p:nvPr/>
+        </p:nvSpPr>
+        <p:spPr>
+          <a:xfrm>
+            <a:off x="4147803" y="1788028"/>
+            <a:ext cx="3891948" cy="784830"/>
+          </a:xfrm>
+          <a:prstGeom prst="rect">
+            <a:avLst/>
+          </a:prstGeom>
+          <a:noFill/>
+          <a:ln w="19050">
+            <a:solidFill>
+              <a:srgbClr val="FF0000"/>
+            </a:solidFill>
+          </a:ln>
+        </p:spPr>
+        <p:txBody>
+          <a:bodyPr wrap="square">
+            <a:spAutoFit/>
+          </a:bodyPr>
+          <a:lstStyle/>
+          <a:p>
+            <a:pPr algn="ctr" fontAlgn="auto">
+              <a:spcBef>
+                <a:spcPts val="600"/>
+              </a:spcBef>
+              <a:spcAft>
+                <a:spcPts val="0"/>
+              </a:spcAft>
+            </a:pPr>
+            <a:r>
+              <a:rPr lang="en-GB" altLang="zh-CN" sz="2000" b="1" dirty="0">
+                <a:solidFill>
+                  <a:srgbClr val="FF0000"/>
+                </a:solidFill>
+                <a:latin typeface="微软雅黑" panose="020B0503020204020204" pitchFamily="34" charset="-122"/>
+                <a:ea typeface="微软雅黑" panose="020B0503020204020204" pitchFamily="34" charset="-122"/>
+              </a:rPr>
+              <a:t>Post-Mission Disposal (PMD) </a:t>
+            </a:r>
+          </a:p>
+          <a:p>
+            <a:pPr algn="ctr" fontAlgn="auto">
+              <a:spcBef>
+                <a:spcPts val="600"/>
+              </a:spcBef>
+              <a:spcAft>
+                <a:spcPts val="0"/>
+              </a:spcAft>
+            </a:pPr>
+            <a:r>
+              <a:rPr lang="en-GB" altLang="zh-CN" sz="2000" b="1" dirty="0">
+                <a:solidFill>
+                  <a:srgbClr val="FF0000"/>
+                </a:solidFill>
+                <a:latin typeface="微软雅黑" panose="020B0503020204020204" pitchFamily="34" charset="-122"/>
+                <a:ea typeface="微软雅黑" panose="020B0503020204020204" pitchFamily="34" charset="-122"/>
+              </a:rPr>
+              <a:t>25</a:t>
+            </a:r>
+            <a:r>
+              <a:rPr lang="en-US" altLang="zh-CN" sz="2000" b="1" dirty="0">
+                <a:solidFill>
+                  <a:srgbClr val="FF0000"/>
+                </a:solidFill>
+                <a:latin typeface="微软雅黑" panose="020B0503020204020204" pitchFamily="34" charset="-122"/>
+                <a:ea typeface="微软雅黑" panose="020B0503020204020204" pitchFamily="34" charset="-122"/>
+              </a:rPr>
+              <a:t>-year rule</a:t>
+            </a:r>
+            <a:endParaRPr lang="zh-CN" altLang="zh-CN" sz="2000" b="1" dirty="0">
+              <a:solidFill>
+                <a:srgbClr val="FF0000"/>
+              </a:solidFill>
+              <a:latin typeface="微软雅黑" panose="020B0503020204020204" pitchFamily="34" charset="-122"/>
+              <a:ea typeface="微软雅黑" panose="020B0503020204020204" pitchFamily="34" charset="-122"/>
+            </a:endParaRPr>
+          </a:p>
+        </p:txBody>
+      </p:sp>
+      <p:pic>
+        <p:nvPicPr>
+          <p:cNvPr id="4" name="Picture 2">
+            <a:extLst>
+              <a:ext uri="{FF2B5EF4-FFF2-40B4-BE49-F238E27FC236}">
+                <a16:creationId xmlns:a16="http://schemas.microsoft.com/office/drawing/2014/main" id="{F8BF18DA-09D6-90AE-1927-F297F64324F3}"/>
+              </a:ext>
+            </a:extLst>
+          </p:cNvPr>
+          <p:cNvPicPr>
+            <a:picLocks noChangeAspect="1" noChangeArrowheads="1"/>
+          </p:cNvPicPr>
+          <p:nvPr/>
+        </p:nvPicPr>
+        <p:blipFill>
+          <a:blip r:embed="rId2">
+            <a:extLst>
+              <a:ext uri="{28A0092B-C50C-407E-A947-70E740481C1C}">
+                <a14:useLocalDpi xmlns:a14="http://schemas.microsoft.com/office/drawing/2010/main" val="0"/>
+              </a:ext>
+            </a:extLst>
+          </a:blip>
+          <a:srcRect/>
+          <a:stretch>
+            <a:fillRect/>
+          </a:stretch>
+        </p:blipFill>
+        <p:spPr bwMode="auto">
+          <a:xfrm>
+            <a:off x="3558357" y="3226668"/>
+            <a:ext cx="3797261" cy="3024799"/>
+          </a:xfrm>
+          <a:prstGeom prst="rect">
+            <a:avLst/>
+          </a:prstGeom>
+          <a:noFill/>
+          <a:ln>
+            <a:noFill/>
+          </a:ln>
+          <a:extLst>
+            <a:ext uri="{909E8E84-426E-40DD-AFC4-6F175D3DCCD1}">
+              <a14:hiddenFill xmlns:a14="http://schemas.microsoft.com/office/drawing/2010/main">
+                <a:solidFill>
+                  <a:srgbClr val="FFFFFF"/>
+                </a:solidFill>
+              </a14:hiddenFill>
+            </a:ext>
+            <a:ext uri="{91240B29-F687-4F45-9708-019B960494DF}">
+              <a14:hiddenLine xmlns:a14="http://schemas.microsoft.com/office/drawing/2010/main" w="9525">
+                <a:solidFill>
+                  <a:srgbClr val="000000"/>
+                </a:solidFill>
+                <a:miter lim="800000"/>
+                <a:headEnd/>
+                <a:tailEnd/>
+              </a14:hiddenLine>
+            </a:ext>
+          </a:extLst>
+        </p:spPr>
+      </p:pic>
+      <p:sp>
+        <p:nvSpPr>
+          <p:cNvPr id="7" name="Rectangle 1">
+            <a:extLst>
+              <a:ext uri="{FF2B5EF4-FFF2-40B4-BE49-F238E27FC236}">
+                <a16:creationId xmlns:a16="http://schemas.microsoft.com/office/drawing/2014/main" id="{ADE51225-D19A-D7A1-A60C-A3A435F25D86}"/>
+              </a:ext>
+            </a:extLst>
+          </p:cNvPr>
+          <p:cNvSpPr>
+            <a:spLocks noChangeArrowheads="1"/>
+          </p:cNvSpPr>
+          <p:nvPr/>
+        </p:nvSpPr>
+        <p:spPr bwMode="auto">
+          <a:xfrm>
+            <a:off x="2492707" y="6294476"/>
+            <a:ext cx="6149467" cy="338554"/>
+          </a:xfrm>
+          <a:prstGeom prst="rect">
+            <a:avLst/>
+          </a:prstGeom>
+          <a:noFill/>
+          <a:ln>
+            <a:noFill/>
+          </a:ln>
+          <a:extLst>
+            <a:ext uri="{909E8E84-426E-40DD-AFC4-6F175D3DCCD1}">
+              <a14:hiddenFill xmlns:a14="http://schemas.microsoft.com/office/drawing/2010/main">
+                <a:solidFill>
+                  <a:srgbClr val="FFFFFF"/>
+                </a:solidFill>
+              </a14:hiddenFill>
+            </a:ext>
+            <a:ext uri="{91240B29-F687-4F45-9708-019B960494DF}">
+              <a14:hiddenLine xmlns:a14="http://schemas.microsoft.com/office/drawing/2010/main" w="9525">
+                <a:solidFill>
+                  <a:srgbClr val="000000"/>
+                </a:solidFill>
+                <a:miter lim="800000"/>
+                <a:headEnd/>
+                <a:tailEnd/>
+              </a14:hiddenLine>
+            </a:ext>
+          </a:extLst>
+        </p:spPr>
+        <p:txBody>
+          <a:bodyPr wrap="square" anchor="ctr">
+            <a:spAutoFit/>
+          </a:bodyPr>
+          <a:lstStyle>
+            <a:lvl1pPr>
+              <a:spcBef>
+                <a:spcPct val="20000"/>
+              </a:spcBef>
+              <a:buFont typeface="Arial" panose="020B0604020202020204" pitchFamily="34" charset="0"/>
+              <a:buChar char="•"/>
+              <a:defRPr kumimoji="1" sz="3200">
+                <a:solidFill>
+                  <a:schemeClr val="tx1"/>
+                </a:solidFill>
+                <a:latin typeface="Calibri" panose="020F0502020204030204" pitchFamily="34" charset="0"/>
+                <a:ea typeface="宋体" panose="02010600030101010101" pitchFamily="2" charset="-122"/>
+              </a:defRPr>
+            </a:lvl1pPr>
+            <a:lvl2pPr marL="742950" indent="-285750">
+              <a:spcBef>
+                <a:spcPct val="20000"/>
+              </a:spcBef>
+              <a:buFont typeface="Arial" panose="020B0604020202020204" pitchFamily="34" charset="0"/>
+              <a:buChar char="–"/>
+              <a:defRPr kumimoji="1" sz="2800">
+                <a:solidFill>
+                  <a:schemeClr val="tx1"/>
+                </a:solidFill>
+                <a:latin typeface="Calibri" panose="020F0502020204030204" pitchFamily="34" charset="0"/>
+                <a:ea typeface="宋体" panose="02010600030101010101" pitchFamily="2" charset="-122"/>
+              </a:defRPr>
+            </a:lvl2pPr>
+            <a:lvl3pPr marL="1143000" indent="-228600">
+              <a:spcBef>
+                <a:spcPct val="20000"/>
+              </a:spcBef>
+              <a:buFont typeface="Arial" panose="020B0604020202020204" pitchFamily="34" charset="0"/>
+              <a:buChar char="•"/>
+              <a:defRPr kumimoji="1" sz="2400">
+                <a:solidFill>
+                  <a:schemeClr val="tx1"/>
+                </a:solidFill>
+                <a:latin typeface="Calibri" panose="020F0502020204030204" pitchFamily="34" charset="0"/>
+                <a:ea typeface="宋体" panose="02010600030101010101" pitchFamily="2" charset="-122"/>
+              </a:defRPr>
+            </a:lvl3pPr>
+            <a:lvl4pPr marL="1600200" indent="-228600">
+              <a:spcBef>
+                <a:spcPct val="20000"/>
+              </a:spcBef>
+              <a:buFont typeface="Arial" panose="020B0604020202020204" pitchFamily="34" charset="0"/>
+              <a:buChar char="–"/>
+              <a:defRPr kumimoji="1" sz="2000">
+                <a:solidFill>
+                  <a:schemeClr val="tx1"/>
+                </a:solidFill>
+                <a:latin typeface="Calibri" panose="020F0502020204030204" pitchFamily="34" charset="0"/>
+                <a:ea typeface="宋体" panose="02010600030101010101" pitchFamily="2" charset="-122"/>
+              </a:defRPr>
+            </a:lvl4pPr>
+            <a:lvl5pPr marL="2057400" indent="-228600">
+              <a:spcBef>
+                <a:spcPct val="20000"/>
+              </a:spcBef>
+              <a:buFont typeface="Arial" panose="020B0604020202020204" pitchFamily="34" charset="0"/>
+              <a:buChar char="»"/>
+              <a:defRPr kumimoji="1" sz="2000">
+                <a:solidFill>
+                  <a:schemeClr val="tx1"/>
+                </a:solidFill>
+                <a:latin typeface="Calibri" panose="020F0502020204030204" pitchFamily="34" charset="0"/>
+                <a:ea typeface="宋体" panose="02010600030101010101" pitchFamily="2" charset="-122"/>
+              </a:defRPr>
+            </a:lvl5pPr>
+            <a:lvl6pPr marL="2514600" indent="-228600" defTabSz="457200" eaLnBrk="0" fontAlgn="base" hangingPunct="0">
+              <a:spcBef>
+                <a:spcPct val="20000"/>
+              </a:spcBef>
+              <a:spcAft>
+                <a:spcPct val="0"/>
+              </a:spcAft>
+              <a:buFont typeface="Arial" panose="020B0604020202020204" pitchFamily="34" charset="0"/>
+              <a:buChar char="»"/>
+              <a:defRPr kumimoji="1" sz="2000">
+                <a:solidFill>
+                  <a:schemeClr val="tx1"/>
+                </a:solidFill>
+                <a:latin typeface="Calibri" panose="020F0502020204030204" pitchFamily="34" charset="0"/>
+                <a:ea typeface="宋体" panose="02010600030101010101" pitchFamily="2" charset="-122"/>
+              </a:defRPr>
+            </a:lvl6pPr>
+            <a:lvl7pPr marL="2971800" indent="-228600" defTabSz="457200" eaLnBrk="0" fontAlgn="base" hangingPunct="0">
+              <a:spcBef>
+                <a:spcPct val="20000"/>
+              </a:spcBef>
+              <a:spcAft>
+                <a:spcPct val="0"/>
+              </a:spcAft>
+              <a:buFont typeface="Arial" panose="020B0604020202020204" pitchFamily="34" charset="0"/>
+              <a:buChar char="»"/>
+              <a:defRPr kumimoji="1" sz="2000">
+                <a:solidFill>
+                  <a:schemeClr val="tx1"/>
+                </a:solidFill>
+                <a:latin typeface="Calibri" panose="020F0502020204030204" pitchFamily="34" charset="0"/>
+                <a:ea typeface="宋体" panose="02010600030101010101" pitchFamily="2" charset="-122"/>
+              </a:defRPr>
+            </a:lvl7pPr>
+            <a:lvl8pPr marL="3429000" indent="-228600" defTabSz="457200" eaLnBrk="0" fontAlgn="base" hangingPunct="0">
+              <a:spcBef>
+                <a:spcPct val="20000"/>
+              </a:spcBef>
+              <a:spcAft>
+                <a:spcPct val="0"/>
+              </a:spcAft>
+              <a:buFont typeface="Arial" panose="020B0604020202020204" pitchFamily="34" charset="0"/>
+              <a:buChar char="»"/>
+              <a:defRPr kumimoji="1" sz="2000">
+                <a:solidFill>
+                  <a:schemeClr val="tx1"/>
+                </a:solidFill>
+                <a:latin typeface="Calibri" panose="020F0502020204030204" pitchFamily="34" charset="0"/>
+                <a:ea typeface="宋体" panose="02010600030101010101" pitchFamily="2" charset="-122"/>
+              </a:defRPr>
+            </a:lvl8pPr>
+            <a:lvl9pPr marL="3886200" indent="-228600" defTabSz="457200" eaLnBrk="0" fontAlgn="base" hangingPunct="0">
+              <a:spcBef>
+                <a:spcPct val="20000"/>
+              </a:spcBef>
+              <a:spcAft>
+                <a:spcPct val="0"/>
+              </a:spcAft>
+              <a:buFont typeface="Arial" panose="020B0604020202020204" pitchFamily="34" charset="0"/>
+              <a:buChar char="»"/>
+              <a:defRPr kumimoji="1" sz="2000">
+                <a:solidFill>
+                  <a:schemeClr val="tx1"/>
+                </a:solidFill>
+                <a:latin typeface="Calibri" panose="020F0502020204030204" pitchFamily="34" charset="0"/>
+                <a:ea typeface="宋体" panose="02010600030101010101" pitchFamily="2" charset="-122"/>
+              </a:defRPr>
+            </a:lvl9pPr>
+          </a:lstStyle>
+          <a:p>
+            <a:pPr algn="ctr" eaLnBrk="1" hangingPunct="1">
+              <a:spcBef>
+                <a:spcPct val="0"/>
+              </a:spcBef>
+              <a:buFontTx/>
+              <a:buNone/>
+            </a:pPr>
+            <a:r>
+              <a:rPr lang="zh-CN" altLang="en-US" sz="1600" b="1" dirty="0">
+                <a:solidFill>
+                  <a:srgbClr val="0000FF"/>
+                </a:solidFill>
+                <a:latin typeface="微软雅黑" panose="020B0503020204020204" pitchFamily="34" charset="-122"/>
+                <a:ea typeface="微软雅黑" panose="020B0503020204020204" pitchFamily="34" charset="-122"/>
+                <a:cs typeface="Times New Roman" panose="02020603050405020304" pitchFamily="18" charset="0"/>
+              </a:rPr>
+              <a:t>最大偏心率 </a:t>
+            </a:r>
+            <a:r>
+              <a:rPr lang="en-US" altLang="zh-CN" sz="1600" b="1" dirty="0">
+                <a:solidFill>
+                  <a:srgbClr val="0000FF"/>
+                </a:solidFill>
+                <a:latin typeface="微软雅黑" panose="020B0503020204020204" pitchFamily="34" charset="-122"/>
+                <a:ea typeface="微软雅黑" panose="020B0503020204020204" pitchFamily="34" charset="-122"/>
+                <a:cs typeface="Times New Roman" panose="02020603050405020304" pitchFamily="18" charset="0"/>
+              </a:rPr>
+              <a:t>(</a:t>
+            </a:r>
+            <a:r>
+              <a:rPr lang="zh-CN" altLang="en-US" sz="1600" b="1" dirty="0">
+                <a:solidFill>
+                  <a:srgbClr val="0000FF"/>
+                </a:solidFill>
+                <a:latin typeface="微软雅黑" panose="020B0503020204020204" pitchFamily="34" charset="-122"/>
+                <a:ea typeface="微软雅黑" panose="020B0503020204020204" pitchFamily="34" charset="-122"/>
+                <a:cs typeface="Times New Roman" panose="02020603050405020304" pitchFamily="18" charset="0"/>
+              </a:rPr>
+              <a:t>最低近地点高度</a:t>
+            </a:r>
+            <a:r>
+              <a:rPr lang="en-US" altLang="zh-CN" sz="1600" b="1" dirty="0">
+                <a:solidFill>
+                  <a:srgbClr val="0000FF"/>
+                </a:solidFill>
+                <a:latin typeface="微软雅黑" panose="020B0503020204020204" pitchFamily="34" charset="-122"/>
+                <a:ea typeface="微软雅黑" panose="020B0503020204020204" pitchFamily="34" charset="-122"/>
+                <a:cs typeface="Times New Roman" panose="02020603050405020304" pitchFamily="18" charset="0"/>
+              </a:rPr>
+              <a:t>)</a:t>
+            </a:r>
+            <a:r>
+              <a:rPr lang="zh-CN" altLang="en-US" sz="1600" b="1" dirty="0">
+                <a:solidFill>
+                  <a:srgbClr val="0000FF"/>
+                </a:solidFill>
+                <a:latin typeface="微软雅黑" panose="020B0503020204020204" pitchFamily="34" charset="-122"/>
+                <a:ea typeface="微软雅黑" panose="020B0503020204020204" pitchFamily="34" charset="-122"/>
+                <a:cs typeface="Times New Roman" panose="02020603050405020304" pitchFamily="18" charset="0"/>
+              </a:rPr>
+              <a:t> </a:t>
+            </a:r>
+            <a:r>
+              <a:rPr lang="en-US" altLang="zh-CN" sz="1600" b="1" dirty="0">
+                <a:solidFill>
+                  <a:srgbClr val="0000FF"/>
+                </a:solidFill>
+                <a:latin typeface="微软雅黑" panose="020B0503020204020204" pitchFamily="34" charset="-122"/>
+                <a:ea typeface="微软雅黑" panose="020B0503020204020204" pitchFamily="34" charset="-122"/>
+                <a:cs typeface="Times New Roman" panose="02020603050405020304" pitchFamily="18" charset="0"/>
+              </a:rPr>
+              <a:t>vs </a:t>
+            </a:r>
+            <a:r>
+              <a:rPr lang="zh-CN" altLang="en-US" sz="1600" b="1" dirty="0">
+                <a:solidFill>
+                  <a:srgbClr val="0000FF"/>
+                </a:solidFill>
+                <a:latin typeface="微软雅黑" panose="020B0503020204020204" pitchFamily="34" charset="-122"/>
+                <a:ea typeface="微软雅黑" panose="020B0503020204020204" pitchFamily="34" charset="-122"/>
+                <a:cs typeface="Times New Roman" panose="02020603050405020304" pitchFamily="18" charset="0"/>
+              </a:rPr>
+              <a:t>初始升交点经度 </a:t>
+            </a:r>
+            <a:r>
+              <a:rPr lang="en-US" altLang="zh-CN" sz="1600" b="1" dirty="0">
+                <a:solidFill>
+                  <a:srgbClr val="0000FF"/>
+                </a:solidFill>
+                <a:latin typeface="微软雅黑" panose="020B0503020204020204" pitchFamily="34" charset="-122"/>
+                <a:ea typeface="微软雅黑" panose="020B0503020204020204" pitchFamily="34" charset="-122"/>
+                <a:cs typeface="Times New Roman" panose="02020603050405020304" pitchFamily="18" charset="0"/>
+              </a:rPr>
+              <a:t>(</a:t>
+            </a:r>
+            <a:r>
+              <a:rPr lang="zh-CN" altLang="en-US" sz="1600" b="1" dirty="0">
+                <a:solidFill>
+                  <a:srgbClr val="0000FF"/>
+                </a:solidFill>
+                <a:latin typeface="微软雅黑" panose="020B0503020204020204" pitchFamily="34" charset="-122"/>
+                <a:ea typeface="微软雅黑" panose="020B0503020204020204" pitchFamily="34" charset="-122"/>
+                <a:cs typeface="Times New Roman" panose="02020603050405020304" pitchFamily="18" charset="0"/>
+              </a:rPr>
+              <a:t>发射时间</a:t>
+            </a:r>
+            <a:r>
+              <a:rPr lang="en-US" altLang="zh-CN" sz="1600" b="1" dirty="0">
+                <a:solidFill>
+                  <a:srgbClr val="0000FF"/>
+                </a:solidFill>
+                <a:latin typeface="微软雅黑" panose="020B0503020204020204" pitchFamily="34" charset="-122"/>
+                <a:ea typeface="微软雅黑" panose="020B0503020204020204" pitchFamily="34" charset="-122"/>
+                <a:cs typeface="Times New Roman" panose="02020603050405020304" pitchFamily="18" charset="0"/>
+              </a:rPr>
+              <a:t>)</a:t>
+            </a:r>
+            <a:endParaRPr lang="zh-CN" altLang="en-US" sz="1600" dirty="0">
+              <a:solidFill>
+                <a:srgbClr val="0000FF"/>
+              </a:solidFill>
+              <a:latin typeface="微软雅黑" panose="020B0503020204020204" pitchFamily="34" charset="-122"/>
+              <a:ea typeface="微软雅黑" panose="020B0503020204020204" pitchFamily="34" charset="-122"/>
+              <a:cs typeface="Times New Roman" panose="02020603050405020304" pitchFamily="18" charset="0"/>
+            </a:endParaRPr>
+          </a:p>
+        </p:txBody>
+      </p:sp>
+      <p:pic>
+        <p:nvPicPr>
+          <p:cNvPr id="8" name="Picture 2" descr="Fig03">
+            <a:extLst>
+              <a:ext uri="{FF2B5EF4-FFF2-40B4-BE49-F238E27FC236}">
+                <a16:creationId xmlns:a16="http://schemas.microsoft.com/office/drawing/2014/main" id="{00A4AA39-BD61-00DA-045A-C3A1C7518915}"/>
+              </a:ext>
+            </a:extLst>
+          </p:cNvPr>
+          <p:cNvPicPr>
+            <a:picLocks noChangeAspect="1" noChangeArrowheads="1"/>
+          </p:cNvPicPr>
+          <p:nvPr/>
+        </p:nvPicPr>
+        <p:blipFill>
+          <a:blip r:embed="rId3">
+            <a:extLst>
+              <a:ext uri="{28A0092B-C50C-407E-A947-70E740481C1C}">
+                <a14:useLocalDpi xmlns:a14="http://schemas.microsoft.com/office/drawing/2010/main" val="0"/>
+              </a:ext>
+            </a:extLst>
+          </a:blip>
+          <a:srcRect/>
+          <a:stretch>
+            <a:fillRect/>
+          </a:stretch>
+        </p:blipFill>
+        <p:spPr bwMode="auto">
+          <a:xfrm>
+            <a:off x="8125992" y="689021"/>
+            <a:ext cx="3797260" cy="5519438"/>
+          </a:xfrm>
+          <a:prstGeom prst="rect">
+            <a:avLst/>
+          </a:prstGeom>
+          <a:noFill/>
+          <a:ln>
+            <a:noFill/>
+          </a:ln>
+          <a:extLst>
+            <a:ext uri="{909E8E84-426E-40DD-AFC4-6F175D3DCCD1}">
+              <a14:hiddenFill xmlns:a14="http://schemas.microsoft.com/office/drawing/2010/main">
+                <a:solidFill>
+                  <a:srgbClr val="FFFFFF"/>
+                </a:solidFill>
+              </a14:hiddenFill>
+            </a:ext>
+            <a:ext uri="{91240B29-F687-4F45-9708-019B960494DF}">
+              <a14:hiddenLine xmlns:a14="http://schemas.microsoft.com/office/drawing/2010/main" w="9525">
+                <a:solidFill>
+                  <a:srgbClr val="000000"/>
+                </a:solidFill>
+                <a:miter lim="800000"/>
+                <a:headEnd/>
+                <a:tailEnd/>
+              </a14:hiddenLine>
+            </a:ext>
+          </a:extLst>
+        </p:spPr>
+      </p:pic>
+      <p:sp>
+        <p:nvSpPr>
+          <p:cNvPr id="9" name="Rectangle 1">
+            <a:extLst>
+              <a:ext uri="{FF2B5EF4-FFF2-40B4-BE49-F238E27FC236}">
+                <a16:creationId xmlns:a16="http://schemas.microsoft.com/office/drawing/2014/main" id="{443F521F-0A00-284B-EA0B-787F85FA2B36}"/>
+              </a:ext>
+            </a:extLst>
+          </p:cNvPr>
+          <p:cNvSpPr>
+            <a:spLocks noChangeArrowheads="1"/>
+          </p:cNvSpPr>
+          <p:nvPr/>
+        </p:nvSpPr>
+        <p:spPr bwMode="auto">
+          <a:xfrm>
+            <a:off x="8778657" y="6048255"/>
+            <a:ext cx="3127393" cy="584775"/>
+          </a:xfrm>
+          <a:prstGeom prst="rect">
+            <a:avLst/>
+          </a:prstGeom>
+          <a:noFill/>
+          <a:ln>
+            <a:noFill/>
+          </a:ln>
+          <a:extLst>
+            <a:ext uri="{909E8E84-426E-40DD-AFC4-6F175D3DCCD1}">
+              <a14:hiddenFill xmlns:a14="http://schemas.microsoft.com/office/drawing/2010/main">
+                <a:solidFill>
+                  <a:srgbClr val="FFFFFF"/>
+                </a:solidFill>
+              </a14:hiddenFill>
+            </a:ext>
+            <a:ext uri="{91240B29-F687-4F45-9708-019B960494DF}">
+              <a14:hiddenLine xmlns:a14="http://schemas.microsoft.com/office/drawing/2010/main" w="9525">
+                <a:solidFill>
+                  <a:srgbClr val="000000"/>
+                </a:solidFill>
+                <a:miter lim="800000"/>
+                <a:headEnd/>
+                <a:tailEnd/>
+              </a14:hiddenLine>
+            </a:ext>
+          </a:extLst>
+        </p:spPr>
+        <p:txBody>
+          <a:bodyPr wrap="square" anchor="ctr">
+            <a:spAutoFit/>
+          </a:bodyPr>
+          <a:lstStyle>
+            <a:lvl1pPr>
+              <a:spcBef>
+                <a:spcPct val="20000"/>
+              </a:spcBef>
+              <a:buFont typeface="Arial" panose="020B0604020202020204" pitchFamily="34" charset="0"/>
+              <a:buChar char="•"/>
+              <a:defRPr kumimoji="1" sz="3200">
+                <a:solidFill>
+                  <a:schemeClr val="tx1"/>
+                </a:solidFill>
+                <a:latin typeface="Calibri" panose="020F0502020204030204" pitchFamily="34" charset="0"/>
+                <a:ea typeface="宋体" panose="02010600030101010101" pitchFamily="2" charset="-122"/>
+              </a:defRPr>
+            </a:lvl1pPr>
+            <a:lvl2pPr marL="742950" indent="-285750">
+              <a:spcBef>
+                <a:spcPct val="20000"/>
+              </a:spcBef>
+              <a:buFont typeface="Arial" panose="020B0604020202020204" pitchFamily="34" charset="0"/>
+              <a:buChar char="–"/>
+              <a:defRPr kumimoji="1" sz="2800">
+                <a:solidFill>
+                  <a:schemeClr val="tx1"/>
+                </a:solidFill>
+                <a:latin typeface="Calibri" panose="020F0502020204030204" pitchFamily="34" charset="0"/>
+                <a:ea typeface="宋体" panose="02010600030101010101" pitchFamily="2" charset="-122"/>
+              </a:defRPr>
+            </a:lvl2pPr>
+            <a:lvl3pPr marL="1143000" indent="-228600">
+              <a:spcBef>
+                <a:spcPct val="20000"/>
+              </a:spcBef>
+              <a:buFont typeface="Arial" panose="020B0604020202020204" pitchFamily="34" charset="0"/>
+              <a:buChar char="•"/>
+              <a:defRPr kumimoji="1" sz="2400">
+                <a:solidFill>
+                  <a:schemeClr val="tx1"/>
+                </a:solidFill>
+                <a:latin typeface="Calibri" panose="020F0502020204030204" pitchFamily="34" charset="0"/>
+                <a:ea typeface="宋体" panose="02010600030101010101" pitchFamily="2" charset="-122"/>
+              </a:defRPr>
+            </a:lvl3pPr>
+            <a:lvl4pPr marL="1600200" indent="-228600">
+              <a:spcBef>
+                <a:spcPct val="20000"/>
+              </a:spcBef>
+              <a:buFont typeface="Arial" panose="020B0604020202020204" pitchFamily="34" charset="0"/>
+              <a:buChar char="–"/>
+              <a:defRPr kumimoji="1" sz="2000">
+                <a:solidFill>
+                  <a:schemeClr val="tx1"/>
+                </a:solidFill>
+                <a:latin typeface="Calibri" panose="020F0502020204030204" pitchFamily="34" charset="0"/>
+                <a:ea typeface="宋体" panose="02010600030101010101" pitchFamily="2" charset="-122"/>
+              </a:defRPr>
+            </a:lvl4pPr>
+            <a:lvl5pPr marL="2057400" indent="-228600">
+              <a:spcBef>
+                <a:spcPct val="20000"/>
+              </a:spcBef>
+              <a:buFont typeface="Arial" panose="020B0604020202020204" pitchFamily="34" charset="0"/>
+              <a:buChar char="»"/>
+              <a:defRPr kumimoji="1" sz="2000">
+                <a:solidFill>
+                  <a:schemeClr val="tx1"/>
+                </a:solidFill>
+                <a:latin typeface="Calibri" panose="020F0502020204030204" pitchFamily="34" charset="0"/>
+                <a:ea typeface="宋体" panose="02010600030101010101" pitchFamily="2" charset="-122"/>
+              </a:defRPr>
+            </a:lvl5pPr>
+            <a:lvl6pPr marL="2514600" indent="-228600" defTabSz="457200" eaLnBrk="0" fontAlgn="base" hangingPunct="0">
+              <a:spcBef>
+                <a:spcPct val="20000"/>
+              </a:spcBef>
+              <a:spcAft>
+                <a:spcPct val="0"/>
+              </a:spcAft>
+              <a:buFont typeface="Arial" panose="020B0604020202020204" pitchFamily="34" charset="0"/>
+              <a:buChar char="»"/>
+              <a:defRPr kumimoji="1" sz="2000">
+                <a:solidFill>
+                  <a:schemeClr val="tx1"/>
+                </a:solidFill>
+                <a:latin typeface="Calibri" panose="020F0502020204030204" pitchFamily="34" charset="0"/>
+                <a:ea typeface="宋体" panose="02010600030101010101" pitchFamily="2" charset="-122"/>
+              </a:defRPr>
+            </a:lvl6pPr>
+            <a:lvl7pPr marL="2971800" indent="-228600" defTabSz="457200" eaLnBrk="0" fontAlgn="base" hangingPunct="0">
+              <a:spcBef>
+                <a:spcPct val="20000"/>
+              </a:spcBef>
+              <a:spcAft>
+                <a:spcPct val="0"/>
+              </a:spcAft>
+              <a:buFont typeface="Arial" panose="020B0604020202020204" pitchFamily="34" charset="0"/>
+              <a:buChar char="»"/>
+              <a:defRPr kumimoji="1" sz="2000">
+                <a:solidFill>
+                  <a:schemeClr val="tx1"/>
+                </a:solidFill>
+                <a:latin typeface="Calibri" panose="020F0502020204030204" pitchFamily="34" charset="0"/>
+                <a:ea typeface="宋体" panose="02010600030101010101" pitchFamily="2" charset="-122"/>
+              </a:defRPr>
+            </a:lvl7pPr>
+            <a:lvl8pPr marL="3429000" indent="-228600" defTabSz="457200" eaLnBrk="0" fontAlgn="base" hangingPunct="0">
+              <a:spcBef>
+                <a:spcPct val="20000"/>
+              </a:spcBef>
+              <a:spcAft>
+                <a:spcPct val="0"/>
+              </a:spcAft>
+              <a:buFont typeface="Arial" panose="020B0604020202020204" pitchFamily="34" charset="0"/>
+              <a:buChar char="»"/>
+              <a:defRPr kumimoji="1" sz="2000">
+                <a:solidFill>
+                  <a:schemeClr val="tx1"/>
+                </a:solidFill>
+                <a:latin typeface="Calibri" panose="020F0502020204030204" pitchFamily="34" charset="0"/>
+                <a:ea typeface="宋体" panose="02010600030101010101" pitchFamily="2" charset="-122"/>
+              </a:defRPr>
+            </a:lvl8pPr>
+            <a:lvl9pPr marL="3886200" indent="-228600" defTabSz="457200" eaLnBrk="0" fontAlgn="base" hangingPunct="0">
+              <a:spcBef>
+                <a:spcPct val="20000"/>
+              </a:spcBef>
+              <a:spcAft>
+                <a:spcPct val="0"/>
+              </a:spcAft>
+              <a:buFont typeface="Arial" panose="020B0604020202020204" pitchFamily="34" charset="0"/>
+              <a:buChar char="»"/>
+              <a:defRPr kumimoji="1" sz="2000">
+                <a:solidFill>
+                  <a:schemeClr val="tx1"/>
+                </a:solidFill>
+                <a:latin typeface="Calibri" panose="020F0502020204030204" pitchFamily="34" charset="0"/>
+                <a:ea typeface="宋体" panose="02010600030101010101" pitchFamily="2" charset="-122"/>
+              </a:defRPr>
+            </a:lvl9pPr>
+          </a:lstStyle>
+          <a:p>
+            <a:pPr algn="ctr" eaLnBrk="1" hangingPunct="1">
+              <a:spcBef>
+                <a:spcPct val="0"/>
+              </a:spcBef>
+              <a:buFontTx/>
+              <a:buNone/>
+            </a:pPr>
+            <a:r>
+              <a:rPr lang="zh-CN" altLang="en-US" sz="1600" b="1" dirty="0">
+                <a:solidFill>
+                  <a:srgbClr val="0000FF"/>
+                </a:solidFill>
+                <a:latin typeface="微软雅黑" panose="020B0503020204020204" pitchFamily="34" charset="-122"/>
+                <a:ea typeface="微软雅黑" panose="020B0503020204020204" pitchFamily="34" charset="-122"/>
+                <a:cs typeface="Times New Roman" panose="02020603050405020304" pitchFamily="18" charset="0"/>
+              </a:rPr>
+              <a:t>不同</a:t>
+            </a:r>
+            <a:r>
+              <a:rPr lang="en-US" altLang="zh-CN" sz="1600" b="1" dirty="0">
+                <a:solidFill>
+                  <a:srgbClr val="0000FF"/>
+                </a:solidFill>
+                <a:latin typeface="微软雅黑" panose="020B0503020204020204" pitchFamily="34" charset="-122"/>
+                <a:ea typeface="微软雅黑" panose="020B0503020204020204" pitchFamily="34" charset="-122"/>
+                <a:cs typeface="Times New Roman" panose="02020603050405020304" pitchFamily="18" charset="0"/>
+              </a:rPr>
+              <a:t>IGSO</a:t>
+            </a:r>
+            <a:r>
+              <a:rPr lang="zh-CN" altLang="en-US" sz="1600" b="1" dirty="0">
+                <a:solidFill>
+                  <a:srgbClr val="0000FF"/>
+                </a:solidFill>
+                <a:latin typeface="微软雅黑" panose="020B0503020204020204" pitchFamily="34" charset="-122"/>
+                <a:ea typeface="微软雅黑" panose="020B0503020204020204" pitchFamily="34" charset="-122"/>
+                <a:cs typeface="Times New Roman" panose="02020603050405020304" pitchFamily="18" charset="0"/>
+              </a:rPr>
+              <a:t>偏心率长期演化结果（日月共振激发）</a:t>
+            </a:r>
+            <a:endParaRPr lang="zh-CN" altLang="en-US" sz="1600" dirty="0">
+              <a:solidFill>
+                <a:srgbClr val="0000FF"/>
+              </a:solidFill>
+              <a:latin typeface="微软雅黑" panose="020B0503020204020204" pitchFamily="34" charset="-122"/>
+              <a:ea typeface="微软雅黑" panose="020B0503020204020204" pitchFamily="34" charset="-122"/>
+              <a:cs typeface="Times New Roman" panose="02020603050405020304" pitchFamily="18" charset="0"/>
+            </a:endParaRPr>
+          </a:p>
+        </p:txBody>
+      </p:sp>
+    </p:spTree>
+    <p:extLst>
+      <p:ext uri="{BB962C8B-B14F-4D97-AF65-F5344CB8AC3E}">
+        <p14:creationId xmlns:p14="http://schemas.microsoft.com/office/powerpoint/2010/main" val="2151966853"/>
+      </p:ext>
+    </p:extLst>
+  </p:cSld>
+  <p:clrMapOvr>
+    <a:masterClrMapping/>
+  </p:clrMapOvr>
+  <mc:AlternateContent xmlns:mc="http://schemas.openxmlformats.org/markup-compatibility/2006" xmlns:p159="http://schemas.microsoft.com/office/powerpoint/2015/09/main">
+    <mc:Choice Requires="p159">
+      <p:transition spd="slow">
+        <p159:morph option="byObject"/>
+      </p:transition>
+    </mc:Choice>
+    <mc:Fallback xmlns="">
+      <p:transition spd="slow">
+        <p:fade/>
+      </p:transition>
+    </mc:Fallback>
+  </mc:AlternateContent>
+</p:sld>
+</file>
+
+<file path=ppt/slides/slide11.xml><?xml version="1.0" encoding="utf-8"?>
+<p:sld xmlns:a="http://schemas.openxmlformats.org/drawingml/2006/main" xmlns:r="http://schemas.openxmlformats.org/officeDocument/2006/relationships" xmlns:p="http://schemas.openxmlformats.org/presentationml/2006/main">
+  <p:cSld>
+    <p:spTree>
+      <p:nvGrpSpPr>
+        <p:cNvPr id="1" name=""/>
+        <p:cNvGrpSpPr/>
+        <p:nvPr/>
+      </p:nvGrpSpPr>
+      <p:grpSpPr>
+        <a:xfrm>
+          <a:off x="0" y="0"/>
+          <a:ext cx="0" cy="0"/>
+          <a:chOff x="0" y="0"/>
+          <a:chExt cx="0" cy="0"/>
+        </a:xfrm>
+      </p:grpSpPr>
+      <p:sp>
+        <p:nvSpPr>
+          <p:cNvPr id="3" name="矩形 2"/>
+          <p:cNvSpPr/>
+          <p:nvPr/>
+        </p:nvSpPr>
+        <p:spPr>
+          <a:xfrm>
+            <a:off x="407987" y="1052513"/>
+            <a:ext cx="11376025" cy="1955215"/>
+          </a:xfrm>
+          <a:prstGeom prst="rect">
+            <a:avLst/>
+          </a:prstGeom>
+        </p:spPr>
+        <p:txBody>
+          <a:bodyPr wrap="square">
+            <a:spAutoFit/>
+          </a:bodyPr>
+          <a:lstStyle/>
+          <a:p>
+            <a:pPr marL="342900" indent="-342900" fontAlgn="auto">
+              <a:lnSpc>
+                <a:spcPct val="150000"/>
+              </a:lnSpc>
+              <a:spcAft>
+                <a:spcPts val="0"/>
+              </a:spcAft>
+              <a:buFont typeface="Arial" panose="020B0604020202020204" pitchFamily="34" charset="0"/>
+              <a:buChar char="•"/>
+            </a:pPr>
+            <a:r>
+              <a:rPr lang="zh-CN" altLang="en-US" sz="2800" b="1" dirty="0">
+                <a:latin typeface="微软雅黑" panose="020B0503020204020204" pitchFamily="34" charset="-122"/>
+                <a:ea typeface="微软雅黑" panose="020B0503020204020204" pitchFamily="34" charset="-122"/>
+              </a:rPr>
+              <a:t>临期预报（陨落时刻、落点）</a:t>
+            </a:r>
+          </a:p>
+          <a:p>
+            <a:pPr marL="800100" lvl="1" indent="-342900">
+              <a:lnSpc>
+                <a:spcPct val="150000"/>
+              </a:lnSpc>
+              <a:buFont typeface="Arial" panose="020B0604020202020204" pitchFamily="34" charset="0"/>
+              <a:buChar char="•"/>
+            </a:pPr>
+            <a:endParaRPr lang="zh-CN" altLang="en-US" sz="2800" b="1" dirty="0">
+              <a:latin typeface="微软雅黑" panose="020B0503020204020204" pitchFamily="34" charset="-122"/>
+              <a:ea typeface="微软雅黑" panose="020B0503020204020204" pitchFamily="34" charset="-122"/>
+            </a:endParaRPr>
+          </a:p>
+          <a:p>
+            <a:pPr marL="342900" indent="-342900" fontAlgn="auto">
+              <a:lnSpc>
+                <a:spcPct val="150000"/>
+              </a:lnSpc>
+              <a:spcAft>
+                <a:spcPts val="0"/>
+              </a:spcAft>
+              <a:buFont typeface="Arial" panose="020B0604020202020204" pitchFamily="34" charset="0"/>
+              <a:buChar char="•"/>
+            </a:pPr>
+            <a:endParaRPr lang="en-US" altLang="zh-CN" sz="2800" b="1" dirty="0">
+              <a:latin typeface="微软雅黑" panose="020B0503020204020204" pitchFamily="34" charset="-122"/>
+              <a:ea typeface="微软雅黑" panose="020B0503020204020204" pitchFamily="34" charset="-122"/>
+              <a:sym typeface="+mn-ea"/>
+            </a:endParaRPr>
+          </a:p>
+        </p:txBody>
+      </p:sp>
+      <p:sp>
+        <p:nvSpPr>
+          <p:cNvPr id="5" name="灯片编号占位符 4"/>
+          <p:cNvSpPr>
+            <a:spLocks noGrp="1"/>
+          </p:cNvSpPr>
+          <p:nvPr>
+            <p:ph type="sldNum" sz="quarter" idx="4"/>
+          </p:nvPr>
+        </p:nvSpPr>
+        <p:spPr/>
+        <p:txBody>
+          <a:bodyPr/>
+          <a:lstStyle/>
+          <a:p>
+            <a:fld id="{5F1D8F20-F945-584B-B149-8CCFBEFE168A}" type="slidenum">
+              <a:rPr kumimoji="1" lang="zh-CN" altLang="en-US" smtClean="0"/>
+              <a:t>11</a:t>
+            </a:fld>
+            <a:endParaRPr kumimoji="1" lang="zh-CN" altLang="en-US"/>
+          </a:p>
+        </p:txBody>
+      </p:sp>
+      <p:sp>
+        <p:nvSpPr>
+          <p:cNvPr id="26" name="标题 1"/>
+          <p:cNvSpPr txBox="1"/>
+          <p:nvPr/>
+        </p:nvSpPr>
+        <p:spPr>
+          <a:xfrm>
+            <a:off x="0" y="0"/>
+            <a:ext cx="12187555" cy="711200"/>
+          </a:xfrm>
+          <a:prstGeom prst="rect">
+            <a:avLst/>
+          </a:prstGeom>
+          <a:noFill/>
+        </p:spPr>
+        <p:txBody>
+          <a:bodyPr vert="horz" lIns="91440" tIns="45720" rIns="91440" bIns="45720" rtlCol="0" anchor="ctr"/>
+          <a:lstStyle/>
+          <a:p>
+            <a:pPr marL="0" marR="0" lvl="0" indent="0" algn="ctr" defTabSz="914400" rtl="0" eaLnBrk="1" fontAlgn="base" latinLnBrk="0" hangingPunct="1">
+              <a:lnSpc>
+                <a:spcPct val="100000"/>
+              </a:lnSpc>
+              <a:spcBef>
+                <a:spcPct val="0"/>
+              </a:spcBef>
+              <a:spcAft>
+                <a:spcPct val="0"/>
+              </a:spcAft>
+              <a:buClrTx/>
+              <a:buSzTx/>
+              <a:buFontTx/>
+              <a:buNone/>
+              <a:defRPr/>
+            </a:pPr>
+            <a:r>
+              <a:rPr kumimoji="0" lang="zh-CN" altLang="en-US" sz="3200" b="1" i="0" u="none" strike="noStrike" kern="1200" cap="none" spc="0" normalizeH="0" baseline="0" noProof="0" dirty="0">
+                <a:ln>
+                  <a:noFill/>
+                </a:ln>
+                <a:solidFill>
+                  <a:schemeClr val="bg1"/>
+                </a:solidFill>
+                <a:effectLst/>
+                <a:uLnTx/>
+                <a:uFillTx/>
+                <a:latin typeface="微软雅黑" panose="020B0503020204020204" pitchFamily="34" charset="-122"/>
+                <a:ea typeface="微软雅黑" panose="020B0503020204020204" pitchFamily="34" charset="-122"/>
+                <a:cs typeface="+mj-cs"/>
+              </a:rPr>
+              <a:t>陨落预报</a:t>
+            </a:r>
+          </a:p>
+        </p:txBody>
+      </p:sp>
+      <p:sp>
+        <p:nvSpPr>
+          <p:cNvPr id="2" name="文本框 1">
+            <a:extLst>
+              <a:ext uri="{FF2B5EF4-FFF2-40B4-BE49-F238E27FC236}">
+                <a16:creationId xmlns:a16="http://schemas.microsoft.com/office/drawing/2014/main" id="{1E61AE4D-B908-EF6F-BC8A-B06036495169}"/>
+              </a:ext>
+            </a:extLst>
+          </p:cNvPr>
+          <p:cNvSpPr txBox="1"/>
+          <p:nvPr/>
+        </p:nvSpPr>
+        <p:spPr>
+          <a:xfrm>
+            <a:off x="7095768" y="1318643"/>
+            <a:ext cx="4217829" cy="1422954"/>
+          </a:xfrm>
+          <a:prstGeom prst="rect">
+            <a:avLst/>
+          </a:prstGeom>
+          <a:noFill/>
+        </p:spPr>
+        <p:txBody>
+          <a:bodyPr wrap="square">
+            <a:spAutoFit/>
+          </a:bodyPr>
+          <a:lstStyle/>
+          <a:p>
+            <a:pPr algn="ctr" fontAlgn="auto">
+              <a:lnSpc>
+                <a:spcPct val="150000"/>
+              </a:lnSpc>
+              <a:spcAft>
+                <a:spcPts val="0"/>
+              </a:spcAft>
+            </a:pPr>
+            <a:r>
+              <a:rPr lang="en-GB" altLang="zh-CN" sz="2000" b="1" dirty="0">
+                <a:latin typeface="微软雅黑" panose="020B0503020204020204" pitchFamily="34" charset="-122"/>
+                <a:ea typeface="微软雅黑" panose="020B0503020204020204" pitchFamily="34" charset="-122"/>
+                <a:hlinkClick r:id="rId2"/>
+              </a:rPr>
+              <a:t>www.space-track.org</a:t>
+            </a:r>
+            <a:endParaRPr lang="en-GB" altLang="zh-CN" sz="2000" b="1" dirty="0">
+              <a:latin typeface="微软雅黑" panose="020B0503020204020204" pitchFamily="34" charset="-122"/>
+              <a:ea typeface="微软雅黑" panose="020B0503020204020204" pitchFamily="34" charset="-122"/>
+            </a:endParaRPr>
+          </a:p>
+          <a:p>
+            <a:pPr algn="ctr" fontAlgn="auto">
+              <a:lnSpc>
+                <a:spcPct val="150000"/>
+              </a:lnSpc>
+              <a:spcAft>
+                <a:spcPts val="0"/>
+              </a:spcAft>
+            </a:pPr>
+            <a:r>
+              <a:rPr lang="en-GB" altLang="zh-CN" sz="2000" b="1" dirty="0">
+                <a:latin typeface="微软雅黑" panose="020B0503020204020204" pitchFamily="34" charset="-122"/>
+                <a:ea typeface="微软雅黑" panose="020B0503020204020204" pitchFamily="34" charset="-122"/>
+                <a:hlinkClick r:id="rId3"/>
+              </a:rPr>
+              <a:t>www.satview.org</a:t>
+            </a:r>
+            <a:endParaRPr lang="en-GB" altLang="zh-CN" sz="2000" b="1" dirty="0">
+              <a:latin typeface="微软雅黑" panose="020B0503020204020204" pitchFamily="34" charset="-122"/>
+              <a:ea typeface="微软雅黑" panose="020B0503020204020204" pitchFamily="34" charset="-122"/>
+            </a:endParaRPr>
+          </a:p>
+          <a:p>
+            <a:pPr algn="ctr" fontAlgn="auto">
+              <a:lnSpc>
+                <a:spcPct val="150000"/>
+              </a:lnSpc>
+              <a:spcAft>
+                <a:spcPts val="0"/>
+              </a:spcAft>
+            </a:pPr>
+            <a:r>
+              <a:rPr lang="en-GB" altLang="zh-CN" sz="2000" b="1" dirty="0">
+                <a:latin typeface="微软雅黑" panose="020B0503020204020204" pitchFamily="34" charset="-122"/>
+                <a:ea typeface="微软雅黑" panose="020B0503020204020204" pitchFamily="34" charset="-122"/>
+                <a:hlinkClick r:id="rId4"/>
+              </a:rPr>
+              <a:t>www.satflare.com</a:t>
+            </a:r>
+            <a:endParaRPr lang="en-GB" altLang="zh-CN" sz="2000" b="1" dirty="0">
+              <a:latin typeface="微软雅黑" panose="020B0503020204020204" pitchFamily="34" charset="-122"/>
+              <a:ea typeface="微软雅黑" panose="020B0503020204020204" pitchFamily="34" charset="-122"/>
+            </a:endParaRPr>
+          </a:p>
+        </p:txBody>
+      </p:sp>
+      <p:pic>
+        <p:nvPicPr>
+          <p:cNvPr id="1026" name="Picture 2" descr="ESA - Tiangong-1 reentry">
+            <a:extLst>
+              <a:ext uri="{FF2B5EF4-FFF2-40B4-BE49-F238E27FC236}">
+                <a16:creationId xmlns:a16="http://schemas.microsoft.com/office/drawing/2014/main" id="{7ABC8BA1-BE00-1A8C-9532-65DA7D0B91BC}"/>
+              </a:ext>
+            </a:extLst>
+          </p:cNvPr>
+          <p:cNvPicPr>
+            <a:picLocks noChangeAspect="1" noChangeArrowheads="1"/>
+          </p:cNvPicPr>
+          <p:nvPr/>
+        </p:nvPicPr>
+        <p:blipFill>
+          <a:blip r:embed="rId5">
+            <a:extLst>
+              <a:ext uri="{28A0092B-C50C-407E-A947-70E740481C1C}">
+                <a14:useLocalDpi xmlns:a14="http://schemas.microsoft.com/office/drawing/2010/main" val="0"/>
+              </a:ext>
+            </a:extLst>
+          </a:blip>
+          <a:srcRect/>
+          <a:stretch>
+            <a:fillRect/>
+          </a:stretch>
+        </p:blipFill>
+        <p:spPr bwMode="auto">
+          <a:xfrm>
+            <a:off x="173295" y="2273492"/>
+            <a:ext cx="5624009" cy="3851573"/>
+          </a:xfrm>
+          <a:prstGeom prst="rect">
+            <a:avLst/>
+          </a:prstGeom>
+          <a:noFill/>
+          <a:extLst>
+            <a:ext uri="{909E8E84-426E-40DD-AFC4-6F175D3DCCD1}">
+              <a14:hiddenFill xmlns:a14="http://schemas.microsoft.com/office/drawing/2010/main">
+                <a:solidFill>
+                  <a:srgbClr val="FFFFFF"/>
+                </a:solidFill>
+              </a14:hiddenFill>
+            </a:ext>
+          </a:extLst>
+        </p:spPr>
+      </p:pic>
+      <p:pic>
+        <p:nvPicPr>
+          <p:cNvPr id="18" name="图片 17">
+            <a:extLst>
+              <a:ext uri="{FF2B5EF4-FFF2-40B4-BE49-F238E27FC236}">
+                <a16:creationId xmlns:a16="http://schemas.microsoft.com/office/drawing/2014/main" id="{AB234B79-BF54-BDE7-1EBE-C29A9F41F12A}"/>
+              </a:ext>
+            </a:extLst>
+          </p:cNvPr>
+          <p:cNvPicPr>
+            <a:picLocks noChangeAspect="1"/>
+          </p:cNvPicPr>
+          <p:nvPr/>
+        </p:nvPicPr>
+        <p:blipFill>
+          <a:blip r:embed="rId6"/>
+          <a:stretch>
+            <a:fillRect/>
+          </a:stretch>
+        </p:blipFill>
+        <p:spPr>
+          <a:xfrm>
+            <a:off x="5897884" y="3001997"/>
+            <a:ext cx="6095999" cy="2776024"/>
+          </a:xfrm>
+          <a:prstGeom prst="rect">
+            <a:avLst/>
+          </a:prstGeom>
+        </p:spPr>
+      </p:pic>
+    </p:spTree>
+    <p:extLst>
+      <p:ext uri="{BB962C8B-B14F-4D97-AF65-F5344CB8AC3E}">
+        <p14:creationId xmlns:p14="http://schemas.microsoft.com/office/powerpoint/2010/main" val="1139224463"/>
+      </p:ext>
+    </p:extLst>
   </p:cSld>
   <p:clrMapOvr>
     <a:masterClrMapping/>
@@ -1911,7 +3401,7 @@
         <p:spPr>
           <a:xfrm>
             <a:off x="4507022" y="2240182"/>
-            <a:ext cx="4510854" cy="2959977"/>
+            <a:ext cx="4510854" cy="2221314"/>
           </a:xfrm>
           <a:prstGeom prst="rect">
             <a:avLst/>
@@ -1944,28 +3434,6 @@
               <a:latin typeface="微软雅黑" panose="020B0503020204020204" pitchFamily="34" charset="-122"/>
               <a:ea typeface="微软雅黑" panose="020B0503020204020204" pitchFamily="34" charset="-122"/>
             </a:endParaRPr>
-          </a:p>
-          <a:p>
-            <a:pPr marL="342900" indent="-342900" fontAlgn="auto">
-              <a:lnSpc>
-                <a:spcPct val="150000"/>
-              </a:lnSpc>
-              <a:spcAft>
-                <a:spcPts val="0"/>
-              </a:spcAft>
-              <a:buFont typeface="Arial" panose="020B0604020202020204" pitchFamily="34" charset="0"/>
-              <a:buChar char="•"/>
-            </a:pPr>
-            <a:r>
-              <a:rPr lang="en-US" altLang="zh-CN" sz="3200" b="1" dirty="0">
-                <a:solidFill>
-                  <a:srgbClr val="FF0000"/>
-                </a:solidFill>
-                <a:latin typeface="微软雅黑" panose="020B0503020204020204" pitchFamily="34" charset="-122"/>
-                <a:ea typeface="微软雅黑" panose="020B0503020204020204" pitchFamily="34" charset="-122"/>
-              </a:rPr>
-              <a:t>2022-10-21</a:t>
-            </a:r>
           </a:p>
           <a:p>
             <a:pPr marL="342900" indent="-342900" fontAlgn="auto">
@@ -2152,7 +3620,7 @@
         <p:spPr>
           <a:xfrm>
             <a:off x="407987" y="1052513"/>
-            <a:ext cx="11376025" cy="3247877"/>
+            <a:ext cx="11376025" cy="3801875"/>
           </a:xfrm>
           <a:prstGeom prst="rect">
             <a:avLst/>
@@ -2179,8 +3647,134 @@
                 <a:latin typeface="微软雅黑" panose="020B0503020204020204" pitchFamily="34" charset="-122"/>
                 <a:ea typeface="微软雅黑" panose="020B0503020204020204" pitchFamily="34" charset="-122"/>
               </a:rPr>
-              <a:t>大气摄动的来源</a:t>
-            </a:r>
+              <a:t>大气阻力摄动</a:t>
+            </a:r>
+          </a:p>
+          <a:p>
+            <a:pPr marL="800100" lvl="1" indent="-342900">
+              <a:lnSpc>
+                <a:spcPct val="150000"/>
+              </a:lnSpc>
+              <a:buFont typeface="Arial" panose="020B0604020202020204" pitchFamily="34" charset="0"/>
+              <a:buChar char="•"/>
+            </a:pPr>
+            <a:r>
+              <a:rPr lang="zh-CN" altLang="en-US" sz="2400" b="1" dirty="0">
+                <a:latin typeface="微软雅黑" panose="020B0503020204020204" pitchFamily="34" charset="-122"/>
+                <a:ea typeface="微软雅黑" panose="020B0503020204020204" pitchFamily="34" charset="-122"/>
+                <a:sym typeface="+mn-ea"/>
+              </a:rPr>
+              <a:t>低轨目标非引力摄动中最大的摄动项</a:t>
+            </a:r>
+            <a:endParaRPr lang="en-US" altLang="zh-CN" sz="2400" b="1" dirty="0">
+              <a:latin typeface="微软雅黑" panose="020B0503020204020204" pitchFamily="34" charset="-122"/>
+              <a:ea typeface="微软雅黑" panose="020B0503020204020204" pitchFamily="34" charset="-122"/>
+              <a:sym typeface="+mn-ea"/>
+            </a:endParaRPr>
+          </a:p>
+          <a:p>
+            <a:pPr marL="800100" lvl="1" indent="-342900">
+              <a:lnSpc>
+                <a:spcPct val="150000"/>
+              </a:lnSpc>
+              <a:buFont typeface="Arial" panose="020B0604020202020204" pitchFamily="34" charset="0"/>
+              <a:buChar char="•"/>
+            </a:pPr>
+            <a:r>
+              <a:rPr lang="zh-CN" altLang="en-US" sz="2400" b="1" dirty="0">
+                <a:latin typeface="微软雅黑" panose="020B0503020204020204" pitchFamily="34" charset="-122"/>
+                <a:ea typeface="微软雅黑" panose="020B0503020204020204" pitchFamily="34" charset="-122"/>
+                <a:sym typeface="+mn-ea"/>
+              </a:rPr>
+              <a:t>建模困难：</a:t>
+            </a:r>
+            <a:endParaRPr lang="en-US" altLang="zh-CN" sz="2400" b="1" dirty="0">
+              <a:latin typeface="微软雅黑" panose="020B0503020204020204" pitchFamily="34" charset="-122"/>
+              <a:ea typeface="微软雅黑" panose="020B0503020204020204" pitchFamily="34" charset="-122"/>
+              <a:sym typeface="+mn-ea"/>
+            </a:endParaRPr>
+          </a:p>
+          <a:p>
+            <a:pPr marL="1257300" lvl="2" indent="-342900">
+              <a:lnSpc>
+                <a:spcPct val="150000"/>
+              </a:lnSpc>
+              <a:buFont typeface="Arial" panose="020B0604020202020204" pitchFamily="34" charset="0"/>
+              <a:buChar char="•"/>
+            </a:pPr>
+            <a:r>
+              <a:rPr lang="zh-CN" altLang="en-US" sz="2000" b="1" dirty="0">
+                <a:latin typeface="微软雅黑" panose="020B0503020204020204" pitchFamily="34" charset="-122"/>
+                <a:ea typeface="微软雅黑" panose="020B0503020204020204" pitchFamily="34" charset="-122"/>
+                <a:sym typeface="+mn-ea"/>
+              </a:rPr>
+              <a:t>上层大气</a:t>
+            </a:r>
+            <a:r>
+              <a:rPr lang="en-US" altLang="zh-CN" sz="2000" b="1" dirty="0">
+                <a:latin typeface="微软雅黑" panose="020B0503020204020204" pitchFamily="34" charset="-122"/>
+                <a:ea typeface="微软雅黑" panose="020B0503020204020204" pitchFamily="34" charset="-122"/>
+                <a:sym typeface="+mn-ea"/>
+              </a:rPr>
+              <a:t>(upper atmosphere)</a:t>
+            </a:r>
+            <a:r>
+              <a:rPr lang="zh-CN" altLang="en-US" sz="2000" b="1" dirty="0">
+                <a:latin typeface="微软雅黑" panose="020B0503020204020204" pitchFamily="34" charset="-122"/>
+                <a:ea typeface="微软雅黑" panose="020B0503020204020204" pitchFamily="34" charset="-122"/>
+                <a:sym typeface="+mn-ea"/>
+              </a:rPr>
+              <a:t>密度不准确</a:t>
+            </a:r>
+            <a:endParaRPr lang="en-US" altLang="zh-CN" sz="2000" b="1" dirty="0">
+              <a:latin typeface="微软雅黑" panose="020B0503020204020204" pitchFamily="34" charset="-122"/>
+              <a:ea typeface="微软雅黑" panose="020B0503020204020204" pitchFamily="34" charset="-122"/>
+              <a:sym typeface="+mn-ea"/>
+            </a:endParaRPr>
+          </a:p>
+          <a:p>
+            <a:pPr marL="1257300" lvl="2" indent="-342900">
+              <a:lnSpc>
+                <a:spcPct val="150000"/>
+              </a:lnSpc>
+              <a:buFont typeface="Arial" panose="020B0604020202020204" pitchFamily="34" charset="0"/>
+              <a:buChar char="•"/>
+            </a:pPr>
+            <a:r>
+              <a:rPr lang="zh-CN" altLang="en-US" sz="2000" b="1" dirty="0">
+                <a:latin typeface="微软雅黑" panose="020B0503020204020204" pitchFamily="34" charset="-122"/>
+                <a:ea typeface="微软雅黑" panose="020B0503020204020204" pitchFamily="34" charset="-122"/>
+                <a:sym typeface="+mn-ea"/>
+              </a:rPr>
+              <a:t>中性大气分子与航天器作用力</a:t>
+            </a:r>
+            <a:endParaRPr lang="en-US" altLang="zh-CN" sz="2000" b="1" dirty="0">
+              <a:latin typeface="微软雅黑" panose="020B0503020204020204" pitchFamily="34" charset="-122"/>
+              <a:ea typeface="微软雅黑" panose="020B0503020204020204" pitchFamily="34" charset="-122"/>
+              <a:sym typeface="+mn-ea"/>
+            </a:endParaRPr>
+          </a:p>
+          <a:p>
+            <a:pPr marL="1257300" lvl="2" indent="-342900">
+              <a:lnSpc>
+                <a:spcPct val="150000"/>
+              </a:lnSpc>
+              <a:buFont typeface="Arial" panose="020B0604020202020204" pitchFamily="34" charset="0"/>
+              <a:buChar char="•"/>
+            </a:pPr>
+            <a:r>
+              <a:rPr lang="zh-CN" altLang="en-US" sz="2000" b="1" dirty="0">
+                <a:latin typeface="微软雅黑" panose="020B0503020204020204" pitchFamily="34" charset="-122"/>
+                <a:ea typeface="微软雅黑" panose="020B0503020204020204" pitchFamily="34" charset="-122"/>
+                <a:sym typeface="+mn-ea"/>
+              </a:rPr>
+              <a:t>作用面积（目标姿态）的不确定性</a:t>
+            </a:r>
+            <a:endParaRPr lang="en-US" altLang="zh-CN" sz="2000" b="1" dirty="0">
+              <a:latin typeface="微软雅黑" panose="020B0503020204020204" pitchFamily="34" charset="-122"/>
+              <a:ea typeface="微软雅黑" panose="020B0503020204020204" pitchFamily="34" charset="-122"/>
+              <a:sym typeface="+mn-ea"/>
+            </a:endParaRPr>
           </a:p>
           <a:p>
             <a:pPr marL="342900" indent="-342900" fontAlgn="auto">
@@ -2194,23 +3788,6 @@
               <a:buChar char="•"/>
             </a:pPr>
             <a:endParaRPr lang="en-US" altLang="zh-CN" sz="2800" b="1" dirty="0">
-              <a:latin typeface="微软雅黑" panose="020B0503020204020204" pitchFamily="34" charset="-122"/>
-              <a:ea typeface="微软雅黑" panose="020B0503020204020204" pitchFamily="34" charset="-122"/>
-              <a:sym typeface="+mn-ea"/>
-            </a:endParaRPr>
-          </a:p>
-          <a:p>
-            <a:pPr marL="342900" indent="-342900" fontAlgn="auto">
-              <a:lnSpc>
-                <a:spcPct val="150000"/>
-              </a:lnSpc>
-              <a:spcAft>
-                <a:spcPts val="0"/>
-              </a:spcAft>
-              <a:buFont typeface="Arial" panose="020B0604020202020204" pitchFamily="34" charset="0"/>
-              <a:buChar char="•"/>
-            </a:pPr>
-            <a:endParaRPr lang="en-US" altLang="zh-CN" sz="2800" b="1" dirty="0">
               <a:solidFill>
                 <a:srgbClr val="0000FF"/>
               </a:solidFill>
@@ -2218,76 +3795,6 @@
               <a:ea typeface="微软雅黑" panose="020B0503020204020204" pitchFamily="34" charset="-122"/>
               <a:sym typeface="+mn-ea"/>
             </a:endParaRPr>
-          </a:p>
-          <a:p>
-            <a:pPr marL="342900" indent="-342900" fontAlgn="auto">
-              <a:lnSpc>
-                <a:spcPct val="150000"/>
-              </a:lnSpc>
-              <a:spcAft>
-                <a:spcPts val="0"/>
-              </a:spcAft>
-              <a:buFont typeface="Arial" panose="020B0604020202020204" pitchFamily="34" charset="0"/>
-              <a:buChar char="•"/>
-            </a:pPr>
-            <a:r>
-              <a:rPr lang="zh-CN" altLang="en-US" sz="2800" b="1" dirty="0">
-                <a:solidFill>
-                  <a:srgbClr val="0000FF"/>
-                </a:solidFill>
-                <a:latin typeface="微软雅黑" panose="020B0503020204020204" pitchFamily="34" charset="-122"/>
-                <a:ea typeface="微软雅黑" panose="020B0503020204020204" pitchFamily="34" charset="-122"/>
-                <a:sym typeface="+mn-ea"/>
-              </a:rPr>
-              <a:t>蓝色（突出）、</a:t>
-            </a:r>
-            <a:r>
-              <a:rPr lang="zh-CN" sz="2800" b="1" dirty="0">
-                <a:solidFill>
-                  <a:srgbClr val="FF0000"/>
-                </a:solidFill>
-                <a:latin typeface="微软雅黑" panose="020B0503020204020204" pitchFamily="34" charset="-122"/>
-                <a:ea typeface="微软雅黑" panose="020B0503020204020204" pitchFamily="34" charset="-122"/>
-                <a:sym typeface="+mn-ea"/>
-              </a:rPr>
-              <a:t>红色（强调）</a:t>
-            </a:r>
-          </a:p>
-          <a:p>
-            <a:pPr marL="342900" lvl="0" indent="-342900" algn="l" fontAlgn="auto">
-              <a:lnSpc>
-                <a:spcPct val="150000"/>
-              </a:lnSpc>
-              <a:spcAft>
-                <a:spcPts val="0"/>
-              </a:spcAft>
-              <a:buClrTx/>
-              <a:buSzTx/>
-              <a:buFont typeface="Arial" panose="020B0604020202020204" pitchFamily="34" charset="0"/>
-              <a:buChar char="•"/>
-            </a:pPr>
-            <a:r>
-              <a:rPr lang="zh-CN" sz="2800" b="1" dirty="0">
-                <a:solidFill>
-                  <a:schemeClr val="tx1"/>
-                </a:solidFill>
-                <a:latin typeface="微软雅黑" panose="020B0503020204020204" pitchFamily="34" charset="-122"/>
-                <a:ea typeface="微软雅黑" panose="020B0503020204020204" pitchFamily="34" charset="-122"/>
-                <a:sym typeface="+mn-ea"/>
-              </a:rPr>
-              <a:t>行距：</a:t>
-            </a:r>
-            <a:r>
-              <a:rPr lang="en-US" altLang="zh-CN" sz="2800" b="1" dirty="0">
-                <a:solidFill>
-                  <a:schemeClr val="tx1"/>
-                </a:solidFill>
-                <a:latin typeface="微软雅黑" panose="020B0503020204020204" pitchFamily="34" charset="-122"/>
-                <a:ea typeface="微软雅黑" panose="020B0503020204020204" pitchFamily="34" charset="-122"/>
-                <a:sym typeface="+mn-ea"/>
-              </a:rPr>
-              <a:t>1.5</a:t>
-            </a:r>
           </a:p>
         </p:txBody>
       </p:sp>
@@ -2311,48 +3818,6 @@
               <a:t>3</a:t>
             </a:fld>
             <a:endParaRPr kumimoji="1" lang="zh-CN" altLang="en-US"/>
-          </a:p>
-        </p:txBody>
-      </p:sp>
-      <p:sp>
-        <p:nvSpPr>
-          <p:cNvPr id="6" name="矩形 5"/>
-          <p:cNvSpPr/>
-          <p:nvPr/>
-        </p:nvSpPr>
-        <p:spPr>
-          <a:xfrm>
-            <a:off x="3327171" y="6023928"/>
-            <a:ext cx="6082030" cy="645160"/>
-          </a:xfrm>
-          <a:prstGeom prst="rect">
-            <a:avLst/>
-          </a:prstGeom>
-        </p:spPr>
-        <p:txBody>
-          <a:bodyPr wrap="square">
-            <a:spAutoFit/>
-          </a:bodyPr>
-          <a:lstStyle/>
-          <a:p>
-            <a:pPr algn="ctr" fontAlgn="auto">
-              <a:lnSpc>
-                <a:spcPct val="150000"/>
-              </a:lnSpc>
-              <a:spcAft>
-                <a:spcPts val="0"/>
-              </a:spcAft>
-            </a:pPr>
-            <a:r>
-              <a:rPr lang="zh-CN" sz="2400" b="1" dirty="0">
-                <a:solidFill>
-                  <a:srgbClr val="FF0000"/>
-                </a:solidFill>
-                <a:latin typeface="微软雅黑" panose="020B0503020204020204" pitchFamily="34" charset="-122"/>
-                <a:ea typeface="微软雅黑" panose="020B0503020204020204" pitchFamily="34" charset="-122"/>
-              </a:rPr>
-              <a:t>根据页面具体情况可略微调整</a:t>
-            </a:r>
           </a:p>
         </p:txBody>
       </p:sp>
@@ -2463,7 +3928,7 @@
         <p:spPr>
           <a:xfrm>
             <a:off x="407987" y="1052513"/>
-            <a:ext cx="11376025" cy="1955215"/>
+            <a:ext cx="11376025" cy="5231497"/>
           </a:xfrm>
           <a:prstGeom prst="rect">
             <a:avLst/>
@@ -2487,46 +3952,225 @@
             </a:pPr>
             <a:r>
               <a:rPr lang="zh-CN" altLang="en-US" sz="2800" b="1" dirty="0">
-                <a:latin typeface="微软雅黑" panose="020B0503020204020204" pitchFamily="34" charset="-122"/>
-                <a:ea typeface="微软雅黑" panose="020B0503020204020204" pitchFamily="34" charset="-122"/>
-              </a:rPr>
-              <a:t>大气阻力</a:t>
-            </a:r>
-          </a:p>
-          <a:p>
-            <a:pPr marL="342900" indent="-342900" fontAlgn="auto">
+                <a:latin typeface="Times New Roman" panose="02020603050405020304" pitchFamily="18" charset="0"/>
+                <a:ea typeface="微软雅黑" panose="020B0503020204020204" pitchFamily="34" charset="-122"/>
+                <a:cs typeface="Times New Roman" panose="02020603050405020304" pitchFamily="18" charset="0"/>
+              </a:rPr>
+              <a:t>大气阻力作用</a:t>
+            </a:r>
+            <a:endParaRPr lang="en-US" altLang="zh-CN" sz="2800" b="1" dirty="0">
+              <a:latin typeface="Times New Roman" panose="02020603050405020304" pitchFamily="18" charset="0"/>
+              <a:ea typeface="微软雅黑" panose="020B0503020204020204" pitchFamily="34" charset="-122"/>
+              <a:cs typeface="Times New Roman" panose="02020603050405020304" pitchFamily="18" charset="0"/>
+            </a:endParaRPr>
+          </a:p>
+          <a:p>
+            <a:pPr marL="800100" lvl="1" indent="-342900">
               <a:lnSpc>
                 <a:spcPct val="150000"/>
               </a:lnSpc>
-              <a:spcAft>
-                <a:spcPts val="0"/>
-              </a:spcAft>
               <a:buFont typeface="Arial" panose="020B0604020202020204" pitchFamily="34" charset="0"/>
               <a:buChar char="•"/>
             </a:pPr>
-            <a:endParaRPr lang="en-US" altLang="zh-CN" sz="2800" b="1" dirty="0">
-              <a:latin typeface="微软雅黑" panose="020B0503020204020204" pitchFamily="34" charset="-122"/>
+            <a:r>
+              <a:rPr lang="zh-CN" altLang="en-US" sz="2000" b="1" dirty="0">
+                <a:latin typeface="Times New Roman" panose="02020603050405020304" pitchFamily="18" charset="0"/>
+                <a:ea typeface="微软雅黑" panose="020B0503020204020204" pitchFamily="34" charset="-122"/>
+                <a:cs typeface="Times New Roman" panose="02020603050405020304" pitchFamily="18" charset="0"/>
+              </a:rPr>
+              <a:t>简单动量交换：单位时间 ∆</a:t>
+            </a:r>
+            <a:r>
+              <a:rPr lang="en-US" altLang="zh-CN" sz="2000" i="1" dirty="0">
+                <a:latin typeface="Times New Roman" panose="02020603050405020304" pitchFamily="18" charset="0"/>
+                <a:ea typeface="微软雅黑" panose="020B0503020204020204" pitchFamily="34" charset="-122"/>
+                <a:cs typeface="Times New Roman" panose="02020603050405020304" pitchFamily="18" charset="0"/>
+              </a:rPr>
+              <a:t>t </a:t>
+            </a:r>
+            <a:r>
+              <a:rPr lang="zh-CN" altLang="en-US" sz="2000" b="1" dirty="0">
+                <a:latin typeface="Times New Roman" panose="02020603050405020304" pitchFamily="18" charset="0"/>
+                <a:ea typeface="微软雅黑" panose="020B0503020204020204" pitchFamily="34" charset="-122"/>
+                <a:cs typeface="Times New Roman" panose="02020603050405020304" pitchFamily="18" charset="0"/>
+              </a:rPr>
+              <a:t>相对速度 </a:t>
+            </a:r>
+            <a:r>
+              <a:rPr lang="en-US" altLang="zh-CN" sz="2000" b="1" i="1" dirty="0">
+                <a:latin typeface="Times New Roman" panose="02020603050405020304" pitchFamily="18" charset="0"/>
+                <a:ea typeface="微软雅黑" panose="020B0503020204020204" pitchFamily="34" charset="-122"/>
+                <a:cs typeface="Times New Roman" panose="02020603050405020304" pitchFamily="18" charset="0"/>
+              </a:rPr>
+              <a:t>V</a:t>
+            </a:r>
+            <a:r>
+              <a:rPr lang="en-US" altLang="zh-CN" sz="2000" b="1" i="1" baseline="-25000" dirty="0">
+                <a:latin typeface="Times New Roman" panose="02020603050405020304" pitchFamily="18" charset="0"/>
+                <a:ea typeface="微软雅黑" panose="020B0503020204020204" pitchFamily="34" charset="-122"/>
+                <a:cs typeface="Times New Roman" panose="02020603050405020304" pitchFamily="18" charset="0"/>
+              </a:rPr>
+              <a:t> </a:t>
+            </a:r>
+            <a:r>
+              <a:rPr lang="zh-CN" altLang="en-US" sz="2000" b="1" dirty="0">
+                <a:latin typeface="Times New Roman" panose="02020603050405020304" pitchFamily="18" charset="0"/>
+                <a:ea typeface="微软雅黑" panose="020B0503020204020204" pitchFamily="34" charset="-122"/>
+                <a:cs typeface="Times New Roman" panose="02020603050405020304" pitchFamily="18" charset="0"/>
+              </a:rPr>
+              <a:t>的气体分子撞击到卫星截面 </a:t>
+            </a:r>
+            <a:r>
+              <a:rPr lang="en-US" altLang="zh-CN" sz="2000" i="1" dirty="0">
+                <a:latin typeface="Times New Roman" panose="02020603050405020304" pitchFamily="18" charset="0"/>
+                <a:ea typeface="微软雅黑" panose="020B0503020204020204" pitchFamily="34" charset="-122"/>
+                <a:cs typeface="Times New Roman" panose="02020603050405020304" pitchFamily="18" charset="0"/>
+              </a:rPr>
+              <a:t>S </a:t>
+            </a:r>
+            <a:endParaRPr lang="zh-CN" altLang="en-US" sz="2000" b="1" dirty="0">
+              <a:latin typeface="Times New Roman" panose="02020603050405020304" pitchFamily="18" charset="0"/>
               <a:ea typeface="微软雅黑" panose="020B0503020204020204" pitchFamily="34" charset="-122"/>
-              <a:sym typeface="+mn-ea"/>
+              <a:cs typeface="Times New Roman" panose="02020603050405020304" pitchFamily="18" charset="0"/>
             </a:endParaRPr>
           </a:p>
           <a:p>
-            <a:pPr marL="342900" indent="-342900" fontAlgn="auto">
+            <a:pPr marL="800100" lvl="1" indent="-342900">
               <a:lnSpc>
                 <a:spcPct val="150000"/>
               </a:lnSpc>
-              <a:spcAft>
-                <a:spcPts val="0"/>
-              </a:spcAft>
               <a:buFont typeface="Arial" panose="020B0604020202020204" pitchFamily="34" charset="0"/>
               <a:buChar char="•"/>
             </a:pPr>
-            <a:endParaRPr lang="en-US" altLang="zh-CN" sz="2800" b="1" dirty="0">
-              <a:solidFill>
-                <a:srgbClr val="0000FF"/>
-              </a:solidFill>
+            <a:endParaRPr lang="en-US" altLang="zh-CN" sz="2400" b="1" dirty="0">
+              <a:latin typeface="Times New Roman" panose="02020603050405020304" pitchFamily="18" charset="0"/>
+              <a:ea typeface="微软雅黑" panose="020B0503020204020204" pitchFamily="34" charset="-122"/>
+              <a:cs typeface="Times New Roman" panose="02020603050405020304" pitchFamily="18" charset="0"/>
+              <a:sym typeface="+mn-ea"/>
+            </a:endParaRPr>
+          </a:p>
+          <a:p>
+            <a:pPr marL="800100" lvl="1" indent="-342900">
+              <a:lnSpc>
+                <a:spcPct val="150000"/>
+              </a:lnSpc>
+              <a:buFont typeface="Arial" panose="020B0604020202020204" pitchFamily="34" charset="0"/>
+              <a:buChar char="•"/>
+            </a:pPr>
+            <a:r>
+              <a:rPr lang="zh-CN" altLang="en-US" sz="2400" b="1" dirty="0">
+                <a:latin typeface="Times New Roman" panose="02020603050405020304" pitchFamily="18" charset="0"/>
+                <a:ea typeface="微软雅黑" panose="020B0503020204020204" pitchFamily="34" charset="-122"/>
+                <a:cs typeface="Times New Roman" panose="02020603050405020304" pitchFamily="18" charset="0"/>
+                <a:sym typeface="+mn-ea"/>
+              </a:rPr>
+              <a:t>作用加速度</a:t>
+            </a:r>
+            <a:endParaRPr lang="en-US" altLang="zh-CN" sz="2400" b="1" dirty="0">
+              <a:latin typeface="Times New Roman" panose="02020603050405020304" pitchFamily="18" charset="0"/>
+              <a:ea typeface="微软雅黑" panose="020B0503020204020204" pitchFamily="34" charset="-122"/>
+              <a:cs typeface="Times New Roman" panose="02020603050405020304" pitchFamily="18" charset="0"/>
+              <a:sym typeface="+mn-ea"/>
+            </a:endParaRPr>
+          </a:p>
+          <a:p>
+            <a:pPr marL="1257300" lvl="2" indent="-342900">
+              <a:lnSpc>
+                <a:spcPct val="150000"/>
+              </a:lnSpc>
+              <a:buFont typeface="Arial" panose="020B0604020202020204" pitchFamily="34" charset="0"/>
+              <a:buChar char="•"/>
+            </a:pPr>
+            <a:endParaRPr lang="en-US" altLang="zh-CN" sz="2400" b="1" dirty="0">
               <a:latin typeface="微软雅黑" panose="020B0503020204020204" pitchFamily="34" charset="-122"/>
               <a:ea typeface="微软雅黑" panose="020B0503020204020204" pitchFamily="34" charset="-122"/>
+            </a:endParaRPr>
+          </a:p>
+          <a:p>
+            <a:pPr marL="1257300" lvl="2" indent="-342900">
+              <a:lnSpc>
+                <a:spcPct val="200000"/>
+              </a:lnSpc>
+              <a:buFont typeface="Arial" panose="020B0604020202020204" pitchFamily="34" charset="0"/>
+              <a:buChar char="•"/>
+            </a:pPr>
+            <a:r>
+              <a:rPr lang="zh-CN" altLang="en-US" sz="2000" b="1" dirty="0">
+                <a:latin typeface="微软雅黑" panose="020B0503020204020204" pitchFamily="34" charset="-122"/>
+                <a:ea typeface="微软雅黑" panose="020B0503020204020204" pitchFamily="34" charset="-122"/>
+              </a:rPr>
+              <a:t>阻力系数</a:t>
+            </a:r>
+            <a:endParaRPr lang="en-US" altLang="zh-CN" sz="2000" b="1" dirty="0">
+              <a:latin typeface="微软雅黑" panose="020B0503020204020204" pitchFamily="34" charset="-122"/>
+              <a:ea typeface="微软雅黑" panose="020B0503020204020204" pitchFamily="34" charset="-122"/>
+            </a:endParaRPr>
+          </a:p>
+          <a:p>
+            <a:pPr marL="1257300" lvl="2" indent="-342900">
+              <a:lnSpc>
+                <a:spcPct val="200000"/>
+              </a:lnSpc>
+              <a:buFont typeface="Arial" panose="020B0604020202020204" pitchFamily="34" charset="0"/>
+              <a:buChar char="•"/>
+            </a:pPr>
+            <a:r>
+              <a:rPr lang="zh-CN" altLang="en-US" sz="2000" b="1" dirty="0">
+                <a:latin typeface="微软雅黑" panose="020B0503020204020204" pitchFamily="34" charset="-122"/>
+                <a:ea typeface="微软雅黑" panose="020B0503020204020204" pitchFamily="34" charset="-122"/>
+              </a:rPr>
+              <a:t>面质比</a:t>
+            </a:r>
+            <a:endParaRPr lang="en-US" altLang="zh-CN" sz="2000" b="1" dirty="0">
+              <a:latin typeface="微软雅黑" panose="020B0503020204020204" pitchFamily="34" charset="-122"/>
+              <a:ea typeface="微软雅黑" panose="020B0503020204020204" pitchFamily="34" charset="-122"/>
+            </a:endParaRPr>
+          </a:p>
+          <a:p>
+            <a:pPr marL="1257300" lvl="2" indent="-342900">
+              <a:lnSpc>
+                <a:spcPct val="200000"/>
+              </a:lnSpc>
+              <a:buFont typeface="Arial" panose="020B0604020202020204" pitchFamily="34" charset="0"/>
+              <a:buChar char="•"/>
+            </a:pPr>
+            <a:r>
+              <a:rPr lang="zh-CN" altLang="en-US" sz="2000" b="1" dirty="0">
+                <a:latin typeface="微软雅黑" panose="020B0503020204020204" pitchFamily="34" charset="-122"/>
+                <a:ea typeface="微软雅黑" panose="020B0503020204020204" pitchFamily="34" charset="-122"/>
+              </a:rPr>
+              <a:t>大气运动角速度</a:t>
+            </a:r>
+            <a:endParaRPr lang="en-US" altLang="zh-CN" sz="2000" b="1" dirty="0">
+              <a:latin typeface="微软雅黑" panose="020B0503020204020204" pitchFamily="34" charset="-122"/>
+              <a:ea typeface="微软雅黑" panose="020B0503020204020204" pitchFamily="34" charset="-122"/>
+            </a:endParaRPr>
+          </a:p>
+          <a:p>
+            <a:pPr marL="1257300" lvl="2" indent="-342900">
+              <a:lnSpc>
+                <a:spcPct val="200000"/>
+              </a:lnSpc>
+              <a:buFont typeface="Arial" panose="020B0604020202020204" pitchFamily="34" charset="0"/>
+              <a:buChar char="•"/>
+            </a:pPr>
+            <a:r>
+              <a:rPr lang="zh-CN" altLang="en-US" sz="2000" b="1" dirty="0">
+                <a:solidFill>
+                  <a:srgbClr val="FF0000"/>
+                </a:solidFill>
+                <a:latin typeface="微软雅黑" panose="020B0503020204020204" pitchFamily="34" charset="-122"/>
+                <a:ea typeface="微软雅黑" panose="020B0503020204020204" pitchFamily="34" charset="-122"/>
+              </a:rPr>
+              <a:t>大气密度</a:t>
+            </a:r>
+            <a:endParaRPr lang="en-US" altLang="zh-CN" sz="2000" b="1" dirty="0">
+              <a:solidFill>
+                <a:srgbClr val="FF0000"/>
+              </a:solidFill>
+              <a:latin typeface="Times New Roman" panose="02020603050405020304" pitchFamily="18" charset="0"/>
+              <a:ea typeface="微软雅黑" panose="020B0503020204020204" pitchFamily="34" charset="-122"/>
+              <a:cs typeface="Times New Roman" panose="02020603050405020304" pitchFamily="18" charset="0"/>
               <a:sym typeface="+mn-ea"/>
             </a:endParaRPr>
           </a:p>
@@ -2552,48 +4196,6 @@
               <a:t>4</a:t>
             </a:fld>
             <a:endParaRPr kumimoji="1" lang="zh-CN" altLang="en-US"/>
-          </a:p>
-        </p:txBody>
-      </p:sp>
-      <p:sp>
-        <p:nvSpPr>
-          <p:cNvPr id="6" name="矩形 5"/>
-          <p:cNvSpPr/>
-          <p:nvPr/>
-        </p:nvSpPr>
-        <p:spPr>
-          <a:xfrm>
-            <a:off x="3327171" y="6023928"/>
-            <a:ext cx="6082030" cy="645160"/>
-          </a:xfrm>
-          <a:prstGeom prst="rect">
-            <a:avLst/>
-          </a:prstGeom>
-        </p:spPr>
-        <p:txBody>
-          <a:bodyPr wrap="square">
-            <a:spAutoFit/>
-          </a:bodyPr>
-          <a:lstStyle/>
-          <a:p>
-            <a:pPr algn="ctr" fontAlgn="auto">
-              <a:lnSpc>
-                <a:spcPct val="150000"/>
-              </a:lnSpc>
-              <a:spcAft>
-                <a:spcPts val="0"/>
-              </a:spcAft>
-            </a:pPr>
-            <a:r>
-              <a:rPr lang="zh-CN" sz="2400" b="1" dirty="0">
-                <a:solidFill>
-                  <a:srgbClr val="FF0000"/>
-                </a:solidFill>
-                <a:latin typeface="微软雅黑" panose="020B0503020204020204" pitchFamily="34" charset="-122"/>
-                <a:ea typeface="微软雅黑" panose="020B0503020204020204" pitchFamily="34" charset="-122"/>
-              </a:rPr>
-              <a:t>根据页面具体情况可略微调整</a:t>
-            </a:r>
           </a:p>
         </p:txBody>
       </p:sp>
@@ -2653,72 +4255,395 @@
           </a:p>
         </p:txBody>
       </p:sp>
-      <p:pic>
-        <p:nvPicPr>
-          <p:cNvPr id="8" name="图片 7">
+      <p:graphicFrame>
+        <p:nvGraphicFramePr>
+          <p:cNvPr id="2" name="对象 1">
             <a:extLst>
               <a:ext uri="{FF2B5EF4-FFF2-40B4-BE49-F238E27FC236}">
-                <a16:creationId xmlns:a16="http://schemas.microsoft.com/office/drawing/2014/main" id="{EE5A681E-0CE3-83DF-7FFB-2DC7E674329A}"/>
+                <a16:creationId xmlns:a16="http://schemas.microsoft.com/office/drawing/2014/main" id="{C9B34064-98DF-61B4-6E66-8669DC8FDB1E}"/>
               </a:ext>
             </a:extLst>
           </p:cNvPr>
-          <p:cNvPicPr>
-            <a:picLocks noChangeAspect="1"/>
-          </p:cNvPicPr>
-          <p:nvPr/>
-        </p:nvPicPr>
-        <p:blipFill>
-          <a:blip r:embed="rId2"/>
-          <a:stretch>
-            <a:fillRect/>
-          </a:stretch>
-        </p:blipFill>
-        <p:spPr>
-          <a:xfrm>
-            <a:off x="2474277" y="1130828"/>
-            <a:ext cx="3619500" cy="714375"/>
-          </a:xfrm>
-          <a:prstGeom prst="rect">
-            <a:avLst/>
-          </a:prstGeom>
-        </p:spPr>
-      </p:pic>
-      <p:pic>
-        <p:nvPicPr>
-          <p:cNvPr id="10" name="图片 9">
+          <p:cNvGraphicFramePr>
+            <a:graphicFrameLocks noChangeAspect="1"/>
+          </p:cNvGraphicFramePr>
+          <p:nvPr>
+            <p:extLst>
+              <p:ext uri="{D42A27DB-BD31-4B8C-83A1-F6EECF244321}">
+                <p14:modId xmlns:p14="http://schemas.microsoft.com/office/powerpoint/2010/main" val="1369510091"/>
+              </p:ext>
+            </p:extLst>
+          </p:nvPr>
+        </p:nvGraphicFramePr>
+        <p:xfrm>
+          <a:off x="3254375" y="3006725"/>
+          <a:ext cx="2765425" cy="692150"/>
+        </p:xfrm>
+        <a:graphic>
+          <a:graphicData uri="http://schemas.openxmlformats.org/presentationml/2006/ole">
+            <mc:AlternateContent xmlns:mc="http://schemas.openxmlformats.org/markup-compatibility/2006">
+              <mc:Choice xmlns:v="urn:schemas-microsoft-com:vml" Requires="v">
+                <p:oleObj name="AxMath" r:id="rId2" imgW="1382760" imgH="346680" progId="Equation.AxMath">
+                  <p:embed/>
+                </p:oleObj>
+              </mc:Choice>
+              <mc:Fallback>
+                <p:oleObj name="AxMath" r:id="rId2" imgW="1382760" imgH="346680" progId="Equation.AxMath">
+                  <p:embed/>
+                  <p:pic>
+                    <p:nvPicPr>
+                      <p:cNvPr id="0" name=""/>
+                      <p:cNvPicPr/>
+                      <p:nvPr/>
+                    </p:nvPicPr>
+                    <p:blipFill>
+                      <a:blip r:embed="rId3"/>
+                      <a:stretch>
+                        <a:fillRect/>
+                      </a:stretch>
+                    </p:blipFill>
+                    <p:spPr>
+                      <a:xfrm>
+                        <a:off x="3254375" y="3006725"/>
+                        <a:ext cx="2765425" cy="692150"/>
+                      </a:xfrm>
+                      <a:prstGeom prst="rect">
+                        <a:avLst/>
+                      </a:prstGeom>
+                      <a:ln w="19050">
+                        <a:solidFill>
+                          <a:srgbClr val="FF0000"/>
+                        </a:solidFill>
+                      </a:ln>
+                    </p:spPr>
+                  </p:pic>
+                </p:oleObj>
+              </mc:Fallback>
+            </mc:AlternateContent>
+          </a:graphicData>
+        </a:graphic>
+      </p:graphicFrame>
+      <p:graphicFrame>
+        <p:nvGraphicFramePr>
+          <p:cNvPr id="4" name="对象 3">
             <a:extLst>
               <a:ext uri="{FF2B5EF4-FFF2-40B4-BE49-F238E27FC236}">
-                <a16:creationId xmlns:a16="http://schemas.microsoft.com/office/drawing/2014/main" id="{C0E3DD3D-92C0-7C29-8836-E77D47C0E625}"/>
+                <a16:creationId xmlns:a16="http://schemas.microsoft.com/office/drawing/2014/main" id="{6836B8AB-7EFE-A832-1224-73A2385D000F}"/>
               </a:ext>
             </a:extLst>
           </p:cNvPr>
-          <p:cNvPicPr>
-            <a:picLocks noChangeAspect="1"/>
-          </p:cNvPicPr>
-          <p:nvPr/>
-        </p:nvPicPr>
-        <p:blipFill>
-          <a:blip r:embed="rId3"/>
-          <a:stretch>
-            <a:fillRect/>
-          </a:stretch>
-        </p:blipFill>
-        <p:spPr>
-          <a:xfrm>
-            <a:off x="3016288" y="2084255"/>
-            <a:ext cx="1362075" cy="428625"/>
-          </a:xfrm>
-          <a:prstGeom prst="rect">
-            <a:avLst/>
-          </a:prstGeom>
-        </p:spPr>
-      </p:pic>
+          <p:cNvGraphicFramePr>
+            <a:graphicFrameLocks noChangeAspect="1"/>
+          </p:cNvGraphicFramePr>
+          <p:nvPr>
+            <p:extLst>
+              <p:ext uri="{D42A27DB-BD31-4B8C-83A1-F6EECF244321}">
+                <p14:modId xmlns:p14="http://schemas.microsoft.com/office/powerpoint/2010/main" val="1247550511"/>
+              </p:ext>
+            </p:extLst>
+          </p:nvPr>
+        </p:nvGraphicFramePr>
+        <p:xfrm>
+          <a:off x="3422650" y="2317750"/>
+          <a:ext cx="2952750" cy="393700"/>
+        </p:xfrm>
+        <a:graphic>
+          <a:graphicData uri="http://schemas.openxmlformats.org/presentationml/2006/ole">
+            <mc:AlternateContent xmlns:mc="http://schemas.openxmlformats.org/markup-compatibility/2006">
+              <mc:Choice xmlns:v="urn:schemas-microsoft-com:vml" Requires="v">
+                <p:oleObj name="AxMath" r:id="rId4" imgW="1476360" imgH="196560" progId="Equation.AxMath">
+                  <p:embed/>
+                </p:oleObj>
+              </mc:Choice>
+              <mc:Fallback>
+                <p:oleObj name="AxMath" r:id="rId4" imgW="1476360" imgH="196560" progId="Equation.AxMath">
+                  <p:embed/>
+                  <p:pic>
+                    <p:nvPicPr>
+                      <p:cNvPr id="0" name=""/>
+                      <p:cNvPicPr/>
+                      <p:nvPr/>
+                    </p:nvPicPr>
+                    <p:blipFill>
+                      <a:blip r:embed="rId5"/>
+                      <a:stretch>
+                        <a:fillRect/>
+                      </a:stretch>
+                    </p:blipFill>
+                    <p:spPr>
+                      <a:xfrm>
+                        <a:off x="3422650" y="2317750"/>
+                        <a:ext cx="2952750" cy="393700"/>
+                      </a:xfrm>
+                      <a:prstGeom prst="rect">
+                        <a:avLst/>
+                      </a:prstGeom>
+                    </p:spPr>
+                  </p:pic>
+                </p:oleObj>
+              </mc:Fallback>
+            </mc:AlternateContent>
+          </a:graphicData>
+        </a:graphic>
+      </p:graphicFrame>
+      <p:graphicFrame>
+        <p:nvGraphicFramePr>
+          <p:cNvPr id="12" name="对象 11">
+            <a:extLst>
+              <a:ext uri="{FF2B5EF4-FFF2-40B4-BE49-F238E27FC236}">
+                <a16:creationId xmlns:a16="http://schemas.microsoft.com/office/drawing/2014/main" id="{4ED8C83D-70BA-5C6B-0DEF-C1686E617F2B}"/>
+              </a:ext>
+            </a:extLst>
+          </p:cNvPr>
+          <p:cNvGraphicFramePr>
+            <a:graphicFrameLocks noChangeAspect="1"/>
+          </p:cNvGraphicFramePr>
+          <p:nvPr>
+            <p:extLst>
+              <p:ext uri="{D42A27DB-BD31-4B8C-83A1-F6EECF244321}">
+                <p14:modId xmlns:p14="http://schemas.microsoft.com/office/powerpoint/2010/main" val="1665406584"/>
+              </p:ext>
+            </p:extLst>
+          </p:nvPr>
+        </p:nvGraphicFramePr>
+        <p:xfrm>
+          <a:off x="3749549" y="5259387"/>
+          <a:ext cx="2105025" cy="393700"/>
+        </p:xfrm>
+        <a:graphic>
+          <a:graphicData uri="http://schemas.openxmlformats.org/presentationml/2006/ole">
+            <mc:AlternateContent xmlns:mc="http://schemas.openxmlformats.org/markup-compatibility/2006">
+              <mc:Choice xmlns:v="urn:schemas-microsoft-com:vml" Requires="v">
+                <p:oleObj name="AxMath" r:id="rId6" imgW="1052280" imgH="196560" progId="Equation.AxMath">
+                  <p:embed/>
+                </p:oleObj>
+              </mc:Choice>
+              <mc:Fallback>
+                <p:oleObj name="AxMath" r:id="rId6" imgW="1052280" imgH="196560" progId="Equation.AxMath">
+                  <p:embed/>
+                  <p:pic>
+                    <p:nvPicPr>
+                      <p:cNvPr id="0" name=""/>
+                      <p:cNvPicPr/>
+                      <p:nvPr/>
+                    </p:nvPicPr>
+                    <p:blipFill>
+                      <a:blip r:embed="rId7"/>
+                      <a:stretch>
+                        <a:fillRect/>
+                      </a:stretch>
+                    </p:blipFill>
+                    <p:spPr>
+                      <a:xfrm>
+                        <a:off x="3749549" y="5259387"/>
+                        <a:ext cx="2105025" cy="393700"/>
+                      </a:xfrm>
+                      <a:prstGeom prst="rect">
+                        <a:avLst/>
+                      </a:prstGeom>
+                    </p:spPr>
+                  </p:pic>
+                </p:oleObj>
+              </mc:Fallback>
+            </mc:AlternateContent>
+          </a:graphicData>
+        </a:graphic>
+      </p:graphicFrame>
+      <p:graphicFrame>
+        <p:nvGraphicFramePr>
+          <p:cNvPr id="13" name="对象 12">
+            <a:extLst>
+              <a:ext uri="{FF2B5EF4-FFF2-40B4-BE49-F238E27FC236}">
+                <a16:creationId xmlns:a16="http://schemas.microsoft.com/office/drawing/2014/main" id="{7A96B16D-86F4-8F3A-4BC6-4BCFF48A290E}"/>
+              </a:ext>
+            </a:extLst>
+          </p:cNvPr>
+          <p:cNvGraphicFramePr>
+            <a:graphicFrameLocks noChangeAspect="1"/>
+          </p:cNvGraphicFramePr>
+          <p:nvPr>
+            <p:extLst>
+              <p:ext uri="{D42A27DB-BD31-4B8C-83A1-F6EECF244321}">
+                <p14:modId xmlns:p14="http://schemas.microsoft.com/office/powerpoint/2010/main" val="1839329314"/>
+              </p:ext>
+            </p:extLst>
+          </p:nvPr>
+        </p:nvGraphicFramePr>
+        <p:xfrm>
+          <a:off x="2951037" y="3874365"/>
+          <a:ext cx="1597025" cy="746125"/>
+        </p:xfrm>
+        <a:graphic>
+          <a:graphicData uri="http://schemas.openxmlformats.org/presentationml/2006/ole">
+            <mc:AlternateContent xmlns:mc="http://schemas.openxmlformats.org/markup-compatibility/2006">
+              <mc:Choice xmlns:v="urn:schemas-microsoft-com:vml" Requires="v">
+                <p:oleObj name="AxMath" r:id="rId8" imgW="799200" imgH="373680" progId="Equation.AxMath">
+                  <p:embed/>
+                </p:oleObj>
+              </mc:Choice>
+              <mc:Fallback>
+                <p:oleObj name="AxMath" r:id="rId8" imgW="799200" imgH="373680" progId="Equation.AxMath">
+                  <p:embed/>
+                  <p:pic>
+                    <p:nvPicPr>
+                      <p:cNvPr id="0" name=""/>
+                      <p:cNvPicPr/>
+                      <p:nvPr/>
+                    </p:nvPicPr>
+                    <p:blipFill>
+                      <a:blip r:embed="rId9"/>
+                      <a:stretch>
+                        <a:fillRect/>
+                      </a:stretch>
+                    </p:blipFill>
+                    <p:spPr>
+                      <a:xfrm>
+                        <a:off x="2951037" y="3874365"/>
+                        <a:ext cx="1597025" cy="746125"/>
+                      </a:xfrm>
+                      <a:prstGeom prst="rect">
+                        <a:avLst/>
+                      </a:prstGeom>
+                    </p:spPr>
+                  </p:pic>
+                </p:oleObj>
+              </mc:Fallback>
+            </mc:AlternateContent>
+          </a:graphicData>
+        </a:graphic>
+      </p:graphicFrame>
+      <p:graphicFrame>
+        <p:nvGraphicFramePr>
+          <p:cNvPr id="14" name="对象 13">
+            <a:extLst>
+              <a:ext uri="{FF2B5EF4-FFF2-40B4-BE49-F238E27FC236}">
+                <a16:creationId xmlns:a16="http://schemas.microsoft.com/office/drawing/2014/main" id="{96A511BD-ADF0-9DC1-13B4-3C539A78F491}"/>
+              </a:ext>
+            </a:extLst>
+          </p:cNvPr>
+          <p:cNvGraphicFramePr>
+            <a:graphicFrameLocks noChangeAspect="1"/>
+          </p:cNvGraphicFramePr>
+          <p:nvPr>
+            <p:extLst>
+              <p:ext uri="{D42A27DB-BD31-4B8C-83A1-F6EECF244321}">
+                <p14:modId xmlns:p14="http://schemas.microsoft.com/office/powerpoint/2010/main" val="3772525628"/>
+              </p:ext>
+            </p:extLst>
+          </p:nvPr>
+        </p:nvGraphicFramePr>
+        <p:xfrm>
+          <a:off x="2949575" y="4670339"/>
+          <a:ext cx="558800" cy="381000"/>
+        </p:xfrm>
+        <a:graphic>
+          <a:graphicData uri="http://schemas.openxmlformats.org/presentationml/2006/ole">
+            <mc:AlternateContent xmlns:mc="http://schemas.openxmlformats.org/markup-compatibility/2006">
+              <mc:Choice xmlns:v="urn:schemas-microsoft-com:vml" Requires="v">
+                <p:oleObj name="AxMath" r:id="rId10" imgW="278640" imgH="189720" progId="Equation.AxMath">
+                  <p:embed/>
+                </p:oleObj>
+              </mc:Choice>
+              <mc:Fallback>
+                <p:oleObj name="AxMath" r:id="rId10" imgW="278640" imgH="189720" progId="Equation.AxMath">
+                  <p:embed/>
+                  <p:pic>
+                    <p:nvPicPr>
+                      <p:cNvPr id="0" name=""/>
+                      <p:cNvPicPr/>
+                      <p:nvPr/>
+                    </p:nvPicPr>
+                    <p:blipFill>
+                      <a:blip r:embed="rId11"/>
+                      <a:stretch>
+                        <a:fillRect/>
+                      </a:stretch>
+                    </p:blipFill>
+                    <p:spPr>
+                      <a:xfrm>
+                        <a:off x="2949575" y="4670339"/>
+                        <a:ext cx="558800" cy="381000"/>
+                      </a:xfrm>
+                      <a:prstGeom prst="rect">
+                        <a:avLst/>
+                      </a:prstGeom>
+                    </p:spPr>
+                  </p:pic>
+                </p:oleObj>
+              </mc:Fallback>
+            </mc:AlternateContent>
+          </a:graphicData>
+        </a:graphic>
+      </p:graphicFrame>
+      <p:graphicFrame>
+        <p:nvGraphicFramePr>
+          <p:cNvPr id="17" name="对象 16">
+            <a:extLst>
+              <a:ext uri="{FF2B5EF4-FFF2-40B4-BE49-F238E27FC236}">
+                <a16:creationId xmlns:a16="http://schemas.microsoft.com/office/drawing/2014/main" id="{C76C3E00-C267-970E-FE36-0374240B79D8}"/>
+              </a:ext>
+            </a:extLst>
+          </p:cNvPr>
+          <p:cNvGraphicFramePr>
+            <a:graphicFrameLocks noChangeAspect="1"/>
+          </p:cNvGraphicFramePr>
+          <p:nvPr>
+            <p:extLst>
+              <p:ext uri="{D42A27DB-BD31-4B8C-83A1-F6EECF244321}">
+                <p14:modId xmlns:p14="http://schemas.microsoft.com/office/powerpoint/2010/main" val="4188748615"/>
+              </p:ext>
+            </p:extLst>
+          </p:nvPr>
+        </p:nvGraphicFramePr>
+        <p:xfrm>
+          <a:off x="2984916" y="5846998"/>
+          <a:ext cx="200025" cy="377825"/>
+        </p:xfrm>
+        <a:graphic>
+          <a:graphicData uri="http://schemas.openxmlformats.org/presentationml/2006/ole">
+            <mc:AlternateContent xmlns:mc="http://schemas.openxmlformats.org/markup-compatibility/2006">
+              <mc:Choice xmlns:v="urn:schemas-microsoft-com:vml" Requires="v">
+                <p:oleObj name="AxMath" r:id="rId12" imgW="100800" imgH="189000" progId="Equation.AxMath">
+                  <p:embed/>
+                </p:oleObj>
+              </mc:Choice>
+              <mc:Fallback>
+                <p:oleObj name="AxMath" r:id="rId12" imgW="100800" imgH="189000" progId="Equation.AxMath">
+                  <p:embed/>
+                  <p:pic>
+                    <p:nvPicPr>
+                      <p:cNvPr id="0" name=""/>
+                      <p:cNvPicPr/>
+                      <p:nvPr/>
+                    </p:nvPicPr>
+                    <p:blipFill>
+                      <a:blip r:embed="rId13"/>
+                      <a:stretch>
+                        <a:fillRect/>
+                      </a:stretch>
+                    </p:blipFill>
+                    <p:spPr>
+                      <a:xfrm>
+                        <a:off x="2984916" y="5846998"/>
+                        <a:ext cx="200025" cy="377825"/>
+                      </a:xfrm>
+                      <a:prstGeom prst="rect">
+                        <a:avLst/>
+                      </a:prstGeom>
+                    </p:spPr>
+                  </p:pic>
+                </p:oleObj>
+              </mc:Fallback>
+            </mc:AlternateContent>
+          </a:graphicData>
+        </a:graphic>
+      </p:graphicFrame>
       <p:sp>
         <p:nvSpPr>
-          <p:cNvPr id="11" name="文本框 10">
+          <p:cNvPr id="18" name="文本框 17">
             <a:extLst>
               <a:ext uri="{FF2B5EF4-FFF2-40B4-BE49-F238E27FC236}">
-                <a16:creationId xmlns:a16="http://schemas.microsoft.com/office/drawing/2014/main" id="{1A25B1BA-0F5B-6A50-B425-CBE2E190569C}"/>
+                <a16:creationId xmlns:a16="http://schemas.microsoft.com/office/drawing/2014/main" id="{D386A07E-0EEE-20DC-87EC-0FA4ECA0C8CD}"/>
               </a:ext>
             </a:extLst>
           </p:cNvPr>
@@ -2727,8 +4652,8 @@
         </p:nvSpPr>
         <p:spPr>
           <a:xfrm>
-            <a:off x="1364900" y="2061398"/>
-            <a:ext cx="1848560" cy="400110"/>
+            <a:off x="4548062" y="3882847"/>
+            <a:ext cx="7489040" cy="307777"/>
           </a:xfrm>
           <a:prstGeom prst="rect">
             <a:avLst/>
@@ -2741,61 +4666,45 @@
           </a:bodyPr>
           <a:lstStyle/>
           <a:p>
-            <a:pPr algn="ctr" fontAlgn="auto">
+            <a:pPr fontAlgn="auto">
               <a:spcAft>
                 <a:spcPts val="0"/>
               </a:spcAft>
             </a:pPr>
             <a:r>
-              <a:rPr lang="zh-CN" altLang="en-US" sz="2000" b="1" dirty="0">
-                <a:latin typeface="微软雅黑" panose="020B0503020204020204" pitchFamily="34" charset="-122"/>
-                <a:ea typeface="微软雅黑" panose="020B0503020204020204" pitchFamily="34" charset="-122"/>
-              </a:rPr>
-              <a:t>阻力系数</a:t>
-            </a:r>
-            <a:endParaRPr lang="zh-CN" altLang="zh-CN" sz="2000" b="1" dirty="0">
+              <a:rPr lang="zh-CN" altLang="en-US" sz="1400" b="1" dirty="0">
+                <a:latin typeface="微软雅黑" panose="020B0503020204020204" pitchFamily="34" charset="-122"/>
+                <a:ea typeface="微软雅黑" panose="020B0503020204020204" pitchFamily="34" charset="-122"/>
+              </a:rPr>
+              <a:t>自由分子流</a:t>
+            </a:r>
+            <a:r>
+              <a:rPr lang="en-US" altLang="zh-CN" sz="1400" b="1" dirty="0">
+                <a:latin typeface="微软雅黑" panose="020B0503020204020204" pitchFamily="34" charset="-122"/>
+                <a:ea typeface="微软雅黑" panose="020B0503020204020204" pitchFamily="34" charset="-122"/>
+              </a:rPr>
+              <a:t>(free molecular flow regime)</a:t>
+            </a:r>
+            <a:r>
+              <a:rPr lang="zh-CN" altLang="en-US" sz="1400" b="1" dirty="0">
+                <a:latin typeface="微软雅黑" panose="020B0503020204020204" pitchFamily="34" charset="-122"/>
+                <a:ea typeface="微软雅黑" panose="020B0503020204020204" pitchFamily="34" charset="-122"/>
+              </a:rPr>
+              <a:t>，平均自由程远大于航天器尺寸</a:t>
+            </a:r>
+            <a:endParaRPr lang="zh-CN" altLang="zh-CN" sz="1400" b="1" dirty="0">
               <a:latin typeface="微软雅黑" panose="020B0503020204020204" pitchFamily="34" charset="-122"/>
               <a:ea typeface="微软雅黑" panose="020B0503020204020204" pitchFamily="34" charset="-122"/>
             </a:endParaRPr>
           </a:p>
         </p:txBody>
       </p:sp>
-      <p:pic>
-        <p:nvPicPr>
-          <p:cNvPr id="15" name="图片 14">
+      <p:sp>
+        <p:nvSpPr>
+          <p:cNvPr id="19" name="文本框 18">
             <a:extLst>
               <a:ext uri="{FF2B5EF4-FFF2-40B4-BE49-F238E27FC236}">
-                <a16:creationId xmlns:a16="http://schemas.microsoft.com/office/drawing/2014/main" id="{992B8C4A-DC8E-30AC-2960-BE0CCE7E7257}"/>
-              </a:ext>
-            </a:extLst>
-          </p:cNvPr>
-          <p:cNvPicPr>
-            <a:picLocks noChangeAspect="1"/>
-          </p:cNvPicPr>
-          <p:nvPr/>
-        </p:nvPicPr>
-        <p:blipFill>
-          <a:blip r:embed="rId4"/>
-          <a:stretch>
-            <a:fillRect/>
-          </a:stretch>
-        </p:blipFill>
-        <p:spPr>
-          <a:xfrm>
-            <a:off x="3035837" y="2658990"/>
-            <a:ext cx="695325" cy="333375"/>
-          </a:xfrm>
-          <a:prstGeom prst="rect">
-            <a:avLst/>
-          </a:prstGeom>
-        </p:spPr>
-      </p:pic>
-      <p:sp>
-        <p:nvSpPr>
-          <p:cNvPr id="16" name="文本框 15">
-            <a:extLst>
-              <a:ext uri="{FF2B5EF4-FFF2-40B4-BE49-F238E27FC236}">
-                <a16:creationId xmlns:a16="http://schemas.microsoft.com/office/drawing/2014/main" id="{D681C135-7EB1-79A9-908D-DB3056952A92}"/>
+                <a16:creationId xmlns:a16="http://schemas.microsoft.com/office/drawing/2014/main" id="{5FABC343-9C70-FD7B-0B64-D05C5DB07AA5}"/>
               </a:ext>
             </a:extLst>
           </p:cNvPr>
@@ -2804,8 +4713,8 @@
         </p:nvSpPr>
         <p:spPr>
           <a:xfrm>
-            <a:off x="1364900" y="2612187"/>
-            <a:ext cx="1848560" cy="400110"/>
+            <a:off x="4548062" y="4233444"/>
+            <a:ext cx="7489040" cy="307777"/>
           </a:xfrm>
           <a:prstGeom prst="rect">
             <a:avLst/>
@@ -2818,19 +4727,33 @@
           </a:bodyPr>
           <a:lstStyle/>
           <a:p>
-            <a:pPr algn="ctr" fontAlgn="auto">
+            <a:pPr fontAlgn="auto">
               <a:spcAft>
                 <a:spcPts val="0"/>
               </a:spcAft>
             </a:pPr>
             <a:r>
-              <a:rPr lang="zh-CN" altLang="en-US" sz="2000" b="1" dirty="0">
-                <a:latin typeface="微软雅黑" panose="020B0503020204020204" pitchFamily="34" charset="-122"/>
-                <a:ea typeface="微软雅黑" panose="020B0503020204020204" pitchFamily="34" charset="-122"/>
-              </a:rPr>
-              <a:t>面质比</a:t>
-            </a:r>
-            <a:endParaRPr lang="zh-CN" altLang="zh-CN" sz="2000" b="1" dirty="0">
+              <a:rPr lang="zh-CN" altLang="en-US" sz="1400" b="1" dirty="0">
+                <a:latin typeface="微软雅黑" panose="020B0503020204020204" pitchFamily="34" charset="-122"/>
+                <a:ea typeface="微软雅黑" panose="020B0503020204020204" pitchFamily="34" charset="-122"/>
+              </a:rPr>
+              <a:t>连续介质流</a:t>
+            </a:r>
+            <a:r>
+              <a:rPr lang="en-US" altLang="zh-CN" sz="1400" b="1" dirty="0">
+                <a:latin typeface="微软雅黑" panose="020B0503020204020204" pitchFamily="34" charset="-122"/>
+                <a:ea typeface="微软雅黑" panose="020B0503020204020204" pitchFamily="34" charset="-122"/>
+              </a:rPr>
+              <a:t>(continuum flow)</a:t>
+            </a:r>
+            <a:r>
+              <a:rPr lang="zh-CN" altLang="en-US" sz="1400" b="1" dirty="0">
+                <a:latin typeface="微软雅黑" panose="020B0503020204020204" pitchFamily="34" charset="-122"/>
+                <a:ea typeface="微软雅黑" panose="020B0503020204020204" pitchFamily="34" charset="-122"/>
+              </a:rPr>
+              <a:t>，超低空区域</a:t>
+            </a:r>
+            <a:endParaRPr lang="zh-CN" altLang="zh-CN" sz="1400" b="1" dirty="0">
               <a:latin typeface="微软雅黑" panose="020B0503020204020204" pitchFamily="34" charset="-122"/>
               <a:ea typeface="微软雅黑" panose="020B0503020204020204" pitchFamily="34" charset="-122"/>
             </a:endParaRPr>
@@ -2839,10 +4762,10 @@
       </p:sp>
       <p:pic>
         <p:nvPicPr>
-          <p:cNvPr id="20" name="图片 19">
+          <p:cNvPr id="27" name="图片 26">
             <a:extLst>
               <a:ext uri="{FF2B5EF4-FFF2-40B4-BE49-F238E27FC236}">
-                <a16:creationId xmlns:a16="http://schemas.microsoft.com/office/drawing/2014/main" id="{C374A076-F57A-B77D-438A-4BB8E72DC864}"/>
+                <a16:creationId xmlns:a16="http://schemas.microsoft.com/office/drawing/2014/main" id="{6E54353C-34A8-4183-889C-284575E22FCE}"/>
               </a:ext>
             </a:extLst>
           </p:cNvPr>
@@ -2852,15 +4775,51 @@
           <p:nvPr/>
         </p:nvPicPr>
         <p:blipFill>
-          <a:blip r:embed="rId5"/>
+          <a:blip r:embed="rId14"/>
           <a:stretch>
             <a:fillRect/>
           </a:stretch>
         </p:blipFill>
         <p:spPr>
           <a:xfrm>
-            <a:off x="3383499" y="3158407"/>
-            <a:ext cx="2838450" cy="352425"/>
+            <a:off x="8490732" y="4290966"/>
+            <a:ext cx="3421294" cy="2323331"/>
+          </a:xfrm>
+          <a:prstGeom prst="rect">
+            <a:avLst/>
+          </a:prstGeom>
+        </p:spPr>
+      </p:pic>
+      <p:pic>
+        <p:nvPicPr>
+          <p:cNvPr id="22" name="图形 21" descr="眩晕的脸轮廓 纯色填充">
+            <a:extLst>
+              <a:ext uri="{FF2B5EF4-FFF2-40B4-BE49-F238E27FC236}">
+                <a16:creationId xmlns:a16="http://schemas.microsoft.com/office/drawing/2014/main" id="{FA70BA15-E7EE-8C01-FAC9-980E6FF90AEE}"/>
+              </a:ext>
+            </a:extLst>
+          </p:cNvPr>
+          <p:cNvPicPr>
+            <a:picLocks noChangeAspect="1"/>
+          </p:cNvPicPr>
+          <p:nvPr/>
+        </p:nvPicPr>
+        <p:blipFill>
+          <a:blip r:embed="rId15">
+            <a:extLst>
+              <a:ext uri="{96DAC541-7B7A-43D3-8B79-37D633B846F1}">
+                <asvg:svgBlip xmlns:asvg="http://schemas.microsoft.com/office/drawing/2016/SVG/main" r:embed="rId16"/>
+              </a:ext>
+            </a:extLst>
+          </a:blip>
+          <a:stretch>
+            <a:fillRect/>
+          </a:stretch>
+        </p:blipFill>
+        <p:spPr>
+          <a:xfrm>
+            <a:off x="10807097" y="3926354"/>
+            <a:ext cx="571360" cy="571360"/>
           </a:xfrm>
           <a:prstGeom prst="rect">
             <a:avLst/>
@@ -2869,10 +4828,10 @@
       </p:pic>
       <p:sp>
         <p:nvSpPr>
-          <p:cNvPr id="21" name="文本框 20">
+          <p:cNvPr id="28" name="文本框 27">
             <a:extLst>
               <a:ext uri="{FF2B5EF4-FFF2-40B4-BE49-F238E27FC236}">
-                <a16:creationId xmlns:a16="http://schemas.microsoft.com/office/drawing/2014/main" id="{46BB1ABC-A1CC-7257-FCF2-B29E30FE6603}"/>
+                <a16:creationId xmlns:a16="http://schemas.microsoft.com/office/drawing/2014/main" id="{0F966B54-2D79-008F-C718-C8DB88085D57}"/>
               </a:ext>
             </a:extLst>
           </p:cNvPr>
@@ -2881,8 +4840,8 @@
         </p:nvSpPr>
         <p:spPr>
           <a:xfrm>
-            <a:off x="1231641" y="3134564"/>
-            <a:ext cx="2115078" cy="400110"/>
+            <a:off x="3701269" y="4706950"/>
+            <a:ext cx="1410473" cy="307777"/>
           </a:xfrm>
           <a:prstGeom prst="rect">
             <a:avLst/>
@@ -2895,61 +4854,94 @@
           </a:bodyPr>
           <a:lstStyle/>
           <a:p>
-            <a:pPr algn="ctr" fontAlgn="auto">
+            <a:pPr fontAlgn="auto">
               <a:spcAft>
                 <a:spcPts val="0"/>
               </a:spcAft>
             </a:pPr>
             <a:r>
-              <a:rPr lang="zh-CN" altLang="en-US" sz="2000" b="1" dirty="0">
-                <a:latin typeface="微软雅黑" panose="020B0503020204020204" pitchFamily="34" charset="-122"/>
-                <a:ea typeface="微软雅黑" panose="020B0503020204020204" pitchFamily="34" charset="-122"/>
-              </a:rPr>
-              <a:t>大气运动角速度</a:t>
-            </a:r>
-            <a:endParaRPr lang="zh-CN" altLang="zh-CN" sz="2000" b="1" dirty="0">
+              <a:rPr lang="zh-CN" altLang="en-US" sz="1400" b="1" dirty="0">
+                <a:latin typeface="微软雅黑" panose="020B0503020204020204" pitchFamily="34" charset="-122"/>
+                <a:ea typeface="微软雅黑" panose="020B0503020204020204" pitchFamily="34" charset="-122"/>
+              </a:rPr>
+              <a:t>取先验常数</a:t>
+            </a:r>
+            <a:endParaRPr lang="zh-CN" altLang="zh-CN" sz="1400" b="1" dirty="0">
               <a:latin typeface="微软雅黑" panose="020B0503020204020204" pitchFamily="34" charset="-122"/>
               <a:ea typeface="微软雅黑" panose="020B0503020204020204" pitchFamily="34" charset="-122"/>
             </a:endParaRPr>
           </a:p>
         </p:txBody>
       </p:sp>
-      <p:pic>
-        <p:nvPicPr>
-          <p:cNvPr id="23" name="图片 22">
+      <p:graphicFrame>
+        <p:nvGraphicFramePr>
+          <p:cNvPr id="29" name="对象 28">
             <a:extLst>
               <a:ext uri="{FF2B5EF4-FFF2-40B4-BE49-F238E27FC236}">
-                <a16:creationId xmlns:a16="http://schemas.microsoft.com/office/drawing/2014/main" id="{B7B74096-3282-E7A5-98F7-B84219C90F8F}"/>
+                <a16:creationId xmlns:a16="http://schemas.microsoft.com/office/drawing/2014/main" id="{B3CD3142-7568-BF49-16A2-F1E6C42540B3}"/>
               </a:ext>
             </a:extLst>
           </p:cNvPr>
-          <p:cNvPicPr>
-            <a:picLocks noChangeAspect="1"/>
-          </p:cNvPicPr>
-          <p:nvPr/>
-        </p:nvPicPr>
-        <p:blipFill>
-          <a:blip r:embed="rId6"/>
-          <a:stretch>
-            <a:fillRect/>
-          </a:stretch>
-        </p:blipFill>
-        <p:spPr>
-          <a:xfrm>
-            <a:off x="3212577" y="3699274"/>
-            <a:ext cx="219075" cy="295275"/>
-          </a:xfrm>
-          <a:prstGeom prst="rect">
-            <a:avLst/>
-          </a:prstGeom>
-        </p:spPr>
-      </p:pic>
+          <p:cNvGraphicFramePr>
+            <a:graphicFrameLocks noChangeAspect="1"/>
+          </p:cNvGraphicFramePr>
+          <p:nvPr>
+            <p:extLst>
+              <p:ext uri="{D42A27DB-BD31-4B8C-83A1-F6EECF244321}">
+                <p14:modId xmlns:p14="http://schemas.microsoft.com/office/powerpoint/2010/main" val="4055048373"/>
+              </p:ext>
+            </p:extLst>
+          </p:nvPr>
+        </p:nvGraphicFramePr>
+        <p:xfrm>
+          <a:off x="8292582" y="2290178"/>
+          <a:ext cx="1266825" cy="381000"/>
+        </p:xfrm>
+        <a:graphic>
+          <a:graphicData uri="http://schemas.openxmlformats.org/presentationml/2006/ole">
+            <mc:AlternateContent xmlns:mc="http://schemas.openxmlformats.org/markup-compatibility/2006">
+              <mc:Choice xmlns:v="urn:schemas-microsoft-com:vml" Requires="v">
+                <p:oleObj name="AxMath" r:id="rId17" imgW="633240" imgH="190440" progId="Equation.AxMath">
+                  <p:embed/>
+                </p:oleObj>
+              </mc:Choice>
+              <mc:Fallback>
+                <p:oleObj name="AxMath" r:id="rId17" imgW="633240" imgH="190440" progId="Equation.AxMath">
+                  <p:embed/>
+                  <p:pic>
+                    <p:nvPicPr>
+                      <p:cNvPr id="0" name=""/>
+                      <p:cNvPicPr/>
+                      <p:nvPr/>
+                    </p:nvPicPr>
+                    <p:blipFill>
+                      <a:blip r:embed="rId18"/>
+                      <a:stretch>
+                        <a:fillRect/>
+                      </a:stretch>
+                    </p:blipFill>
+                    <p:spPr>
+                      <a:xfrm>
+                        <a:off x="8292582" y="2290178"/>
+                        <a:ext cx="1266825" cy="381000"/>
+                      </a:xfrm>
+                      <a:prstGeom prst="rect">
+                        <a:avLst/>
+                      </a:prstGeom>
+                    </p:spPr>
+                  </p:pic>
+                </p:oleObj>
+              </mc:Fallback>
+            </mc:AlternateContent>
+          </a:graphicData>
+        </a:graphic>
+      </p:graphicFrame>
       <p:sp>
         <p:nvSpPr>
-          <p:cNvPr id="24" name="文本框 23">
+          <p:cNvPr id="30" name="文本框 29">
             <a:extLst>
               <a:ext uri="{FF2B5EF4-FFF2-40B4-BE49-F238E27FC236}">
-                <a16:creationId xmlns:a16="http://schemas.microsoft.com/office/drawing/2014/main" id="{0F08C07A-EDD6-4E53-0C74-399F8C341710}"/>
+                <a16:creationId xmlns:a16="http://schemas.microsoft.com/office/drawing/2014/main" id="{7866B0A8-180B-F297-6BF8-8F1049FB2D71}"/>
               </a:ext>
             </a:extLst>
           </p:cNvPr>
@@ -2958,8 +4950,8 @@
         </p:nvSpPr>
         <p:spPr>
           <a:xfrm>
-            <a:off x="1341178" y="3648748"/>
-            <a:ext cx="2115078" cy="400110"/>
+            <a:off x="8925994" y="2653715"/>
+            <a:ext cx="1350416" cy="307777"/>
           </a:xfrm>
           <a:prstGeom prst="rect">
             <a:avLst/>
@@ -2978,13 +4970,13 @@
               </a:spcAft>
             </a:pPr>
             <a:r>
-              <a:rPr lang="zh-CN" altLang="en-US" sz="2000" b="1" dirty="0">
-                <a:latin typeface="微软雅黑" panose="020B0503020204020204" pitchFamily="34" charset="-122"/>
-                <a:ea typeface="微软雅黑" panose="020B0503020204020204" pitchFamily="34" charset="-122"/>
-              </a:rPr>
-              <a:t>大气密度</a:t>
-            </a:r>
-            <a:endParaRPr lang="zh-CN" altLang="zh-CN" sz="2000" b="1" dirty="0">
+              <a:rPr lang="zh-CN" altLang="en-US" sz="1400" b="1" dirty="0">
+                <a:latin typeface="微软雅黑" panose="020B0503020204020204" pitchFamily="34" charset="-122"/>
+                <a:ea typeface="微软雅黑" panose="020B0503020204020204" pitchFamily="34" charset="-122"/>
+              </a:rPr>
+              <a:t>旋转大气速度</a:t>
+            </a:r>
+            <a:endParaRPr lang="zh-CN" altLang="zh-CN" sz="1400" b="1" dirty="0">
               <a:latin typeface="微软雅黑" panose="020B0503020204020204" pitchFamily="34" charset="-122"/>
               <a:ea typeface="微软雅黑" panose="020B0503020204020204" pitchFamily="34" charset="-122"/>
             </a:endParaRPr>
@@ -3042,7 +5034,7 @@
         <p:spPr>
           <a:xfrm>
             <a:off x="407987" y="1052513"/>
-            <a:ext cx="11376025" cy="3247877"/>
+            <a:ext cx="11376025" cy="5104282"/>
           </a:xfrm>
           <a:prstGeom prst="rect">
             <a:avLst/>
@@ -3066,11 +5058,17 @@
             </a:pPr>
             <a:r>
               <a:rPr lang="zh-CN" altLang="en-US" sz="2800" b="1" dirty="0">
-                <a:latin typeface="微软雅黑" panose="020B0503020204020204" pitchFamily="34" charset="-122"/>
-                <a:ea typeface="微软雅黑" panose="020B0503020204020204" pitchFamily="34" charset="-122"/>
-              </a:rPr>
-              <a:t>大气阻力摄动</a:t>
-            </a:r>
+                <a:latin typeface="Times New Roman" panose="02020603050405020304" pitchFamily="18" charset="0"/>
+                <a:ea typeface="微软雅黑" panose="020B0503020204020204" pitchFamily="34" charset="-122"/>
+                <a:cs typeface="Times New Roman" panose="02020603050405020304" pitchFamily="18" charset="0"/>
+              </a:rPr>
+              <a:t>旋转大气速度分解</a:t>
+            </a:r>
+            <a:endParaRPr lang="en-US" altLang="zh-CN" sz="2800" b="1" dirty="0">
+              <a:latin typeface="Times New Roman" panose="02020603050405020304" pitchFamily="18" charset="0"/>
+              <a:ea typeface="微软雅黑" panose="020B0503020204020204" pitchFamily="34" charset="-122"/>
+              <a:cs typeface="Times New Roman" panose="02020603050405020304" pitchFamily="18" charset="0"/>
+            </a:endParaRPr>
           </a:p>
           <a:p>
             <a:pPr marL="342900" indent="-342900" fontAlgn="auto">
@@ -3083,10 +5081,10 @@
               <a:buFont typeface="Arial" panose="020B0604020202020204" pitchFamily="34" charset="0"/>
               <a:buChar char="•"/>
             </a:pPr>
-            <a:endParaRPr lang="en-US" altLang="zh-CN" sz="2800" b="1" dirty="0">
-              <a:latin typeface="微软雅黑" panose="020B0503020204020204" pitchFamily="34" charset="-122"/>
+            <a:endParaRPr lang="en-US" altLang="zh-CN" sz="2400" b="1" dirty="0">
+              <a:latin typeface="Times New Roman" panose="02020603050405020304" pitchFamily="18" charset="0"/>
               <a:ea typeface="微软雅黑" panose="020B0503020204020204" pitchFamily="34" charset="-122"/>
-              <a:sym typeface="+mn-ea"/>
+              <a:cs typeface="Times New Roman" panose="02020603050405020304" pitchFamily="18" charset="0"/>
             </a:endParaRPr>
           </a:p>
           <a:p>
@@ -3100,13 +5098,10 @@
               <a:buFont typeface="Arial" panose="020B0604020202020204" pitchFamily="34" charset="0"/>
               <a:buChar char="•"/>
             </a:pPr>
-            <a:endParaRPr lang="en-US" altLang="zh-CN" sz="2800" b="1" dirty="0">
-              <a:solidFill>
-                <a:srgbClr val="0000FF"/>
-              </a:solidFill>
-              <a:latin typeface="微软雅黑" panose="020B0503020204020204" pitchFamily="34" charset="-122"/>
+            <a:endParaRPr lang="en-US" altLang="zh-CN" sz="2400" b="1" dirty="0">
+              <a:latin typeface="Times New Roman" panose="02020603050405020304" pitchFamily="18" charset="0"/>
               <a:ea typeface="微软雅黑" panose="020B0503020204020204" pitchFamily="34" charset="-122"/>
-              <a:sym typeface="+mn-ea"/>
+              <a:cs typeface="Times New Roman" panose="02020603050405020304" pitchFamily="18" charset="0"/>
             </a:endParaRPr>
           </a:p>
           <a:p>
@@ -3120,64 +5115,196 @@
               <a:buFont typeface="Arial" panose="020B0604020202020204" pitchFamily="34" charset="0"/>
               <a:buChar char="•"/>
             </a:pPr>
-            <a:r>
-              <a:rPr lang="zh-CN" altLang="en-US" sz="2800" b="1" dirty="0">
-                <a:solidFill>
-                  <a:srgbClr val="0000FF"/>
-                </a:solidFill>
-                <a:latin typeface="微软雅黑" panose="020B0503020204020204" pitchFamily="34" charset="-122"/>
-                <a:ea typeface="微软雅黑" panose="020B0503020204020204" pitchFamily="34" charset="-122"/>
-                <a:sym typeface="+mn-ea"/>
-              </a:rPr>
-              <a:t>蓝色（突出）、</a:t>
-            </a:r>
-            <a:r>
-              <a:rPr lang="zh-CN" sz="2800" b="1" dirty="0">
-                <a:solidFill>
-                  <a:srgbClr val="FF0000"/>
-                </a:solidFill>
-                <a:latin typeface="微软雅黑" panose="020B0503020204020204" pitchFamily="34" charset="-122"/>
-                <a:ea typeface="微软雅黑" panose="020B0503020204020204" pitchFamily="34" charset="-122"/>
-                <a:sym typeface="+mn-ea"/>
-              </a:rPr>
-              <a:t>红色（强调）</a:t>
-            </a:r>
-          </a:p>
-          <a:p>
-            <a:pPr marL="342900" lvl="0" indent="-342900" algn="l" fontAlgn="auto">
+            <a:endParaRPr lang="en-US" altLang="zh-CN" sz="2400" b="1" dirty="0">
+              <a:latin typeface="Times New Roman" panose="02020603050405020304" pitchFamily="18" charset="0"/>
+              <a:ea typeface="微软雅黑" panose="020B0503020204020204" pitchFamily="34" charset="-122"/>
+              <a:cs typeface="Times New Roman" panose="02020603050405020304" pitchFamily="18" charset="0"/>
+            </a:endParaRPr>
+          </a:p>
+          <a:p>
+            <a:pPr marL="342900" indent="-342900" fontAlgn="auto">
               <a:lnSpc>
                 <a:spcPct val="150000"/>
               </a:lnSpc>
               <a:spcAft>
                 <a:spcPts val="0"/>
               </a:spcAft>
-              <a:buClrTx/>
-              <a:buSzTx/>
               <a:buFont typeface="Arial" panose="020B0604020202020204" pitchFamily="34" charset="0"/>
               <a:buChar char="•"/>
             </a:pPr>
-            <a:r>
-              <a:rPr lang="zh-CN" sz="2800" b="1" dirty="0">
+            <a:endParaRPr lang="en-US" altLang="zh-CN" sz="2400" b="1" dirty="0">
+              <a:latin typeface="Times New Roman" panose="02020603050405020304" pitchFamily="18" charset="0"/>
+              <a:ea typeface="微软雅黑" panose="020B0503020204020204" pitchFamily="34" charset="-122"/>
+              <a:cs typeface="Times New Roman" panose="02020603050405020304" pitchFamily="18" charset="0"/>
+            </a:endParaRPr>
+          </a:p>
+          <a:p>
+            <a:pPr marL="800100" lvl="1" indent="-342900">
+              <a:lnSpc>
+                <a:spcPct val="150000"/>
+              </a:lnSpc>
+              <a:buFont typeface="Arial" panose="020B0604020202020204" pitchFamily="34" charset="0"/>
+              <a:buChar char="•"/>
+            </a:pPr>
+            <a:r>
+              <a:rPr lang="zh-CN" altLang="en-US" sz="2400" b="1" dirty="0">
                 <a:solidFill>
-                  <a:schemeClr val="tx1"/>
+                  <a:srgbClr val="0000FF"/>
                 </a:solidFill>
-                <a:latin typeface="微软雅黑" panose="020B0503020204020204" pitchFamily="34" charset="-122"/>
-                <a:ea typeface="微软雅黑" panose="020B0503020204020204" pitchFamily="34" charset="-122"/>
+                <a:latin typeface="Times New Roman" panose="02020603050405020304" pitchFamily="18" charset="0"/>
+                <a:ea typeface="微软雅黑" panose="020B0503020204020204" pitchFamily="34" charset="-122"/>
+                <a:cs typeface="Times New Roman" panose="02020603050405020304" pitchFamily="18" charset="0"/>
                 <a:sym typeface="+mn-ea"/>
               </a:rPr>
-              <a:t>行距：</a:t>
-            </a:r>
-            <a:r>
-              <a:rPr lang="en-US" altLang="zh-CN" sz="2800" b="1" dirty="0">
+              <a:t>考虑低轨卫星小 </a:t>
+            </a:r>
+            <a:r>
+              <a:rPr lang="en-US" altLang="zh-CN" sz="2400" b="1" i="1" dirty="0">
                 <a:solidFill>
-                  <a:schemeClr val="tx1"/>
+                  <a:srgbClr val="0000FF"/>
                 </a:solidFill>
-                <a:latin typeface="微软雅黑" panose="020B0503020204020204" pitchFamily="34" charset="-122"/>
-                <a:ea typeface="微软雅黑" panose="020B0503020204020204" pitchFamily="34" charset="-122"/>
+                <a:latin typeface="Times New Roman" panose="02020603050405020304" pitchFamily="18" charset="0"/>
+                <a:ea typeface="微软雅黑" panose="020B0503020204020204" pitchFamily="34" charset="-122"/>
+                <a:cs typeface="Times New Roman" panose="02020603050405020304" pitchFamily="18" charset="0"/>
                 <a:sym typeface="+mn-ea"/>
               </a:rPr>
-              <a:t>1.5</a:t>
-            </a:r>
+              <a:t>e</a:t>
+            </a:r>
+            <a:r>
+              <a:rPr lang="zh-CN" altLang="en-US" sz="2400" b="1" dirty="0">
+                <a:solidFill>
+                  <a:srgbClr val="0000FF"/>
+                </a:solidFill>
+                <a:latin typeface="Times New Roman" panose="02020603050405020304" pitchFamily="18" charset="0"/>
+                <a:ea typeface="微软雅黑" panose="020B0503020204020204" pitchFamily="34" charset="-122"/>
+                <a:cs typeface="Times New Roman" panose="02020603050405020304" pitchFamily="18" charset="0"/>
+                <a:sym typeface="+mn-ea"/>
+              </a:rPr>
+              <a:t>，可进一步简化：</a:t>
+            </a:r>
+            <a:endParaRPr lang="en-US" altLang="zh-CN" sz="2400" b="1" dirty="0">
+              <a:solidFill>
+                <a:srgbClr val="0000FF"/>
+              </a:solidFill>
+              <a:latin typeface="Times New Roman" panose="02020603050405020304" pitchFamily="18" charset="0"/>
+              <a:ea typeface="微软雅黑" panose="020B0503020204020204" pitchFamily="34" charset="-122"/>
+              <a:cs typeface="Times New Roman" panose="02020603050405020304" pitchFamily="18" charset="0"/>
+              <a:sym typeface="+mn-ea"/>
+            </a:endParaRPr>
+          </a:p>
+          <a:p>
+            <a:pPr marL="800100" lvl="1" indent="-342900">
+              <a:lnSpc>
+                <a:spcPct val="150000"/>
+              </a:lnSpc>
+              <a:buFont typeface="Arial" panose="020B0604020202020204" pitchFamily="34" charset="0"/>
+              <a:buChar char="•"/>
+            </a:pPr>
+            <a:endParaRPr lang="en-US" altLang="zh-CN" sz="2400" b="1" dirty="0">
+              <a:solidFill>
+                <a:srgbClr val="0000FF"/>
+              </a:solidFill>
+              <a:latin typeface="Times New Roman" panose="02020603050405020304" pitchFamily="18" charset="0"/>
+              <a:ea typeface="微软雅黑" panose="020B0503020204020204" pitchFamily="34" charset="-122"/>
+              <a:cs typeface="Times New Roman" panose="02020603050405020304" pitchFamily="18" charset="0"/>
+              <a:sym typeface="+mn-ea"/>
+            </a:endParaRPr>
+          </a:p>
+          <a:p>
+            <a:pPr marL="800100" lvl="1" indent="-342900">
+              <a:lnSpc>
+                <a:spcPct val="150000"/>
+              </a:lnSpc>
+              <a:buFont typeface="Arial" panose="020B0604020202020204" pitchFamily="34" charset="0"/>
+              <a:buChar char="•"/>
+            </a:pPr>
+            <a:endParaRPr lang="en-US" altLang="zh-CN" sz="2400" b="1" dirty="0">
+              <a:solidFill>
+                <a:srgbClr val="0000FF"/>
+              </a:solidFill>
+              <a:latin typeface="Times New Roman" panose="02020603050405020304" pitchFamily="18" charset="0"/>
+              <a:ea typeface="微软雅黑" panose="020B0503020204020204" pitchFamily="34" charset="-122"/>
+              <a:cs typeface="Times New Roman" panose="02020603050405020304" pitchFamily="18" charset="0"/>
+              <a:sym typeface="+mn-ea"/>
+            </a:endParaRPr>
+          </a:p>
+          <a:p>
+            <a:pPr marL="800100" lvl="1" indent="-342900">
+              <a:lnSpc>
+                <a:spcPct val="150000"/>
+              </a:lnSpc>
+              <a:buFont typeface="Arial" panose="020B0604020202020204" pitchFamily="34" charset="0"/>
+              <a:buChar char="•"/>
+            </a:pPr>
+            <a:r>
+              <a:rPr lang="zh-CN" altLang="en-US" sz="2400" b="1" dirty="0">
+                <a:solidFill>
+                  <a:srgbClr val="FF0000"/>
+                </a:solidFill>
+                <a:latin typeface="Times New Roman" panose="02020603050405020304" pitchFamily="18" charset="0"/>
+                <a:ea typeface="微软雅黑" panose="020B0503020204020204" pitchFamily="34" charset="-122"/>
+                <a:cs typeface="Times New Roman" panose="02020603050405020304" pitchFamily="18" charset="0"/>
+                <a:sym typeface="+mn-ea"/>
+              </a:rPr>
+              <a:t>问：大椭圆轨道 </a:t>
+            </a:r>
+            <a:r>
+              <a:rPr lang="en-US" altLang="zh-CN" sz="2400" b="1" dirty="0">
+                <a:solidFill>
+                  <a:srgbClr val="FF0000"/>
+                </a:solidFill>
+                <a:latin typeface="Times New Roman" panose="02020603050405020304" pitchFamily="18" charset="0"/>
+                <a:ea typeface="微软雅黑" panose="020B0503020204020204" pitchFamily="34" charset="-122"/>
+                <a:cs typeface="Times New Roman" panose="02020603050405020304" pitchFamily="18" charset="0"/>
+                <a:sym typeface="+mn-ea"/>
+              </a:rPr>
+              <a:t>(</a:t>
+            </a:r>
+            <a:r>
+              <a:rPr lang="en-US" altLang="zh-CN" sz="2400" b="1" i="1" dirty="0">
+                <a:solidFill>
+                  <a:srgbClr val="FF0000"/>
+                </a:solidFill>
+                <a:latin typeface="Times New Roman" panose="02020603050405020304" pitchFamily="18" charset="0"/>
+                <a:ea typeface="微软雅黑" panose="020B0503020204020204" pitchFamily="34" charset="-122"/>
+                <a:cs typeface="Times New Roman" panose="02020603050405020304" pitchFamily="18" charset="0"/>
+                <a:sym typeface="+mn-ea"/>
+              </a:rPr>
+              <a:t>e </a:t>
+            </a:r>
+            <a:r>
+              <a:rPr lang="en-US" altLang="zh-CN" sz="2400" b="1" dirty="0">
+                <a:solidFill>
+                  <a:srgbClr val="FF0000"/>
+                </a:solidFill>
+                <a:latin typeface="Times New Roman" panose="02020603050405020304" pitchFamily="18" charset="0"/>
+                <a:ea typeface="微软雅黑" panose="020B0503020204020204" pitchFamily="34" charset="-122"/>
+                <a:cs typeface="Times New Roman" panose="02020603050405020304" pitchFamily="18" charset="0"/>
+                <a:sym typeface="+mn-ea"/>
+              </a:rPr>
+              <a:t>~ 0.7) </a:t>
+            </a:r>
+            <a:r>
+              <a:rPr lang="zh-CN" altLang="en-US" sz="2400" b="1" dirty="0">
+                <a:solidFill>
+                  <a:srgbClr val="FF0000"/>
+                </a:solidFill>
+                <a:latin typeface="Times New Roman" panose="02020603050405020304" pitchFamily="18" charset="0"/>
+                <a:ea typeface="微软雅黑" panose="020B0503020204020204" pitchFamily="34" charset="-122"/>
+                <a:cs typeface="Times New Roman" panose="02020603050405020304" pitchFamily="18" charset="0"/>
+                <a:sym typeface="+mn-ea"/>
+              </a:rPr>
+              <a:t>怎么办？</a:t>
+            </a:r>
+            <a:endParaRPr lang="en-US" altLang="zh-CN" sz="2400" b="1" dirty="0">
+              <a:solidFill>
+                <a:srgbClr val="FF0000"/>
+              </a:solidFill>
+              <a:latin typeface="Times New Roman" panose="02020603050405020304" pitchFamily="18" charset="0"/>
+              <a:ea typeface="微软雅黑" panose="020B0503020204020204" pitchFamily="34" charset="-122"/>
+              <a:cs typeface="Times New Roman" panose="02020603050405020304" pitchFamily="18" charset="0"/>
+              <a:sym typeface="+mn-ea"/>
+            </a:endParaRPr>
           </a:p>
         </p:txBody>
       </p:sp>
@@ -3201,48 +5328,6 @@
               <a:t>5</a:t>
             </a:fld>
             <a:endParaRPr kumimoji="1" lang="zh-CN" altLang="en-US"/>
-          </a:p>
-        </p:txBody>
-      </p:sp>
-      <p:sp>
-        <p:nvSpPr>
-          <p:cNvPr id="6" name="矩形 5"/>
-          <p:cNvSpPr/>
-          <p:nvPr/>
-        </p:nvSpPr>
-        <p:spPr>
-          <a:xfrm>
-            <a:off x="3327171" y="6023928"/>
-            <a:ext cx="6082030" cy="645160"/>
-          </a:xfrm>
-          <a:prstGeom prst="rect">
-            <a:avLst/>
-          </a:prstGeom>
-        </p:spPr>
-        <p:txBody>
-          <a:bodyPr wrap="square">
-            <a:spAutoFit/>
-          </a:bodyPr>
-          <a:lstStyle/>
-          <a:p>
-            <a:pPr algn="ctr" fontAlgn="auto">
-              <a:lnSpc>
-                <a:spcPct val="150000"/>
-              </a:lnSpc>
-              <a:spcAft>
-                <a:spcPts val="0"/>
-              </a:spcAft>
-            </a:pPr>
-            <a:r>
-              <a:rPr lang="zh-CN" sz="2400" b="1" dirty="0">
-                <a:solidFill>
-                  <a:srgbClr val="FF0000"/>
-                </a:solidFill>
-                <a:latin typeface="微软雅黑" panose="020B0503020204020204" pitchFamily="34" charset="-122"/>
-                <a:ea typeface="微软雅黑" panose="020B0503020204020204" pitchFamily="34" charset="-122"/>
-              </a:rPr>
-              <a:t>根据页面具体情况可略微调整</a:t>
-            </a:r>
           </a:p>
         </p:txBody>
       </p:sp>
@@ -3302,6 +5387,255 @@
           </a:p>
         </p:txBody>
       </p:sp>
+      <p:graphicFrame>
+        <p:nvGraphicFramePr>
+          <p:cNvPr id="2" name="对象 1">
+            <a:extLst>
+              <a:ext uri="{FF2B5EF4-FFF2-40B4-BE49-F238E27FC236}">
+                <a16:creationId xmlns:a16="http://schemas.microsoft.com/office/drawing/2014/main" id="{E179AC1A-4E46-1371-544E-FBEEABB56837}"/>
+              </a:ext>
+            </a:extLst>
+          </p:cNvPr>
+          <p:cNvGraphicFramePr>
+            <a:graphicFrameLocks noChangeAspect="1"/>
+          </p:cNvGraphicFramePr>
+          <p:nvPr>
+            <p:extLst>
+              <p:ext uri="{D42A27DB-BD31-4B8C-83A1-F6EECF244321}">
+                <p14:modId xmlns:p14="http://schemas.microsoft.com/office/powerpoint/2010/main" val="1637466200"/>
+              </p:ext>
+            </p:extLst>
+          </p:nvPr>
+        </p:nvGraphicFramePr>
+        <p:xfrm>
+          <a:off x="1443509" y="1845678"/>
+          <a:ext cx="6826251" cy="1162050"/>
+        </p:xfrm>
+        <a:graphic>
+          <a:graphicData uri="http://schemas.openxmlformats.org/presentationml/2006/ole">
+            <mc:AlternateContent xmlns:mc="http://schemas.openxmlformats.org/markup-compatibility/2006">
+              <mc:Choice xmlns:v="urn:schemas-microsoft-com:vml" Requires="v">
+                <p:oleObj name="AxMath" r:id="rId3" imgW="3412440" imgH="581760" progId="Equation.AxMath">
+                  <p:embed/>
+                </p:oleObj>
+              </mc:Choice>
+              <mc:Fallback>
+                <p:oleObj name="AxMath" r:id="rId3" imgW="3412440" imgH="581760" progId="Equation.AxMath">
+                  <p:embed/>
+                  <p:pic>
+                    <p:nvPicPr>
+                      <p:cNvPr id="0" name=""/>
+                      <p:cNvPicPr/>
+                      <p:nvPr/>
+                    </p:nvPicPr>
+                    <p:blipFill>
+                      <a:blip r:embed="rId4"/>
+                      <a:stretch>
+                        <a:fillRect/>
+                      </a:stretch>
+                    </p:blipFill>
+                    <p:spPr>
+                      <a:xfrm>
+                        <a:off x="1443509" y="1845678"/>
+                        <a:ext cx="6826251" cy="1162050"/>
+                      </a:xfrm>
+                      <a:prstGeom prst="rect">
+                        <a:avLst/>
+                      </a:prstGeom>
+                    </p:spPr>
+                  </p:pic>
+                </p:oleObj>
+              </mc:Fallback>
+            </mc:AlternateContent>
+          </a:graphicData>
+        </a:graphic>
+      </p:graphicFrame>
+      <p:graphicFrame>
+        <p:nvGraphicFramePr>
+          <p:cNvPr id="7" name="对象 6">
+            <a:extLst>
+              <a:ext uri="{FF2B5EF4-FFF2-40B4-BE49-F238E27FC236}">
+                <a16:creationId xmlns:a16="http://schemas.microsoft.com/office/drawing/2014/main" id="{466A5859-DC13-8A19-AB1D-8303B3E338E4}"/>
+              </a:ext>
+            </a:extLst>
+          </p:cNvPr>
+          <p:cNvGraphicFramePr>
+            <a:graphicFrameLocks noChangeAspect="1"/>
+          </p:cNvGraphicFramePr>
+          <p:nvPr>
+            <p:extLst>
+              <p:ext uri="{D42A27DB-BD31-4B8C-83A1-F6EECF244321}">
+                <p14:modId xmlns:p14="http://schemas.microsoft.com/office/powerpoint/2010/main" val="3715760244"/>
+              </p:ext>
+            </p:extLst>
+          </p:nvPr>
+        </p:nvGraphicFramePr>
+        <p:xfrm>
+          <a:off x="2077205" y="3240988"/>
+          <a:ext cx="5162550" cy="393700"/>
+        </p:xfrm>
+        <a:graphic>
+          <a:graphicData uri="http://schemas.openxmlformats.org/presentationml/2006/ole">
+            <mc:AlternateContent xmlns:mc="http://schemas.openxmlformats.org/markup-compatibility/2006">
+              <mc:Choice xmlns:v="urn:schemas-microsoft-com:vml" Requires="v">
+                <p:oleObj name="AxMath" r:id="rId5" imgW="2581560" imgH="196560" progId="Equation.AxMath">
+                  <p:embed/>
+                </p:oleObj>
+              </mc:Choice>
+              <mc:Fallback>
+                <p:oleObj name="AxMath" r:id="rId5" imgW="2581560" imgH="196560" progId="Equation.AxMath">
+                  <p:embed/>
+                  <p:pic>
+                    <p:nvPicPr>
+                      <p:cNvPr id="0" name=""/>
+                      <p:cNvPicPr/>
+                      <p:nvPr/>
+                    </p:nvPicPr>
+                    <p:blipFill>
+                      <a:blip r:embed="rId6"/>
+                      <a:stretch>
+                        <a:fillRect/>
+                      </a:stretch>
+                    </p:blipFill>
+                    <p:spPr>
+                      <a:xfrm>
+                        <a:off x="2077205" y="3240988"/>
+                        <a:ext cx="5162550" cy="393700"/>
+                      </a:xfrm>
+                      <a:prstGeom prst="rect">
+                        <a:avLst/>
+                      </a:prstGeom>
+                    </p:spPr>
+                  </p:pic>
+                </p:oleObj>
+              </mc:Fallback>
+            </mc:AlternateContent>
+          </a:graphicData>
+        </a:graphic>
+      </p:graphicFrame>
+      <p:pic>
+        <p:nvPicPr>
+          <p:cNvPr id="27" name="图片 26">
+            <a:extLst>
+              <a:ext uri="{FF2B5EF4-FFF2-40B4-BE49-F238E27FC236}">
+                <a16:creationId xmlns:a16="http://schemas.microsoft.com/office/drawing/2014/main" id="{6A688F53-B94E-4F19-AB67-B0D19C812A7A}"/>
+              </a:ext>
+            </a:extLst>
+          </p:cNvPr>
+          <p:cNvPicPr>
+            <a:picLocks noChangeAspect="1"/>
+          </p:cNvPicPr>
+          <p:nvPr/>
+        </p:nvPicPr>
+        <p:blipFill>
+          <a:blip r:embed="rId7"/>
+          <a:stretch>
+            <a:fillRect/>
+          </a:stretch>
+        </p:blipFill>
+        <p:spPr>
+          <a:xfrm>
+            <a:off x="8895285" y="3959455"/>
+            <a:ext cx="2843484" cy="2416140"/>
+          </a:xfrm>
+          <a:prstGeom prst="rect">
+            <a:avLst/>
+          </a:prstGeom>
+        </p:spPr>
+      </p:pic>
+      <p:pic>
+        <p:nvPicPr>
+          <p:cNvPr id="29" name="图片 28">
+            <a:extLst>
+              <a:ext uri="{FF2B5EF4-FFF2-40B4-BE49-F238E27FC236}">
+                <a16:creationId xmlns:a16="http://schemas.microsoft.com/office/drawing/2014/main" id="{58D739E7-2FDC-1C89-9A82-86AC326C8892}"/>
+              </a:ext>
+            </a:extLst>
+          </p:cNvPr>
+          <p:cNvPicPr>
+            <a:picLocks noChangeAspect="1"/>
+          </p:cNvPicPr>
+          <p:nvPr/>
+        </p:nvPicPr>
+        <p:blipFill>
+          <a:blip r:embed="rId8"/>
+          <a:stretch>
+            <a:fillRect/>
+          </a:stretch>
+        </p:blipFill>
+        <p:spPr>
+          <a:xfrm>
+            <a:off x="8935902" y="1171719"/>
+            <a:ext cx="2762250" cy="2371725"/>
+          </a:xfrm>
+          <a:prstGeom prst="rect">
+            <a:avLst/>
+          </a:prstGeom>
+        </p:spPr>
+      </p:pic>
+      <p:graphicFrame>
+        <p:nvGraphicFramePr>
+          <p:cNvPr id="30" name="对象 29">
+            <a:extLst>
+              <a:ext uri="{FF2B5EF4-FFF2-40B4-BE49-F238E27FC236}">
+                <a16:creationId xmlns:a16="http://schemas.microsoft.com/office/drawing/2014/main" id="{107CE5DB-7367-5239-AE0F-0CA864F42B1C}"/>
+              </a:ext>
+            </a:extLst>
+          </p:cNvPr>
+          <p:cNvGraphicFramePr>
+            <a:graphicFrameLocks noChangeAspect="1"/>
+          </p:cNvGraphicFramePr>
+          <p:nvPr>
+            <p:extLst>
+              <p:ext uri="{D42A27DB-BD31-4B8C-83A1-F6EECF244321}">
+                <p14:modId xmlns:p14="http://schemas.microsoft.com/office/powerpoint/2010/main" val="2911597002"/>
+              </p:ext>
+            </p:extLst>
+          </p:nvPr>
+        </p:nvGraphicFramePr>
+        <p:xfrm>
+          <a:off x="2419639" y="4767475"/>
+          <a:ext cx="3444875" cy="400050"/>
+        </p:xfrm>
+        <a:graphic>
+          <a:graphicData uri="http://schemas.openxmlformats.org/presentationml/2006/ole">
+            <mc:AlternateContent xmlns:mc="http://schemas.openxmlformats.org/markup-compatibility/2006">
+              <mc:Choice xmlns:v="urn:schemas-microsoft-com:vml" Requires="v">
+                <p:oleObj name="AxMath" r:id="rId9" imgW="1722960" imgH="199800" progId="Equation.AxMath">
+                  <p:embed/>
+                </p:oleObj>
+              </mc:Choice>
+              <mc:Fallback>
+                <p:oleObj name="AxMath" r:id="rId9" imgW="1722960" imgH="199800" progId="Equation.AxMath">
+                  <p:embed/>
+                  <p:pic>
+                    <p:nvPicPr>
+                      <p:cNvPr id="0" name=""/>
+                      <p:cNvPicPr/>
+                      <p:nvPr/>
+                    </p:nvPicPr>
+                    <p:blipFill>
+                      <a:blip r:embed="rId10"/>
+                      <a:stretch>
+                        <a:fillRect/>
+                      </a:stretch>
+                    </p:blipFill>
+                    <p:spPr>
+                      <a:xfrm>
+                        <a:off x="2419639" y="4767475"/>
+                        <a:ext cx="3444875" cy="400050"/>
+                      </a:xfrm>
+                      <a:prstGeom prst="rect">
+                        <a:avLst/>
+                      </a:prstGeom>
+                    </p:spPr>
+                  </p:pic>
+                </p:oleObj>
+              </mc:Fallback>
+            </mc:AlternateContent>
+          </a:graphicData>
+        </a:graphic>
+      </p:graphicFrame>
     </p:spTree>
     <p:extLst>
       <p:ext uri="{BB962C8B-B14F-4D97-AF65-F5344CB8AC3E}">
@@ -3324,6 +5658,175 @@
       </p:transition>
     </mc:Fallback>
   </mc:AlternateContent>
+  <p:timing>
+    <p:tnLst>
+      <p:par>
+        <p:cTn id="1" dur="indefinite" restart="never" nodeType="tmRoot">
+          <p:childTnLst>
+            <p:seq concurrent="1" nextAc="seek">
+              <p:cTn id="2" dur="indefinite" nodeType="mainSeq">
+                <p:childTnLst>
+                  <p:par>
+                    <p:cTn id="3" fill="hold">
+                      <p:stCondLst>
+                        <p:cond delay="indefinite"/>
+                      </p:stCondLst>
+                      <p:childTnLst>
+                        <p:par>
+                          <p:cTn id="4" fill="hold">
+                            <p:stCondLst>
+                              <p:cond delay="0"/>
+                            </p:stCondLst>
+                            <p:childTnLst>
+                              <p:par>
+                                <p:cTn id="5" presetID="10" presetClass="entr" presetSubtype="0" fill="hold" nodeType="clickEffect">
+                                  <p:stCondLst>
+                                    <p:cond delay="0"/>
+                                  </p:stCondLst>
+                                  <p:childTnLst>
+                                    <p:set>
+                                      <p:cBhvr>
+                                        <p:cTn id="6" dur="1" fill="hold">
+                                          <p:stCondLst>
+                                            <p:cond delay="0"/>
+                                          </p:stCondLst>
+                                        </p:cTn>
+                                        <p:tgtEl>
+                                          <p:spTgt spid="3">
+                                            <p:txEl>
+                                              <p:pRg st="5" end="5"/>
+                                            </p:txEl>
+                                          </p:spTgt>
+                                        </p:tgtEl>
+                                        <p:attrNameLst>
+                                          <p:attrName>style.visibility</p:attrName>
+                                        </p:attrNameLst>
+                                      </p:cBhvr>
+                                      <p:to>
+                                        <p:strVal val="visible"/>
+                                      </p:to>
+                                    </p:set>
+                                    <p:animEffect transition="in" filter="fade">
+                                      <p:cBhvr>
+                                        <p:cTn id="7" dur="500"/>
+                                        <p:tgtEl>
+                                          <p:spTgt spid="3">
+                                            <p:txEl>
+                                              <p:pRg st="5" end="5"/>
+                                            </p:txEl>
+                                          </p:spTgt>
+                                        </p:tgtEl>
+                                      </p:cBhvr>
+                                    </p:animEffect>
+                                  </p:childTnLst>
+                                </p:cTn>
+                              </p:par>
+                              <p:par>
+                                <p:cTn id="8" presetID="10" presetClass="entr" presetSubtype="0" fill="hold" nodeType="withEffect">
+                                  <p:stCondLst>
+                                    <p:cond delay="0"/>
+                                  </p:stCondLst>
+                                  <p:childTnLst>
+                                    <p:set>
+                                      <p:cBhvr>
+                                        <p:cTn id="9" dur="1" fill="hold">
+                                          <p:stCondLst>
+                                            <p:cond delay="0"/>
+                                          </p:stCondLst>
+                                        </p:cTn>
+                                        <p:tgtEl>
+                                          <p:spTgt spid="3">
+                                            <p:txEl>
+                                              <p:pRg st="8" end="8"/>
+                                            </p:txEl>
+                                          </p:spTgt>
+                                        </p:tgtEl>
+                                        <p:attrNameLst>
+                                          <p:attrName>style.visibility</p:attrName>
+                                        </p:attrNameLst>
+                                      </p:cBhvr>
+                                      <p:to>
+                                        <p:strVal val="visible"/>
+                                      </p:to>
+                                    </p:set>
+                                    <p:animEffect transition="in" filter="fade">
+                                      <p:cBhvr>
+                                        <p:cTn id="10" dur="500"/>
+                                        <p:tgtEl>
+                                          <p:spTgt spid="3">
+                                            <p:txEl>
+                                              <p:pRg st="8" end="8"/>
+                                            </p:txEl>
+                                          </p:spTgt>
+                                        </p:tgtEl>
+                                      </p:cBhvr>
+                                    </p:animEffect>
+                                  </p:childTnLst>
+                                </p:cTn>
+                              </p:par>
+                              <p:par>
+                                <p:cTn id="11" presetID="10" presetClass="entr" presetSubtype="0" fill="hold" nodeType="withEffect">
+                                  <p:stCondLst>
+                                    <p:cond delay="0"/>
+                                  </p:stCondLst>
+                                  <p:childTnLst>
+                                    <p:set>
+                                      <p:cBhvr>
+                                        <p:cTn id="12" dur="1" fill="hold">
+                                          <p:stCondLst>
+                                            <p:cond delay="0"/>
+                                          </p:stCondLst>
+                                        </p:cTn>
+                                        <p:tgtEl>
+                                          <p:spTgt spid="30"/>
+                                        </p:tgtEl>
+                                        <p:attrNameLst>
+                                          <p:attrName>style.visibility</p:attrName>
+                                        </p:attrNameLst>
+                                      </p:cBhvr>
+                                      <p:to>
+                                        <p:strVal val="visible"/>
+                                      </p:to>
+                                    </p:set>
+                                    <p:animEffect transition="in" filter="fade">
+                                      <p:cBhvr>
+                                        <p:cTn id="13" dur="500"/>
+                                        <p:tgtEl>
+                                          <p:spTgt spid="30"/>
+                                        </p:tgtEl>
+                                      </p:cBhvr>
+                                    </p:animEffect>
+                                  </p:childTnLst>
+                                </p:cTn>
+                              </p:par>
+                            </p:childTnLst>
+                          </p:cTn>
+                        </p:par>
+                      </p:childTnLst>
+                    </p:cTn>
+                  </p:par>
+                </p:childTnLst>
+              </p:cTn>
+              <p:prevCondLst>
+                <p:cond evt="onPrev" delay="0">
+                  <p:tgtEl>
+                    <p:sldTgt/>
+                  </p:tgtEl>
+                </p:cond>
+              </p:prevCondLst>
+              <p:nextCondLst>
+                <p:cond evt="onNext" delay="0">
+                  <p:tgtEl>
+                    <p:sldTgt/>
+                  </p:tgtEl>
+                </p:cond>
+              </p:nextCondLst>
+            </p:seq>
+          </p:childTnLst>
+        </p:cTn>
+      </p:par>
+    </p:tnLst>
+  </p:timing>
 </p:sld>
 </file>
 
@@ -3353,7 +5856,7 @@
         <p:spPr>
           <a:xfrm>
             <a:off x="407987" y="1052513"/>
-            <a:ext cx="11376025" cy="2601546"/>
+            <a:ext cx="11376025" cy="5186613"/>
           </a:xfrm>
           <a:prstGeom prst="rect">
             <a:avLst/>
@@ -3377,16 +5880,12 @@
             </a:pPr>
             <a:r>
               <a:rPr lang="zh-CN" altLang="en-US" sz="2800" b="1" dirty="0">
-                <a:latin typeface="微软雅黑" panose="020B0503020204020204" pitchFamily="34" charset="-122"/>
-                <a:ea typeface="微软雅黑" panose="020B0503020204020204" pitchFamily="34" charset="-122"/>
-              </a:rPr>
-              <a:t>高</a:t>
-            </a:r>
-            <a:endParaRPr lang="en-US" altLang="zh-CN" sz="2800" b="1" dirty="0">
-              <a:latin typeface="微软雅黑" panose="020B0503020204020204" pitchFamily="34" charset="-122"/>
-              <a:ea typeface="微软雅黑" panose="020B0503020204020204" pitchFamily="34" charset="-122"/>
-              <a:sym typeface="+mn-ea"/>
-            </a:endParaRPr>
+                <a:latin typeface="Times New Roman" panose="02020603050405020304" pitchFamily="18" charset="0"/>
+                <a:ea typeface="微软雅黑" panose="020B0503020204020204" pitchFamily="34" charset="-122"/>
+                <a:cs typeface="Times New Roman" panose="02020603050405020304" pitchFamily="18" charset="0"/>
+              </a:rPr>
+              <a:t>大气阻力摄动分解</a:t>
+            </a:r>
           </a:p>
           <a:p>
             <a:pPr marL="342900" indent="-342900" fontAlgn="auto">
@@ -3400,11 +5899,9 @@
               <a:buChar char="•"/>
             </a:pPr>
             <a:endParaRPr lang="en-US" altLang="zh-CN" sz="2800" b="1" dirty="0">
-              <a:solidFill>
-                <a:srgbClr val="0000FF"/>
-              </a:solidFill>
-              <a:latin typeface="微软雅黑" panose="020B0503020204020204" pitchFamily="34" charset="-122"/>
+              <a:latin typeface="Times New Roman" panose="02020603050405020304" pitchFamily="18" charset="0"/>
               <a:ea typeface="微软雅黑" panose="020B0503020204020204" pitchFamily="34" charset="-122"/>
+              <a:cs typeface="Times New Roman" panose="02020603050405020304" pitchFamily="18" charset="0"/>
               <a:sym typeface="+mn-ea"/>
             </a:endParaRPr>
           </a:p>
@@ -3419,64 +5916,132 @@
               <a:buFont typeface="Arial" panose="020B0604020202020204" pitchFamily="34" charset="0"/>
               <a:buChar char="•"/>
             </a:pPr>
-            <a:r>
-              <a:rPr lang="zh-CN" altLang="en-US" sz="2800" b="1" dirty="0">
-                <a:solidFill>
-                  <a:srgbClr val="0000FF"/>
-                </a:solidFill>
-                <a:latin typeface="微软雅黑" panose="020B0503020204020204" pitchFamily="34" charset="-122"/>
-                <a:ea typeface="微软雅黑" panose="020B0503020204020204" pitchFamily="34" charset="-122"/>
-                <a:sym typeface="+mn-ea"/>
-              </a:rPr>
-              <a:t>蓝色（突出）、</a:t>
-            </a:r>
-            <a:r>
-              <a:rPr lang="zh-CN" sz="2800" b="1" dirty="0">
-                <a:solidFill>
-                  <a:srgbClr val="FF0000"/>
-                </a:solidFill>
-                <a:latin typeface="微软雅黑" panose="020B0503020204020204" pitchFamily="34" charset="-122"/>
-                <a:ea typeface="微软雅黑" panose="020B0503020204020204" pitchFamily="34" charset="-122"/>
-                <a:sym typeface="+mn-ea"/>
-              </a:rPr>
-              <a:t>红色（强调）</a:t>
-            </a:r>
-          </a:p>
-          <a:p>
-            <a:pPr marL="342900" lvl="0" indent="-342900" algn="l" fontAlgn="auto">
+            <a:endParaRPr lang="en-US" altLang="zh-CN" sz="2800" b="1" dirty="0">
+              <a:solidFill>
+                <a:srgbClr val="0000FF"/>
+              </a:solidFill>
+              <a:latin typeface="Times New Roman" panose="02020603050405020304" pitchFamily="18" charset="0"/>
+              <a:ea typeface="微软雅黑" panose="020B0503020204020204" pitchFamily="34" charset="-122"/>
+              <a:cs typeface="Times New Roman" panose="02020603050405020304" pitchFamily="18" charset="0"/>
+              <a:sym typeface="+mn-ea"/>
+            </a:endParaRPr>
+          </a:p>
+          <a:p>
+            <a:pPr marL="342900" indent="-342900" fontAlgn="auto">
               <a:lnSpc>
                 <a:spcPct val="150000"/>
               </a:lnSpc>
               <a:spcAft>
                 <a:spcPts val="0"/>
               </a:spcAft>
-              <a:buClrTx/>
-              <a:buSzTx/>
               <a:buFont typeface="Arial" panose="020B0604020202020204" pitchFamily="34" charset="0"/>
               <a:buChar char="•"/>
             </a:pPr>
-            <a:r>
-              <a:rPr lang="zh-CN" sz="2800" b="1" dirty="0">
+            <a:endParaRPr lang="en-US" altLang="zh-CN" sz="2800" b="1" dirty="0">
+              <a:solidFill>
+                <a:srgbClr val="0000FF"/>
+              </a:solidFill>
+              <a:latin typeface="Times New Roman" panose="02020603050405020304" pitchFamily="18" charset="0"/>
+              <a:ea typeface="微软雅黑" panose="020B0503020204020204" pitchFamily="34" charset="-122"/>
+              <a:cs typeface="Times New Roman" panose="02020603050405020304" pitchFamily="18" charset="0"/>
+              <a:sym typeface="+mn-ea"/>
+            </a:endParaRPr>
+          </a:p>
+          <a:p>
+            <a:pPr marL="342900" indent="-342900" fontAlgn="auto">
+              <a:lnSpc>
+                <a:spcPct val="150000"/>
+              </a:lnSpc>
+              <a:spcAft>
+                <a:spcPts val="0"/>
+              </a:spcAft>
+              <a:buFont typeface="Arial" panose="020B0604020202020204" pitchFamily="34" charset="0"/>
+              <a:buChar char="•"/>
+            </a:pPr>
+            <a:endParaRPr lang="en-US" altLang="zh-CN" sz="2800" b="1" dirty="0">
+              <a:solidFill>
+                <a:srgbClr val="0000FF"/>
+              </a:solidFill>
+              <a:latin typeface="Times New Roman" panose="02020603050405020304" pitchFamily="18" charset="0"/>
+              <a:ea typeface="微软雅黑" panose="020B0503020204020204" pitchFamily="34" charset="-122"/>
+              <a:cs typeface="Times New Roman" panose="02020603050405020304" pitchFamily="18" charset="0"/>
+              <a:sym typeface="+mn-ea"/>
+            </a:endParaRPr>
+          </a:p>
+          <a:p>
+            <a:pPr marL="342900" indent="-342900" fontAlgn="auto">
+              <a:lnSpc>
+                <a:spcPct val="150000"/>
+              </a:lnSpc>
+              <a:spcAft>
+                <a:spcPts val="0"/>
+              </a:spcAft>
+              <a:buFont typeface="Arial" panose="020B0604020202020204" pitchFamily="34" charset="0"/>
+              <a:buChar char="•"/>
+            </a:pPr>
+            <a:endParaRPr lang="en-US" altLang="zh-CN" sz="2800" b="1" dirty="0">
+              <a:solidFill>
+                <a:srgbClr val="0000FF"/>
+              </a:solidFill>
+              <a:latin typeface="Times New Roman" panose="02020603050405020304" pitchFamily="18" charset="0"/>
+              <a:ea typeface="微软雅黑" panose="020B0503020204020204" pitchFamily="34" charset="-122"/>
+              <a:cs typeface="Times New Roman" panose="02020603050405020304" pitchFamily="18" charset="0"/>
+              <a:sym typeface="+mn-ea"/>
+            </a:endParaRPr>
+          </a:p>
+          <a:p>
+            <a:pPr marL="342900" indent="-342900" fontAlgn="auto">
+              <a:lnSpc>
+                <a:spcPct val="150000"/>
+              </a:lnSpc>
+              <a:spcAft>
+                <a:spcPts val="0"/>
+              </a:spcAft>
+              <a:buFont typeface="Arial" panose="020B0604020202020204" pitchFamily="34" charset="0"/>
+              <a:buChar char="•"/>
+            </a:pPr>
+            <a:endParaRPr lang="en-US" altLang="zh-CN" sz="2800" b="1" dirty="0">
+              <a:solidFill>
+                <a:srgbClr val="0000FF"/>
+              </a:solidFill>
+              <a:latin typeface="Times New Roman" panose="02020603050405020304" pitchFamily="18" charset="0"/>
+              <a:ea typeface="微软雅黑" panose="020B0503020204020204" pitchFamily="34" charset="-122"/>
+              <a:cs typeface="Times New Roman" panose="02020603050405020304" pitchFamily="18" charset="0"/>
+              <a:sym typeface="+mn-ea"/>
+            </a:endParaRPr>
+          </a:p>
+          <a:p>
+            <a:pPr marL="342900" indent="-342900" fontAlgn="auto">
+              <a:lnSpc>
+                <a:spcPct val="150000"/>
+              </a:lnSpc>
+              <a:spcAft>
+                <a:spcPts val="0"/>
+              </a:spcAft>
+              <a:buFont typeface="Arial" panose="020B0604020202020204" pitchFamily="34" charset="0"/>
+              <a:buChar char="•"/>
+            </a:pPr>
+            <a:r>
+              <a:rPr lang="zh-CN" altLang="en-US" sz="2800" b="1" dirty="0">
                 <a:solidFill>
-                  <a:schemeClr val="tx1"/>
+                  <a:srgbClr val="0000FF"/>
                 </a:solidFill>
-                <a:latin typeface="微软雅黑" panose="020B0503020204020204" pitchFamily="34" charset="-122"/>
-                <a:ea typeface="微软雅黑" panose="020B0503020204020204" pitchFamily="34" charset="-122"/>
+                <a:latin typeface="Times New Roman" panose="02020603050405020304" pitchFamily="18" charset="0"/>
+                <a:ea typeface="微软雅黑" panose="020B0503020204020204" pitchFamily="34" charset="-122"/>
+                <a:cs typeface="Times New Roman" panose="02020603050405020304" pitchFamily="18" charset="0"/>
                 <a:sym typeface="+mn-ea"/>
               </a:rPr>
-              <a:t>行距：</a:t>
-            </a:r>
-            <a:r>
-              <a:rPr lang="en-US" altLang="zh-CN" sz="2800" b="1" dirty="0">
-                <a:solidFill>
-                  <a:schemeClr val="tx1"/>
-                </a:solidFill>
-                <a:latin typeface="微软雅黑" panose="020B0503020204020204" pitchFamily="34" charset="-122"/>
-                <a:ea typeface="微软雅黑" panose="020B0503020204020204" pitchFamily="34" charset="-122"/>
-                <a:sym typeface="+mn-ea"/>
-              </a:rPr>
-              <a:t>1.5</a:t>
-            </a:r>
+              <a:t>耗散作用：轨道变小变圆</a:t>
+            </a:r>
+            <a:endParaRPr lang="en-US" altLang="zh-CN" sz="2800" b="1" dirty="0">
+              <a:solidFill>
+                <a:srgbClr val="0000FF"/>
+              </a:solidFill>
+              <a:latin typeface="Times New Roman" panose="02020603050405020304" pitchFamily="18" charset="0"/>
+              <a:ea typeface="微软雅黑" panose="020B0503020204020204" pitchFamily="34" charset="-122"/>
+              <a:cs typeface="Times New Roman" panose="02020603050405020304" pitchFamily="18" charset="0"/>
+              <a:sym typeface="+mn-ea"/>
+            </a:endParaRPr>
           </a:p>
         </p:txBody>
       </p:sp>
@@ -3500,48 +6065,6 @@
               <a:t>6</a:t>
             </a:fld>
             <a:endParaRPr kumimoji="1" lang="zh-CN" altLang="en-US"/>
-          </a:p>
-        </p:txBody>
-      </p:sp>
-      <p:sp>
-        <p:nvSpPr>
-          <p:cNvPr id="6" name="矩形 5"/>
-          <p:cNvSpPr/>
-          <p:nvPr/>
-        </p:nvSpPr>
-        <p:spPr>
-          <a:xfrm>
-            <a:off x="3327171" y="6023928"/>
-            <a:ext cx="6082030" cy="645160"/>
-          </a:xfrm>
-          <a:prstGeom prst="rect">
-            <a:avLst/>
-          </a:prstGeom>
-        </p:spPr>
-        <p:txBody>
-          <a:bodyPr wrap="square">
-            <a:spAutoFit/>
-          </a:bodyPr>
-          <a:lstStyle/>
-          <a:p>
-            <a:pPr algn="ctr" fontAlgn="auto">
-              <a:lnSpc>
-                <a:spcPct val="150000"/>
-              </a:lnSpc>
-              <a:spcAft>
-                <a:spcPts val="0"/>
-              </a:spcAft>
-            </a:pPr>
-            <a:r>
-              <a:rPr lang="zh-CN" sz="2400" b="1" dirty="0">
-                <a:solidFill>
-                  <a:srgbClr val="FF0000"/>
-                </a:solidFill>
-                <a:latin typeface="微软雅黑" panose="020B0503020204020204" pitchFamily="34" charset="-122"/>
-                <a:ea typeface="微软雅黑" panose="020B0503020204020204" pitchFamily="34" charset="-122"/>
-              </a:rPr>
-              <a:t>根据页面具体情况可略微调整</a:t>
-            </a:r>
           </a:p>
         </p:txBody>
       </p:sp>
@@ -3601,10 +6124,814 @@
           </a:p>
         </p:txBody>
       </p:sp>
+      <p:sp>
+        <p:nvSpPr>
+          <p:cNvPr id="2" name="文本框 1">
+            <a:extLst>
+              <a:ext uri="{FF2B5EF4-FFF2-40B4-BE49-F238E27FC236}">
+                <a16:creationId xmlns:a16="http://schemas.microsoft.com/office/drawing/2014/main" id="{4AF4D56A-3B9A-83EE-1EF5-5F23C38D6AEB}"/>
+              </a:ext>
+            </a:extLst>
+          </p:cNvPr>
+          <p:cNvSpPr txBox="1"/>
+          <p:nvPr/>
+        </p:nvSpPr>
+        <p:spPr>
+          <a:xfrm>
+            <a:off x="2406985" y="4290740"/>
+            <a:ext cx="2419992" cy="369332"/>
+          </a:xfrm>
+          <a:prstGeom prst="rect">
+            <a:avLst/>
+          </a:prstGeom>
+          <a:noFill/>
+        </p:spPr>
+        <p:txBody>
+          <a:bodyPr wrap="square">
+            <a:spAutoFit/>
+          </a:bodyPr>
+          <a:lstStyle/>
+          <a:p>
+            <a:pPr algn="ctr" fontAlgn="auto">
+              <a:spcAft>
+                <a:spcPts val="0"/>
+              </a:spcAft>
+            </a:pPr>
+            <a:r>
+              <a:rPr lang="zh-CN" altLang="en-US" b="1" dirty="0">
+                <a:latin typeface="微软雅黑" panose="020B0503020204020204" pitchFamily="34" charset="-122"/>
+                <a:ea typeface="微软雅黑" panose="020B0503020204020204" pitchFamily="34" charset="-122"/>
+              </a:rPr>
+              <a:t>不考虑旋转大气时为</a:t>
+            </a:r>
+            <a:r>
+              <a:rPr lang="en-US" altLang="zh-CN" b="1" dirty="0">
+                <a:latin typeface="微软雅黑" panose="020B0503020204020204" pitchFamily="34" charset="-122"/>
+                <a:ea typeface="微软雅黑" panose="020B0503020204020204" pitchFamily="34" charset="-122"/>
+              </a:rPr>
+              <a:t>0</a:t>
+            </a:r>
+            <a:endParaRPr lang="zh-CN" altLang="zh-CN" b="1" dirty="0">
+              <a:latin typeface="微软雅黑" panose="020B0503020204020204" pitchFamily="34" charset="-122"/>
+              <a:ea typeface="微软雅黑" panose="020B0503020204020204" pitchFamily="34" charset="-122"/>
+            </a:endParaRPr>
+          </a:p>
+        </p:txBody>
+      </p:sp>
+      <p:pic>
+        <p:nvPicPr>
+          <p:cNvPr id="10" name="图片 9">
+            <a:extLst>
+              <a:ext uri="{FF2B5EF4-FFF2-40B4-BE49-F238E27FC236}">
+                <a16:creationId xmlns:a16="http://schemas.microsoft.com/office/drawing/2014/main" id="{A97E99DC-2396-F369-CE0A-6AF660F8B97C}"/>
+              </a:ext>
+            </a:extLst>
+          </p:cNvPr>
+          <p:cNvPicPr>
+            <a:picLocks noChangeAspect="1"/>
+          </p:cNvPicPr>
+          <p:nvPr/>
+        </p:nvPicPr>
+        <p:blipFill>
+          <a:blip r:embed="rId2"/>
+          <a:stretch>
+            <a:fillRect/>
+          </a:stretch>
+        </p:blipFill>
+        <p:spPr>
+          <a:xfrm>
+            <a:off x="5903110" y="1959707"/>
+            <a:ext cx="5612484" cy="3845780"/>
+          </a:xfrm>
+          <a:prstGeom prst="rect">
+            <a:avLst/>
+          </a:prstGeom>
+        </p:spPr>
+      </p:pic>
+      <p:sp>
+        <p:nvSpPr>
+          <p:cNvPr id="11" name="矩形 10">
+            <a:extLst>
+              <a:ext uri="{FF2B5EF4-FFF2-40B4-BE49-F238E27FC236}">
+                <a16:creationId xmlns:a16="http://schemas.microsoft.com/office/drawing/2014/main" id="{8B526F46-482A-BBD6-02C2-7D2E418EFC5E}"/>
+              </a:ext>
+            </a:extLst>
+          </p:cNvPr>
+          <p:cNvSpPr/>
+          <p:nvPr/>
+        </p:nvSpPr>
+        <p:spPr>
+          <a:xfrm>
+            <a:off x="5539157" y="1052513"/>
+            <a:ext cx="5556735" cy="1307537"/>
+          </a:xfrm>
+          <a:prstGeom prst="rect">
+            <a:avLst/>
+          </a:prstGeom>
+        </p:spPr>
+        <p:txBody>
+          <a:bodyPr wrap="square">
+            <a:spAutoFit/>
+          </a:bodyPr>
+          <a:lstStyle/>
+          <a:p>
+            <a:pPr marL="342900" indent="-342900" fontAlgn="auto">
+              <a:lnSpc>
+                <a:spcPct val="150000"/>
+              </a:lnSpc>
+              <a:spcAft>
+                <a:spcPts val="0"/>
+              </a:spcAft>
+              <a:buFont typeface="Arial" panose="020B0604020202020204" pitchFamily="34" charset="0"/>
+              <a:buChar char="•"/>
+            </a:pPr>
+            <a:r>
+              <a:rPr lang="zh-CN" altLang="en-US" sz="2800" b="1" dirty="0">
+                <a:solidFill>
+                  <a:srgbClr val="0000FF"/>
+                </a:solidFill>
+                <a:latin typeface="Times New Roman" panose="02020603050405020304" pitchFamily="18" charset="0"/>
+                <a:ea typeface="微软雅黑" panose="020B0503020204020204" pitchFamily="34" charset="-122"/>
+                <a:cs typeface="Times New Roman" panose="02020603050405020304" pitchFamily="18" charset="0"/>
+                <a:sym typeface="+mn-ea"/>
+              </a:rPr>
+              <a:t>摄动运动方程（</a:t>
+            </a:r>
+            <a:r>
+              <a:rPr lang="en-US" altLang="zh-CN" sz="2800" b="1" dirty="0">
+                <a:solidFill>
+                  <a:srgbClr val="0000FF"/>
+                </a:solidFill>
+                <a:latin typeface="Times New Roman" panose="02020603050405020304" pitchFamily="18" charset="0"/>
+                <a:ea typeface="微软雅黑" panose="020B0503020204020204" pitchFamily="34" charset="-122"/>
+                <a:cs typeface="Times New Roman" panose="02020603050405020304" pitchFamily="18" charset="0"/>
+                <a:sym typeface="+mn-ea"/>
+              </a:rPr>
+              <a:t>Gauss </a:t>
+            </a:r>
+            <a:r>
+              <a:rPr lang="zh-CN" altLang="en-US" sz="2800" b="1" dirty="0">
+                <a:solidFill>
+                  <a:srgbClr val="0000FF"/>
+                </a:solidFill>
+                <a:latin typeface="Times New Roman" panose="02020603050405020304" pitchFamily="18" charset="0"/>
+                <a:ea typeface="微软雅黑" panose="020B0503020204020204" pitchFamily="34" charset="-122"/>
+                <a:cs typeface="Times New Roman" panose="02020603050405020304" pitchFamily="18" charset="0"/>
+                <a:sym typeface="+mn-ea"/>
+              </a:rPr>
+              <a:t>型）</a:t>
+            </a:r>
+            <a:endParaRPr lang="en-US" altLang="zh-CN" sz="2800" b="1" dirty="0">
+              <a:solidFill>
+                <a:srgbClr val="0000FF"/>
+              </a:solidFill>
+              <a:latin typeface="Times New Roman" panose="02020603050405020304" pitchFamily="18" charset="0"/>
+              <a:ea typeface="微软雅黑" panose="020B0503020204020204" pitchFamily="34" charset="-122"/>
+              <a:cs typeface="Times New Roman" panose="02020603050405020304" pitchFamily="18" charset="0"/>
+              <a:sym typeface="+mn-ea"/>
+            </a:endParaRPr>
+          </a:p>
+          <a:p>
+            <a:pPr marL="342900" indent="-342900" fontAlgn="auto">
+              <a:lnSpc>
+                <a:spcPct val="150000"/>
+              </a:lnSpc>
+              <a:spcAft>
+                <a:spcPts val="0"/>
+              </a:spcAft>
+              <a:buFont typeface="Arial" panose="020B0604020202020204" pitchFamily="34" charset="0"/>
+              <a:buChar char="•"/>
+            </a:pPr>
+            <a:endParaRPr lang="en-US" altLang="zh-CN" sz="2800" b="1" dirty="0">
+              <a:solidFill>
+                <a:srgbClr val="0000FF"/>
+              </a:solidFill>
+              <a:latin typeface="Times New Roman" panose="02020603050405020304" pitchFamily="18" charset="0"/>
+              <a:ea typeface="微软雅黑" panose="020B0503020204020204" pitchFamily="34" charset="-122"/>
+              <a:cs typeface="Times New Roman" panose="02020603050405020304" pitchFamily="18" charset="0"/>
+              <a:sym typeface="+mn-ea"/>
+            </a:endParaRPr>
+          </a:p>
+        </p:txBody>
+      </p:sp>
+      <p:pic>
+        <p:nvPicPr>
+          <p:cNvPr id="13" name="图片 12">
+            <a:extLst>
+              <a:ext uri="{FF2B5EF4-FFF2-40B4-BE49-F238E27FC236}">
+                <a16:creationId xmlns:a16="http://schemas.microsoft.com/office/drawing/2014/main" id="{A72F305A-F374-476D-67F9-CF5FC6BD95DE}"/>
+              </a:ext>
+            </a:extLst>
+          </p:cNvPr>
+          <p:cNvPicPr>
+            <a:picLocks noChangeAspect="1"/>
+          </p:cNvPicPr>
+          <p:nvPr/>
+        </p:nvPicPr>
+        <p:blipFill>
+          <a:blip r:embed="rId3"/>
+          <a:stretch>
+            <a:fillRect/>
+          </a:stretch>
+        </p:blipFill>
+        <p:spPr>
+          <a:xfrm>
+            <a:off x="5903110" y="5977304"/>
+            <a:ext cx="5700635" cy="537796"/>
+          </a:xfrm>
+          <a:prstGeom prst="rect">
+            <a:avLst/>
+          </a:prstGeom>
+        </p:spPr>
+      </p:pic>
+      <p:graphicFrame>
+        <p:nvGraphicFramePr>
+          <p:cNvPr id="14" name="对象 13">
+            <a:extLst>
+              <a:ext uri="{FF2B5EF4-FFF2-40B4-BE49-F238E27FC236}">
+                <a16:creationId xmlns:a16="http://schemas.microsoft.com/office/drawing/2014/main" id="{B96ECB6A-F956-7AED-242D-447BA8737883}"/>
+              </a:ext>
+            </a:extLst>
+          </p:cNvPr>
+          <p:cNvGraphicFramePr>
+            <a:graphicFrameLocks noChangeAspect="1"/>
+          </p:cNvGraphicFramePr>
+          <p:nvPr>
+            <p:extLst>
+              <p:ext uri="{D42A27DB-BD31-4B8C-83A1-F6EECF244321}">
+                <p14:modId xmlns:p14="http://schemas.microsoft.com/office/powerpoint/2010/main" val="2340439242"/>
+              </p:ext>
+            </p:extLst>
+          </p:nvPr>
+        </p:nvGraphicFramePr>
+        <p:xfrm>
+          <a:off x="601580" y="1804316"/>
+          <a:ext cx="4380031" cy="1646035"/>
+        </p:xfrm>
+        <a:graphic>
+          <a:graphicData uri="http://schemas.openxmlformats.org/presentationml/2006/ole">
+            <mc:AlternateContent xmlns:mc="http://schemas.openxmlformats.org/markup-compatibility/2006">
+              <mc:Choice xmlns:v="urn:schemas-microsoft-com:vml" Requires="v">
+                <p:oleObj name="AxMath" r:id="rId4" imgW="2466720" imgH="927720" progId="Equation.AxMath">
+                  <p:embed/>
+                </p:oleObj>
+              </mc:Choice>
+              <mc:Fallback>
+                <p:oleObj name="AxMath" r:id="rId4" imgW="2466720" imgH="927720" progId="Equation.AxMath">
+                  <p:embed/>
+                  <p:pic>
+                    <p:nvPicPr>
+                      <p:cNvPr id="0" name=""/>
+                      <p:cNvPicPr/>
+                      <p:nvPr/>
+                    </p:nvPicPr>
+                    <p:blipFill>
+                      <a:blip r:embed="rId5"/>
+                      <a:stretch>
+                        <a:fillRect/>
+                      </a:stretch>
+                    </p:blipFill>
+                    <p:spPr>
+                      <a:xfrm>
+                        <a:off x="601580" y="1804316"/>
+                        <a:ext cx="4380031" cy="1646035"/>
+                      </a:xfrm>
+                      <a:prstGeom prst="rect">
+                        <a:avLst/>
+                      </a:prstGeom>
+                    </p:spPr>
+                  </p:pic>
+                </p:oleObj>
+              </mc:Fallback>
+            </mc:AlternateContent>
+          </a:graphicData>
+        </a:graphic>
+      </p:graphicFrame>
+      <p:graphicFrame>
+        <p:nvGraphicFramePr>
+          <p:cNvPr id="15" name="对象 14">
+            <a:extLst>
+              <a:ext uri="{FF2B5EF4-FFF2-40B4-BE49-F238E27FC236}">
+                <a16:creationId xmlns:a16="http://schemas.microsoft.com/office/drawing/2014/main" id="{02B6AAFB-C1B9-81D3-8C1E-5897D4551196}"/>
+              </a:ext>
+            </a:extLst>
+          </p:cNvPr>
+          <p:cNvGraphicFramePr>
+            <a:graphicFrameLocks noChangeAspect="1"/>
+          </p:cNvGraphicFramePr>
+          <p:nvPr>
+            <p:extLst>
+              <p:ext uri="{D42A27DB-BD31-4B8C-83A1-F6EECF244321}">
+                <p14:modId xmlns:p14="http://schemas.microsoft.com/office/powerpoint/2010/main" val="157357333"/>
+              </p:ext>
+            </p:extLst>
+          </p:nvPr>
+        </p:nvGraphicFramePr>
+        <p:xfrm>
+          <a:off x="775899" y="3560539"/>
+          <a:ext cx="1531937" cy="1792288"/>
+        </p:xfrm>
+        <a:graphic>
+          <a:graphicData uri="http://schemas.openxmlformats.org/presentationml/2006/ole">
+            <mc:AlternateContent xmlns:mc="http://schemas.openxmlformats.org/markup-compatibility/2006">
+              <mc:Choice xmlns:v="urn:schemas-microsoft-com:vml" Requires="v">
+                <p:oleObj name="AxMath" r:id="rId6" imgW="951840" imgH="1114200" progId="Equation.AxMath">
+                  <p:embed/>
+                </p:oleObj>
+              </mc:Choice>
+              <mc:Fallback>
+                <p:oleObj name="AxMath" r:id="rId6" imgW="951840" imgH="1114200" progId="Equation.AxMath">
+                  <p:embed/>
+                  <p:pic>
+                    <p:nvPicPr>
+                      <p:cNvPr id="0" name=""/>
+                      <p:cNvPicPr/>
+                      <p:nvPr/>
+                    </p:nvPicPr>
+                    <p:blipFill>
+                      <a:blip r:embed="rId7"/>
+                      <a:stretch>
+                        <a:fillRect/>
+                      </a:stretch>
+                    </p:blipFill>
+                    <p:spPr>
+                      <a:xfrm>
+                        <a:off x="775899" y="3560539"/>
+                        <a:ext cx="1531937" cy="1792288"/>
+                      </a:xfrm>
+                      <a:prstGeom prst="rect">
+                        <a:avLst/>
+                      </a:prstGeom>
+                    </p:spPr>
+                  </p:pic>
+                </p:oleObj>
+              </mc:Fallback>
+            </mc:AlternateContent>
+          </a:graphicData>
+        </a:graphic>
+      </p:graphicFrame>
+      <p:graphicFrame>
+        <p:nvGraphicFramePr>
+          <p:cNvPr id="16" name="对象 15">
+            <a:extLst>
+              <a:ext uri="{FF2B5EF4-FFF2-40B4-BE49-F238E27FC236}">
+                <a16:creationId xmlns:a16="http://schemas.microsoft.com/office/drawing/2014/main" id="{6EFF5694-BBF8-0AB2-106D-83686324A29F}"/>
+              </a:ext>
+            </a:extLst>
+          </p:cNvPr>
+          <p:cNvGraphicFramePr>
+            <a:graphicFrameLocks noChangeAspect="1"/>
+          </p:cNvGraphicFramePr>
+          <p:nvPr>
+            <p:extLst>
+              <p:ext uri="{D42A27DB-BD31-4B8C-83A1-F6EECF244321}">
+                <p14:modId xmlns:p14="http://schemas.microsoft.com/office/powerpoint/2010/main" val="1712321089"/>
+              </p:ext>
+            </p:extLst>
+          </p:nvPr>
+        </p:nvGraphicFramePr>
+        <p:xfrm>
+          <a:off x="3992115" y="1933781"/>
+          <a:ext cx="444500" cy="377825"/>
+        </p:xfrm>
+        <a:graphic>
+          <a:graphicData uri="http://schemas.openxmlformats.org/presentationml/2006/ole">
+            <mc:AlternateContent xmlns:mc="http://schemas.openxmlformats.org/markup-compatibility/2006">
+              <mc:Choice xmlns:v="urn:schemas-microsoft-com:vml" Requires="v">
+                <p:oleObj name="AxMath" r:id="rId8" imgW="222480" imgH="189000" progId="Equation.AxMath">
+                  <p:embed/>
+                </p:oleObj>
+              </mc:Choice>
+              <mc:Fallback>
+                <p:oleObj name="AxMath" r:id="rId8" imgW="222480" imgH="189000" progId="Equation.AxMath">
+                  <p:embed/>
+                  <p:pic>
+                    <p:nvPicPr>
+                      <p:cNvPr id="0" name=""/>
+                      <p:cNvPicPr/>
+                      <p:nvPr/>
+                    </p:nvPicPr>
+                    <p:blipFill>
+                      <a:blip r:embed="rId9"/>
+                      <a:stretch>
+                        <a:fillRect/>
+                      </a:stretch>
+                    </p:blipFill>
+                    <p:spPr>
+                      <a:xfrm>
+                        <a:off x="3992115" y="1933781"/>
+                        <a:ext cx="444500" cy="377825"/>
+                      </a:xfrm>
+                      <a:prstGeom prst="rect">
+                        <a:avLst/>
+                      </a:prstGeom>
+                      <a:ln w="19050">
+                        <a:noFill/>
+                      </a:ln>
+                    </p:spPr>
+                  </p:pic>
+                </p:oleObj>
+              </mc:Fallback>
+            </mc:AlternateContent>
+          </a:graphicData>
+        </a:graphic>
+      </p:graphicFrame>
+      <p:graphicFrame>
+        <p:nvGraphicFramePr>
+          <p:cNvPr id="17" name="对象 16">
+            <a:extLst>
+              <a:ext uri="{FF2B5EF4-FFF2-40B4-BE49-F238E27FC236}">
+                <a16:creationId xmlns:a16="http://schemas.microsoft.com/office/drawing/2014/main" id="{A09806A8-FA1A-9872-E727-A1CC60235916}"/>
+              </a:ext>
+            </a:extLst>
+          </p:cNvPr>
+          <p:cNvGraphicFramePr>
+            <a:graphicFrameLocks noChangeAspect="1"/>
+          </p:cNvGraphicFramePr>
+          <p:nvPr>
+            <p:extLst>
+              <p:ext uri="{D42A27DB-BD31-4B8C-83A1-F6EECF244321}">
+                <p14:modId xmlns:p14="http://schemas.microsoft.com/office/powerpoint/2010/main" val="404545091"/>
+              </p:ext>
+            </p:extLst>
+          </p:nvPr>
+        </p:nvGraphicFramePr>
+        <p:xfrm>
+          <a:off x="10060891" y="2068133"/>
+          <a:ext cx="444500" cy="377825"/>
+        </p:xfrm>
+        <a:graphic>
+          <a:graphicData uri="http://schemas.openxmlformats.org/presentationml/2006/ole">
+            <mc:AlternateContent xmlns:mc="http://schemas.openxmlformats.org/markup-compatibility/2006">
+              <mc:Choice xmlns:v="urn:schemas-microsoft-com:vml" Requires="v">
+                <p:oleObj name="AxMath" r:id="rId10" imgW="222480" imgH="189000" progId="Equation.AxMath">
+                  <p:embed/>
+                </p:oleObj>
+              </mc:Choice>
+              <mc:Fallback>
+                <p:oleObj name="AxMath" r:id="rId10" imgW="222480" imgH="189000" progId="Equation.AxMath">
+                  <p:embed/>
+                  <p:pic>
+                    <p:nvPicPr>
+                      <p:cNvPr id="16" name="对象 15">
+                        <a:extLst>
+                          <a:ext uri="{FF2B5EF4-FFF2-40B4-BE49-F238E27FC236}">
+                            <a16:creationId xmlns:a16="http://schemas.microsoft.com/office/drawing/2014/main" id="{6EFF5694-BBF8-0AB2-106D-83686324A29F}"/>
+                          </a:ext>
+                        </a:extLst>
+                      </p:cNvPr>
+                      <p:cNvPicPr/>
+                      <p:nvPr/>
+                    </p:nvPicPr>
+                    <p:blipFill>
+                      <a:blip r:embed="rId9"/>
+                      <a:stretch>
+                        <a:fillRect/>
+                      </a:stretch>
+                    </p:blipFill>
+                    <p:spPr>
+                      <a:xfrm>
+                        <a:off x="10060891" y="2068133"/>
+                        <a:ext cx="444500" cy="377825"/>
+                      </a:xfrm>
+                      <a:prstGeom prst="rect">
+                        <a:avLst/>
+                      </a:prstGeom>
+                      <a:ln w="19050">
+                        <a:noFill/>
+                      </a:ln>
+                    </p:spPr>
+                  </p:pic>
+                </p:oleObj>
+              </mc:Fallback>
+            </mc:AlternateContent>
+          </a:graphicData>
+        </a:graphic>
+      </p:graphicFrame>
+      <p:graphicFrame>
+        <p:nvGraphicFramePr>
+          <p:cNvPr id="18" name="对象 17">
+            <a:extLst>
+              <a:ext uri="{FF2B5EF4-FFF2-40B4-BE49-F238E27FC236}">
+                <a16:creationId xmlns:a16="http://schemas.microsoft.com/office/drawing/2014/main" id="{050FB396-B515-4857-9CD5-AA451C53DFA3}"/>
+              </a:ext>
+            </a:extLst>
+          </p:cNvPr>
+          <p:cNvGraphicFramePr>
+            <a:graphicFrameLocks noChangeAspect="1"/>
+          </p:cNvGraphicFramePr>
+          <p:nvPr>
+            <p:extLst>
+              <p:ext uri="{D42A27DB-BD31-4B8C-83A1-F6EECF244321}">
+                <p14:modId xmlns:p14="http://schemas.microsoft.com/office/powerpoint/2010/main" val="4121401655"/>
+              </p:ext>
+            </p:extLst>
+          </p:nvPr>
+        </p:nvGraphicFramePr>
+        <p:xfrm>
+          <a:off x="11634542" y="6137275"/>
+          <a:ext cx="444500" cy="377825"/>
+        </p:xfrm>
+        <a:graphic>
+          <a:graphicData uri="http://schemas.openxmlformats.org/presentationml/2006/ole">
+            <mc:AlternateContent xmlns:mc="http://schemas.openxmlformats.org/markup-compatibility/2006">
+              <mc:Choice xmlns:v="urn:schemas-microsoft-com:vml" Requires="v">
+                <p:oleObj name="AxMath" r:id="rId11" imgW="222480" imgH="189000" progId="Equation.AxMath">
+                  <p:embed/>
+                </p:oleObj>
+              </mc:Choice>
+              <mc:Fallback>
+                <p:oleObj name="AxMath" r:id="rId11" imgW="222480" imgH="189000" progId="Equation.AxMath">
+                  <p:embed/>
+                  <p:pic>
+                    <p:nvPicPr>
+                      <p:cNvPr id="17" name="对象 16">
+                        <a:extLst>
+                          <a:ext uri="{FF2B5EF4-FFF2-40B4-BE49-F238E27FC236}">
+                            <a16:creationId xmlns:a16="http://schemas.microsoft.com/office/drawing/2014/main" id="{A09806A8-FA1A-9872-E727-A1CC60235916}"/>
+                          </a:ext>
+                        </a:extLst>
+                      </p:cNvPr>
+                      <p:cNvPicPr/>
+                      <p:nvPr/>
+                    </p:nvPicPr>
+                    <p:blipFill>
+                      <a:blip r:embed="rId9"/>
+                      <a:stretch>
+                        <a:fillRect/>
+                      </a:stretch>
+                    </p:blipFill>
+                    <p:spPr>
+                      <a:xfrm>
+                        <a:off x="11634542" y="6137275"/>
+                        <a:ext cx="444500" cy="377825"/>
+                      </a:xfrm>
+                      <a:prstGeom prst="rect">
+                        <a:avLst/>
+                      </a:prstGeom>
+                      <a:ln w="19050">
+                        <a:noFill/>
+                      </a:ln>
+                    </p:spPr>
+                  </p:pic>
+                </p:oleObj>
+              </mc:Fallback>
+            </mc:AlternateContent>
+          </a:graphicData>
+        </a:graphic>
+      </p:graphicFrame>
+      <p:graphicFrame>
+        <p:nvGraphicFramePr>
+          <p:cNvPr id="19" name="对象 18">
+            <a:extLst>
+              <a:ext uri="{FF2B5EF4-FFF2-40B4-BE49-F238E27FC236}">
+                <a16:creationId xmlns:a16="http://schemas.microsoft.com/office/drawing/2014/main" id="{1DC8DE12-2F5F-560C-E690-FD7D25791E34}"/>
+              </a:ext>
+            </a:extLst>
+          </p:cNvPr>
+          <p:cNvGraphicFramePr>
+            <a:graphicFrameLocks noChangeAspect="1"/>
+          </p:cNvGraphicFramePr>
+          <p:nvPr>
+            <p:extLst>
+              <p:ext uri="{D42A27DB-BD31-4B8C-83A1-F6EECF244321}">
+                <p14:modId xmlns:p14="http://schemas.microsoft.com/office/powerpoint/2010/main" val="1120349830"/>
+              </p:ext>
+            </p:extLst>
+          </p:nvPr>
+        </p:nvGraphicFramePr>
+        <p:xfrm>
+          <a:off x="11006455" y="2660527"/>
+          <a:ext cx="1181100" cy="377825"/>
+        </p:xfrm>
+        <a:graphic>
+          <a:graphicData uri="http://schemas.openxmlformats.org/presentationml/2006/ole">
+            <mc:AlternateContent xmlns:mc="http://schemas.openxmlformats.org/markup-compatibility/2006">
+              <mc:Choice xmlns:v="urn:schemas-microsoft-com:vml" Requires="v">
+                <p:oleObj name="AxMath" r:id="rId12" imgW="590400" imgH="189000" progId="Equation.AxMath">
+                  <p:embed/>
+                </p:oleObj>
+              </mc:Choice>
+              <mc:Fallback>
+                <p:oleObj name="AxMath" r:id="rId12" imgW="590400" imgH="189000" progId="Equation.AxMath">
+                  <p:embed/>
+                  <p:pic>
+                    <p:nvPicPr>
+                      <p:cNvPr id="17" name="对象 16">
+                        <a:extLst>
+                          <a:ext uri="{FF2B5EF4-FFF2-40B4-BE49-F238E27FC236}">
+                            <a16:creationId xmlns:a16="http://schemas.microsoft.com/office/drawing/2014/main" id="{A09806A8-FA1A-9872-E727-A1CC60235916}"/>
+                          </a:ext>
+                        </a:extLst>
+                      </p:cNvPr>
+                      <p:cNvPicPr/>
+                      <p:nvPr/>
+                    </p:nvPicPr>
+                    <p:blipFill>
+                      <a:blip r:embed="rId13"/>
+                      <a:stretch>
+                        <a:fillRect/>
+                      </a:stretch>
+                    </p:blipFill>
+                    <p:spPr>
+                      <a:xfrm>
+                        <a:off x="11006455" y="2660527"/>
+                        <a:ext cx="1181100" cy="377825"/>
+                      </a:xfrm>
+                      <a:prstGeom prst="rect">
+                        <a:avLst/>
+                      </a:prstGeom>
+                      <a:ln w="19050">
+                        <a:noFill/>
+                      </a:ln>
+                    </p:spPr>
+                  </p:pic>
+                </p:oleObj>
+              </mc:Fallback>
+            </mc:AlternateContent>
+          </a:graphicData>
+        </a:graphic>
+      </p:graphicFrame>
+      <p:sp>
+        <p:nvSpPr>
+          <p:cNvPr id="20" name="矩形 19">
+            <a:extLst>
+              <a:ext uri="{FF2B5EF4-FFF2-40B4-BE49-F238E27FC236}">
+                <a16:creationId xmlns:a16="http://schemas.microsoft.com/office/drawing/2014/main" id="{640C3C73-C846-EFC0-BD76-9F9BF5C12467}"/>
+              </a:ext>
+            </a:extLst>
+          </p:cNvPr>
+          <p:cNvSpPr/>
+          <p:nvPr/>
+        </p:nvSpPr>
+        <p:spPr>
+          <a:xfrm>
+            <a:off x="6761285" y="3103685"/>
+            <a:ext cx="386861" cy="346666"/>
+          </a:xfrm>
+          <a:prstGeom prst="rect">
+            <a:avLst/>
+          </a:prstGeom>
+          <a:noFill/>
+          <a:ln w="38100">
+            <a:solidFill>
+              <a:srgbClr val="FF0000"/>
+            </a:solidFill>
+          </a:ln>
+        </p:spPr>
+        <p:style>
+          <a:lnRef idx="2">
+            <a:schemeClr val="accent1">
+              <a:shade val="15000"/>
+            </a:schemeClr>
+          </a:lnRef>
+          <a:fillRef idx="1">
+            <a:schemeClr val="accent1"/>
+          </a:fillRef>
+          <a:effectRef idx="0">
+            <a:schemeClr val="accent1"/>
+          </a:effectRef>
+          <a:fontRef idx="minor">
+            <a:schemeClr val="lt1"/>
+          </a:fontRef>
+        </p:style>
+        <p:txBody>
+          <a:bodyPr rtlCol="0" anchor="ctr"/>
+          <a:lstStyle/>
+          <a:p>
+            <a:pPr algn="ctr"/>
+            <a:endParaRPr lang="zh-CN" altLang="en-US"/>
+          </a:p>
+        </p:txBody>
+      </p:sp>
+      <p:sp>
+        <p:nvSpPr>
+          <p:cNvPr id="21" name="矩形 20">
+            <a:extLst>
+              <a:ext uri="{FF2B5EF4-FFF2-40B4-BE49-F238E27FC236}">
+                <a16:creationId xmlns:a16="http://schemas.microsoft.com/office/drawing/2014/main" id="{653AF1B4-F994-DF31-B6D8-79448DA70EC0}"/>
+              </a:ext>
+            </a:extLst>
+          </p:cNvPr>
+          <p:cNvSpPr/>
+          <p:nvPr/>
+        </p:nvSpPr>
+        <p:spPr>
+          <a:xfrm>
+            <a:off x="6989883" y="3700472"/>
+            <a:ext cx="386861" cy="346666"/>
+          </a:xfrm>
+          <a:prstGeom prst="rect">
+            <a:avLst/>
+          </a:prstGeom>
+          <a:noFill/>
+          <a:ln w="38100">
+            <a:solidFill>
+              <a:srgbClr val="FF0000"/>
+            </a:solidFill>
+          </a:ln>
+        </p:spPr>
+        <p:style>
+          <a:lnRef idx="2">
+            <a:schemeClr val="accent1">
+              <a:shade val="15000"/>
+            </a:schemeClr>
+          </a:lnRef>
+          <a:fillRef idx="1">
+            <a:schemeClr val="accent1"/>
+          </a:fillRef>
+          <a:effectRef idx="0">
+            <a:schemeClr val="accent1"/>
+          </a:effectRef>
+          <a:fontRef idx="minor">
+            <a:schemeClr val="lt1"/>
+          </a:fontRef>
+        </p:style>
+        <p:txBody>
+          <a:bodyPr rtlCol="0" anchor="ctr"/>
+          <a:lstStyle/>
+          <a:p>
+            <a:pPr algn="ctr"/>
+            <a:endParaRPr lang="zh-CN" altLang="en-US"/>
+          </a:p>
+        </p:txBody>
+      </p:sp>
+      <p:graphicFrame>
+        <p:nvGraphicFramePr>
+          <p:cNvPr id="22" name="对象 21">
+            <a:extLst>
+              <a:ext uri="{FF2B5EF4-FFF2-40B4-BE49-F238E27FC236}">
+                <a16:creationId xmlns:a16="http://schemas.microsoft.com/office/drawing/2014/main" id="{106291B4-1EAB-182D-0F24-5C625FBCB080}"/>
+              </a:ext>
+            </a:extLst>
+          </p:cNvPr>
+          <p:cNvGraphicFramePr>
+            <a:graphicFrameLocks noChangeAspect="1"/>
+          </p:cNvGraphicFramePr>
+          <p:nvPr>
+            <p:extLst>
+              <p:ext uri="{D42A27DB-BD31-4B8C-83A1-F6EECF244321}">
+                <p14:modId xmlns:p14="http://schemas.microsoft.com/office/powerpoint/2010/main" val="1450989103"/>
+              </p:ext>
+            </p:extLst>
+          </p:nvPr>
+        </p:nvGraphicFramePr>
+        <p:xfrm>
+          <a:off x="2447925" y="3611563"/>
+          <a:ext cx="527050" cy="447675"/>
+        </p:xfrm>
+        <a:graphic>
+          <a:graphicData uri="http://schemas.openxmlformats.org/presentationml/2006/ole">
+            <mc:AlternateContent xmlns:mc="http://schemas.openxmlformats.org/markup-compatibility/2006">
+              <mc:Choice xmlns:v="urn:schemas-microsoft-com:vml" Requires="v">
+                <p:oleObj name="AxMath" r:id="rId14" imgW="263520" imgH="224280" progId="Equation.AxMath">
+                  <p:embed/>
+                </p:oleObj>
+              </mc:Choice>
+              <mc:Fallback>
+                <p:oleObj name="AxMath" r:id="rId14" imgW="263520" imgH="224280" progId="Equation.AxMath">
+                  <p:embed/>
+                  <p:pic>
+                    <p:nvPicPr>
+                      <p:cNvPr id="16" name="对象 15">
+                        <a:extLst>
+                          <a:ext uri="{FF2B5EF4-FFF2-40B4-BE49-F238E27FC236}">
+                            <a16:creationId xmlns:a16="http://schemas.microsoft.com/office/drawing/2014/main" id="{6EFF5694-BBF8-0AB2-106D-83686324A29F}"/>
+                          </a:ext>
+                        </a:extLst>
+                      </p:cNvPr>
+                      <p:cNvPicPr/>
+                      <p:nvPr/>
+                    </p:nvPicPr>
+                    <p:blipFill>
+                      <a:blip r:embed="rId15"/>
+                      <a:stretch>
+                        <a:fillRect/>
+                      </a:stretch>
+                    </p:blipFill>
+                    <p:spPr>
+                      <a:xfrm>
+                        <a:off x="2447925" y="3611563"/>
+                        <a:ext cx="527050" cy="447675"/>
+                      </a:xfrm>
+                      <a:prstGeom prst="rect">
+                        <a:avLst/>
+                      </a:prstGeom>
+                      <a:ln w="19050">
+                        <a:noFill/>
+                      </a:ln>
+                    </p:spPr>
+                  </p:pic>
+                </p:oleObj>
+              </mc:Fallback>
+            </mc:AlternateContent>
+          </a:graphicData>
+        </a:graphic>
+      </p:graphicFrame>
     </p:spTree>
     <p:extLst>
       <p:ext uri="{BB962C8B-B14F-4D97-AF65-F5344CB8AC3E}">
-        <p14:creationId xmlns:p14="http://schemas.microsoft.com/office/powerpoint/2010/main" val="545591799"/>
+        <p14:creationId xmlns:p14="http://schemas.microsoft.com/office/powerpoint/2010/main" val="2543407061"/>
       </p:ext>
     </p:extLst>
   </p:cSld>
@@ -3652,7 +6979,7 @@
         <p:spPr>
           <a:xfrm>
             <a:off x="407987" y="1052513"/>
-            <a:ext cx="11376025" cy="2601546"/>
+            <a:ext cx="11376025" cy="5496505"/>
           </a:xfrm>
           <a:prstGeom prst="rect">
             <a:avLst/>
@@ -3679,68 +7006,7 @@
                 <a:latin typeface="微软雅黑" panose="020B0503020204020204" pitchFamily="34" charset="-122"/>
                 <a:ea typeface="微软雅黑" panose="020B0503020204020204" pitchFamily="34" charset="-122"/>
               </a:rPr>
-              <a:t>大气密度</a:t>
-            </a:r>
-            <a:r>
-              <a:rPr lang="en-US" altLang="zh-CN" sz="2800" b="1" dirty="0">
-                <a:latin typeface="微软雅黑" panose="020B0503020204020204" pitchFamily="34" charset="-122"/>
-                <a:ea typeface="微软雅黑" panose="020B0503020204020204" pitchFamily="34" charset="-122"/>
-              </a:rPr>
-              <a:t>——</a:t>
-            </a:r>
-            <a:r>
-              <a:rPr lang="zh-CN" altLang="en-US" sz="2800" b="1" dirty="0">
-                <a:latin typeface="微软雅黑" panose="020B0503020204020204" pitchFamily="34" charset="-122"/>
-                <a:ea typeface="微软雅黑" panose="020B0503020204020204" pitchFamily="34" charset="-122"/>
-              </a:rPr>
-              <a:t>大气阻力摄动计算的关键因素</a:t>
-            </a:r>
-          </a:p>
-          <a:p>
-            <a:pPr marL="800100" lvl="1" indent="-342900">
-              <a:lnSpc>
-                <a:spcPct val="150000"/>
-              </a:lnSpc>
-              <a:buFont typeface="Arial" panose="020B0604020202020204" pitchFamily="34" charset="0"/>
-              <a:buChar char="•"/>
-            </a:pPr>
-            <a:r>
-              <a:rPr lang="zh-CN" altLang="en-US" sz="2800" b="1" dirty="0">
-                <a:latin typeface="微软雅黑" panose="020B0503020204020204" pitchFamily="34" charset="-122"/>
-                <a:ea typeface="微软雅黑" panose="020B0503020204020204" pitchFamily="34" charset="-122"/>
-                <a:sym typeface="+mn-ea"/>
-              </a:rPr>
-              <a:t>阻力耗散作用，比光压等影响大</a:t>
-            </a:r>
-            <a:endParaRPr lang="en-US" altLang="zh-CN" sz="2800" b="1" dirty="0">
-              <a:latin typeface="微软雅黑" panose="020B0503020204020204" pitchFamily="34" charset="-122"/>
-              <a:ea typeface="微软雅黑" panose="020B0503020204020204" pitchFamily="34" charset="-122"/>
-              <a:sym typeface="+mn-ea"/>
-            </a:endParaRPr>
-          </a:p>
-          <a:p>
-            <a:pPr marL="800100" lvl="1" indent="-342900">
-              <a:lnSpc>
-                <a:spcPct val="150000"/>
-              </a:lnSpc>
-              <a:buFont typeface="Arial" panose="020B0604020202020204" pitchFamily="34" charset="0"/>
-              <a:buChar char="•"/>
-            </a:pPr>
-            <a:r>
-              <a:rPr lang="zh-CN" altLang="en-US" sz="2800" b="1" dirty="0">
-                <a:latin typeface="微软雅黑" panose="020B0503020204020204" pitchFamily="34" charset="-122"/>
-                <a:ea typeface="微软雅黑" panose="020B0503020204020204" pitchFamily="34" charset="-122"/>
-                <a:sym typeface="+mn-ea"/>
-              </a:rPr>
-              <a:t>误差</a:t>
-            </a:r>
-            <a:r>
-              <a:rPr lang="en-US" altLang="zh-CN" sz="2800" b="1" dirty="0">
-                <a:latin typeface="微软雅黑" panose="020B0503020204020204" pitchFamily="34" charset="-122"/>
-                <a:ea typeface="微软雅黑" panose="020B0503020204020204" pitchFamily="34" charset="-122"/>
-                <a:sym typeface="+mn-ea"/>
-              </a:rPr>
-              <a:t>~15%</a:t>
+              <a:t>标准大气密度模型</a:t>
             </a:r>
           </a:p>
           <a:p>
@@ -3755,6 +7021,164 @@
               <a:buChar char="•"/>
             </a:pPr>
             <a:endParaRPr lang="en-US" altLang="zh-CN" sz="2800" b="1" dirty="0">
+              <a:latin typeface="微软雅黑" panose="020B0503020204020204" pitchFamily="34" charset="-122"/>
+              <a:ea typeface="微软雅黑" panose="020B0503020204020204" pitchFamily="34" charset="-122"/>
+              <a:sym typeface="+mn-ea"/>
+            </a:endParaRPr>
+          </a:p>
+          <a:p>
+            <a:pPr marL="342900" indent="-342900" fontAlgn="auto">
+              <a:lnSpc>
+                <a:spcPct val="150000"/>
+              </a:lnSpc>
+              <a:spcAft>
+                <a:spcPts val="0"/>
+              </a:spcAft>
+              <a:buFont typeface="Arial" panose="020B0604020202020204" pitchFamily="34" charset="0"/>
+              <a:buChar char="•"/>
+            </a:pPr>
+            <a:endParaRPr lang="en-US" altLang="zh-CN" sz="2800" b="1" dirty="0">
+              <a:latin typeface="微软雅黑" panose="020B0503020204020204" pitchFamily="34" charset="-122"/>
+              <a:ea typeface="微软雅黑" panose="020B0503020204020204" pitchFamily="34" charset="-122"/>
+              <a:sym typeface="+mn-ea"/>
+            </a:endParaRPr>
+          </a:p>
+          <a:p>
+            <a:pPr marL="342900" indent="-342900" fontAlgn="auto">
+              <a:lnSpc>
+                <a:spcPct val="150000"/>
+              </a:lnSpc>
+              <a:spcAft>
+                <a:spcPts val="0"/>
+              </a:spcAft>
+              <a:buFont typeface="Arial" panose="020B0604020202020204" pitchFamily="34" charset="0"/>
+              <a:buChar char="•"/>
+            </a:pPr>
+            <a:endParaRPr lang="en-US" altLang="zh-CN" sz="2800" b="1" dirty="0">
+              <a:latin typeface="微软雅黑" panose="020B0503020204020204" pitchFamily="34" charset="-122"/>
+              <a:ea typeface="微软雅黑" panose="020B0503020204020204" pitchFamily="34" charset="-122"/>
+              <a:sym typeface="+mn-ea"/>
+            </a:endParaRPr>
+          </a:p>
+          <a:p>
+            <a:pPr marL="342900" indent="-342900" fontAlgn="auto">
+              <a:lnSpc>
+                <a:spcPct val="150000"/>
+              </a:lnSpc>
+              <a:spcAft>
+                <a:spcPts val="0"/>
+              </a:spcAft>
+              <a:buFont typeface="Arial" panose="020B0604020202020204" pitchFamily="34" charset="0"/>
+              <a:buChar char="•"/>
+            </a:pPr>
+            <a:endParaRPr lang="en-US" altLang="zh-CN" sz="2800" b="1" dirty="0">
+              <a:latin typeface="微软雅黑" panose="020B0503020204020204" pitchFamily="34" charset="-122"/>
+              <a:ea typeface="微软雅黑" panose="020B0503020204020204" pitchFamily="34" charset="-122"/>
+              <a:sym typeface="+mn-ea"/>
+            </a:endParaRPr>
+          </a:p>
+          <a:p>
+            <a:pPr marL="342900" indent="-342900" fontAlgn="auto">
+              <a:lnSpc>
+                <a:spcPct val="150000"/>
+              </a:lnSpc>
+              <a:spcAft>
+                <a:spcPts val="0"/>
+              </a:spcAft>
+              <a:buFont typeface="Arial" panose="020B0604020202020204" pitchFamily="34" charset="0"/>
+              <a:buChar char="•"/>
+            </a:pPr>
+            <a:endParaRPr lang="en-US" altLang="zh-CN" sz="2800" b="1" dirty="0">
+              <a:latin typeface="微软雅黑" panose="020B0503020204020204" pitchFamily="34" charset="-122"/>
+              <a:ea typeface="微软雅黑" panose="020B0503020204020204" pitchFamily="34" charset="-122"/>
+              <a:sym typeface="+mn-ea"/>
+            </a:endParaRPr>
+          </a:p>
+          <a:p>
+            <a:pPr marL="342900" indent="-342900" fontAlgn="auto">
+              <a:lnSpc>
+                <a:spcPct val="150000"/>
+              </a:lnSpc>
+              <a:spcAft>
+                <a:spcPts val="0"/>
+              </a:spcAft>
+              <a:buFont typeface="Arial" panose="020B0604020202020204" pitchFamily="34" charset="0"/>
+              <a:buChar char="•"/>
+            </a:pPr>
+            <a:endParaRPr lang="en-US" altLang="zh-CN" sz="2800" b="1" dirty="0">
+              <a:latin typeface="微软雅黑" panose="020B0503020204020204" pitchFamily="34" charset="-122"/>
+              <a:ea typeface="微软雅黑" panose="020B0503020204020204" pitchFamily="34" charset="-122"/>
+              <a:sym typeface="+mn-ea"/>
+            </a:endParaRPr>
+          </a:p>
+          <a:p>
+            <a:pPr marL="800100" lvl="1" indent="-342900">
+              <a:lnSpc>
+                <a:spcPct val="150000"/>
+              </a:lnSpc>
+              <a:buFont typeface="Arial" panose="020B0604020202020204" pitchFamily="34" charset="0"/>
+              <a:buChar char="•"/>
+            </a:pPr>
+            <a:r>
+              <a:rPr lang="zh-CN" altLang="en-US" sz="2400" b="1" dirty="0">
+                <a:solidFill>
+                  <a:srgbClr val="0000FF"/>
+                </a:solidFill>
+                <a:latin typeface="微软雅黑" panose="020B0503020204020204" pitchFamily="34" charset="-122"/>
+                <a:ea typeface="微软雅黑" panose="020B0503020204020204" pitchFamily="34" charset="-122"/>
+                <a:sym typeface="+mn-ea"/>
+              </a:rPr>
+              <a:t>可用于摄动分析解</a:t>
+            </a:r>
+            <a:endParaRPr lang="en-US" altLang="zh-CN" sz="2400" b="1" dirty="0">
+              <a:solidFill>
+                <a:srgbClr val="0000FF"/>
+              </a:solidFill>
+              <a:latin typeface="微软雅黑" panose="020B0503020204020204" pitchFamily="34" charset="-122"/>
+              <a:ea typeface="微软雅黑" panose="020B0503020204020204" pitchFamily="34" charset="-122"/>
+              <a:sym typeface="+mn-ea"/>
+            </a:endParaRPr>
+          </a:p>
+          <a:p>
+            <a:pPr lvl="1">
+              <a:lnSpc>
+                <a:spcPct val="150000"/>
+              </a:lnSpc>
+            </a:pPr>
+            <a:r>
+              <a:rPr lang="zh-CN" altLang="en-US" sz="1600" b="1" dirty="0">
+                <a:solidFill>
+                  <a:srgbClr val="0000FF"/>
+                </a:solidFill>
+                <a:latin typeface="微软雅黑" panose="020B0503020204020204" pitchFamily="34" charset="-122"/>
+                <a:ea typeface="微软雅黑" panose="020B0503020204020204" pitchFamily="34" charset="-122"/>
+                <a:sym typeface="+mn-ea"/>
+              </a:rPr>
+              <a:t>（考虑模型误差</a:t>
+            </a:r>
+            <a:r>
+              <a:rPr lang="en-US" altLang="zh-CN" sz="1600" b="1" dirty="0">
+                <a:solidFill>
+                  <a:srgbClr val="0000FF"/>
+                </a:solidFill>
+                <a:latin typeface="微软雅黑" panose="020B0503020204020204" pitchFamily="34" charset="-122"/>
+                <a:ea typeface="微软雅黑" panose="020B0503020204020204" pitchFamily="34" charset="-122"/>
+                <a:sym typeface="+mn-ea"/>
+              </a:rPr>
+              <a:t>10%</a:t>
+            </a:r>
+            <a:r>
+              <a:rPr lang="zh-CN" altLang="en-US" sz="1600" b="1" dirty="0">
+                <a:solidFill>
+                  <a:srgbClr val="0000FF"/>
+                </a:solidFill>
+                <a:latin typeface="微软雅黑" panose="020B0503020204020204" pitchFamily="34" charset="-122"/>
+                <a:ea typeface="微软雅黑" panose="020B0503020204020204" pitchFamily="34" charset="-122"/>
+                <a:sym typeface="+mn-ea"/>
+              </a:rPr>
+              <a:t>，可以采用诸多近似）</a:t>
+            </a:r>
+            <a:endParaRPr lang="en-US" altLang="zh-CN" sz="1600" b="1" dirty="0">
               <a:solidFill>
                 <a:srgbClr val="0000FF"/>
               </a:solidFill>
@@ -3785,48 +7209,6 @@
               <a:t>7</a:t>
             </a:fld>
             <a:endParaRPr kumimoji="1" lang="zh-CN" altLang="en-US"/>
-          </a:p>
-        </p:txBody>
-      </p:sp>
-      <p:sp>
-        <p:nvSpPr>
-          <p:cNvPr id="6" name="矩形 5"/>
-          <p:cNvSpPr/>
-          <p:nvPr/>
-        </p:nvSpPr>
-        <p:spPr>
-          <a:xfrm>
-            <a:off x="3327171" y="6023928"/>
-            <a:ext cx="6082030" cy="645160"/>
-          </a:xfrm>
-          <a:prstGeom prst="rect">
-            <a:avLst/>
-          </a:prstGeom>
-        </p:spPr>
-        <p:txBody>
-          <a:bodyPr wrap="square">
-            <a:spAutoFit/>
-          </a:bodyPr>
-          <a:lstStyle/>
-          <a:p>
-            <a:pPr algn="ctr" fontAlgn="auto">
-              <a:lnSpc>
-                <a:spcPct val="150000"/>
-              </a:lnSpc>
-              <a:spcAft>
-                <a:spcPts val="0"/>
-              </a:spcAft>
-            </a:pPr>
-            <a:r>
-              <a:rPr lang="zh-CN" sz="2400" b="1" dirty="0">
-                <a:solidFill>
-                  <a:srgbClr val="FF0000"/>
-                </a:solidFill>
-                <a:latin typeface="微软雅黑" panose="020B0503020204020204" pitchFamily="34" charset="-122"/>
-                <a:ea typeface="微软雅黑" panose="020B0503020204020204" pitchFamily="34" charset="-122"/>
-              </a:rPr>
-              <a:t>根据页面具体情况可略微调整</a:t>
-            </a:r>
           </a:p>
         </p:txBody>
       </p:sp>
@@ -3886,10 +7268,850 @@
           </a:p>
         </p:txBody>
       </p:sp>
+      <p:graphicFrame>
+        <p:nvGraphicFramePr>
+          <p:cNvPr id="2" name="对象 1">
+            <a:extLst>
+              <a:ext uri="{FF2B5EF4-FFF2-40B4-BE49-F238E27FC236}">
+                <a16:creationId xmlns:a16="http://schemas.microsoft.com/office/drawing/2014/main" id="{3CBA919D-062C-D59A-086F-22169512934A}"/>
+              </a:ext>
+            </a:extLst>
+          </p:cNvPr>
+          <p:cNvGraphicFramePr>
+            <a:graphicFrameLocks noChangeAspect="1"/>
+          </p:cNvGraphicFramePr>
+          <p:nvPr>
+            <p:extLst>
+              <p:ext uri="{D42A27DB-BD31-4B8C-83A1-F6EECF244321}">
+                <p14:modId xmlns:p14="http://schemas.microsoft.com/office/powerpoint/2010/main" val="525771231"/>
+              </p:ext>
+            </p:extLst>
+          </p:nvPr>
+        </p:nvGraphicFramePr>
+        <p:xfrm>
+          <a:off x="3370999" y="2091872"/>
+          <a:ext cx="5221559" cy="720575"/>
+        </p:xfrm>
+        <a:graphic>
+          <a:graphicData uri="http://schemas.openxmlformats.org/presentationml/2006/ole">
+            <mc:AlternateContent xmlns:mc="http://schemas.openxmlformats.org/markup-compatibility/2006">
+              <mc:Choice xmlns:v="urn:schemas-microsoft-com:vml" Requires="v">
+                <p:oleObj name="AxMath" r:id="rId2" imgW="1587960" imgH="219600" progId="Equation.AxMath">
+                  <p:embed/>
+                </p:oleObj>
+              </mc:Choice>
+              <mc:Fallback>
+                <p:oleObj name="AxMath" r:id="rId2" imgW="1587960" imgH="219600" progId="Equation.AxMath">
+                  <p:embed/>
+                  <p:pic>
+                    <p:nvPicPr>
+                      <p:cNvPr id="0" name=""/>
+                      <p:cNvPicPr/>
+                      <p:nvPr/>
+                    </p:nvPicPr>
+                    <p:blipFill>
+                      <a:blip r:embed="rId3"/>
+                      <a:stretch>
+                        <a:fillRect/>
+                      </a:stretch>
+                    </p:blipFill>
+                    <p:spPr>
+                      <a:xfrm>
+                        <a:off x="3370999" y="2091872"/>
+                        <a:ext cx="5221559" cy="720575"/>
+                      </a:xfrm>
+                      <a:prstGeom prst="rect">
+                        <a:avLst/>
+                      </a:prstGeom>
+                    </p:spPr>
+                  </p:pic>
+                </p:oleObj>
+              </mc:Fallback>
+            </mc:AlternateContent>
+          </a:graphicData>
+        </a:graphic>
+      </p:graphicFrame>
+      <p:graphicFrame>
+        <p:nvGraphicFramePr>
+          <p:cNvPr id="4" name="对象 3">
+            <a:extLst>
+              <a:ext uri="{FF2B5EF4-FFF2-40B4-BE49-F238E27FC236}">
+                <a16:creationId xmlns:a16="http://schemas.microsoft.com/office/drawing/2014/main" id="{3E9B8A49-E4D8-5734-F9CF-A4C010A8AF7D}"/>
+              </a:ext>
+            </a:extLst>
+          </p:cNvPr>
+          <p:cNvGraphicFramePr>
+            <a:graphicFrameLocks noChangeAspect="1"/>
+          </p:cNvGraphicFramePr>
+          <p:nvPr>
+            <p:extLst>
+              <p:ext uri="{D42A27DB-BD31-4B8C-83A1-F6EECF244321}">
+                <p14:modId xmlns:p14="http://schemas.microsoft.com/office/powerpoint/2010/main" val="2719012157"/>
+              </p:ext>
+            </p:extLst>
+          </p:nvPr>
+        </p:nvGraphicFramePr>
+        <p:xfrm>
+          <a:off x="8915591" y="2988702"/>
+          <a:ext cx="1123950" cy="692150"/>
+        </p:xfrm>
+        <a:graphic>
+          <a:graphicData uri="http://schemas.openxmlformats.org/presentationml/2006/ole">
+            <mc:AlternateContent xmlns:mc="http://schemas.openxmlformats.org/markup-compatibility/2006">
+              <mc:Choice xmlns:v="urn:schemas-microsoft-com:vml" Requires="v">
+                <p:oleObj name="AxMath" r:id="rId4" imgW="561600" imgH="346680" progId="Equation.AxMath">
+                  <p:embed/>
+                </p:oleObj>
+              </mc:Choice>
+              <mc:Fallback>
+                <p:oleObj name="AxMath" r:id="rId4" imgW="561600" imgH="346680" progId="Equation.AxMath">
+                  <p:embed/>
+                  <p:pic>
+                    <p:nvPicPr>
+                      <p:cNvPr id="0" name=""/>
+                      <p:cNvPicPr/>
+                      <p:nvPr/>
+                    </p:nvPicPr>
+                    <p:blipFill>
+                      <a:blip r:embed="rId5"/>
+                      <a:stretch>
+                        <a:fillRect/>
+                      </a:stretch>
+                    </p:blipFill>
+                    <p:spPr>
+                      <a:xfrm>
+                        <a:off x="8915591" y="2988702"/>
+                        <a:ext cx="1123950" cy="692150"/>
+                      </a:xfrm>
+                      <a:prstGeom prst="rect">
+                        <a:avLst/>
+                      </a:prstGeom>
+                    </p:spPr>
+                  </p:pic>
+                </p:oleObj>
+              </mc:Fallback>
+            </mc:AlternateContent>
+          </a:graphicData>
+        </a:graphic>
+      </p:graphicFrame>
+      <p:sp>
+        <p:nvSpPr>
+          <p:cNvPr id="7" name="文本框 6">
+            <a:extLst>
+              <a:ext uri="{FF2B5EF4-FFF2-40B4-BE49-F238E27FC236}">
+                <a16:creationId xmlns:a16="http://schemas.microsoft.com/office/drawing/2014/main" id="{EB473B44-C429-69FE-F180-CB649652CD46}"/>
+              </a:ext>
+            </a:extLst>
+          </p:cNvPr>
+          <p:cNvSpPr txBox="1"/>
+          <p:nvPr/>
+        </p:nvSpPr>
+        <p:spPr>
+          <a:xfrm>
+            <a:off x="3630617" y="3536921"/>
+            <a:ext cx="1355619" cy="830997"/>
+          </a:xfrm>
+          <a:prstGeom prst="rect">
+            <a:avLst/>
+          </a:prstGeom>
+          <a:noFill/>
+        </p:spPr>
+        <p:txBody>
+          <a:bodyPr wrap="square">
+            <a:spAutoFit/>
+          </a:bodyPr>
+          <a:lstStyle/>
+          <a:p>
+            <a:pPr algn="ctr" fontAlgn="auto">
+              <a:spcAft>
+                <a:spcPts val="0"/>
+              </a:spcAft>
+            </a:pPr>
+            <a:r>
+              <a:rPr lang="zh-CN" altLang="en-US" sz="1600" b="1" dirty="0">
+                <a:latin typeface="微软雅黑" panose="020B0503020204020204" pitchFamily="34" charset="-122"/>
+                <a:ea typeface="微软雅黑" panose="020B0503020204020204" pitchFamily="34" charset="-122"/>
+              </a:rPr>
+              <a:t>参考点平均大气密度</a:t>
+            </a:r>
+            <a:endParaRPr lang="en-US" altLang="zh-CN" sz="1600" b="1" dirty="0">
+              <a:latin typeface="微软雅黑" panose="020B0503020204020204" pitchFamily="34" charset="-122"/>
+              <a:ea typeface="微软雅黑" panose="020B0503020204020204" pitchFamily="34" charset="-122"/>
+            </a:endParaRPr>
+          </a:p>
+          <a:p>
+            <a:pPr algn="ctr" fontAlgn="auto">
+              <a:spcAft>
+                <a:spcPts val="0"/>
+              </a:spcAft>
+            </a:pPr>
+            <a:r>
+              <a:rPr lang="zh-CN" altLang="en-US" sz="1600" b="1" dirty="0">
+                <a:latin typeface="微软雅黑" panose="020B0503020204020204" pitchFamily="34" charset="-122"/>
+                <a:ea typeface="微软雅黑" panose="020B0503020204020204" pitchFamily="34" charset="-122"/>
+              </a:rPr>
+              <a:t>（查表）</a:t>
+            </a:r>
+            <a:endParaRPr lang="zh-CN" altLang="zh-CN" sz="1600" b="1" dirty="0">
+              <a:latin typeface="微软雅黑" panose="020B0503020204020204" pitchFamily="34" charset="-122"/>
+              <a:ea typeface="微软雅黑" panose="020B0503020204020204" pitchFamily="34" charset="-122"/>
+            </a:endParaRPr>
+          </a:p>
+        </p:txBody>
+      </p:sp>
+      <p:sp>
+        <p:nvSpPr>
+          <p:cNvPr id="8" name="文本框 7">
+            <a:extLst>
+              <a:ext uri="{FF2B5EF4-FFF2-40B4-BE49-F238E27FC236}">
+                <a16:creationId xmlns:a16="http://schemas.microsoft.com/office/drawing/2014/main" id="{0C87B1C3-E14E-6089-3531-B23540552396}"/>
+              </a:ext>
+            </a:extLst>
+          </p:cNvPr>
+          <p:cNvSpPr txBox="1"/>
+          <p:nvPr/>
+        </p:nvSpPr>
+        <p:spPr>
+          <a:xfrm>
+            <a:off x="4686621" y="4929421"/>
+            <a:ext cx="1990679" cy="338554"/>
+          </a:xfrm>
+          <a:prstGeom prst="rect">
+            <a:avLst/>
+          </a:prstGeom>
+          <a:noFill/>
+        </p:spPr>
+        <p:txBody>
+          <a:bodyPr wrap="square">
+            <a:spAutoFit/>
+          </a:bodyPr>
+          <a:lstStyle/>
+          <a:p>
+            <a:pPr algn="ctr" fontAlgn="auto">
+              <a:spcAft>
+                <a:spcPts val="0"/>
+              </a:spcAft>
+            </a:pPr>
+            <a:r>
+              <a:rPr lang="zh-CN" altLang="en-US" sz="1600" b="1" dirty="0">
+                <a:latin typeface="微软雅黑" panose="020B0503020204020204" pitchFamily="34" charset="-122"/>
+                <a:ea typeface="微软雅黑" panose="020B0503020204020204" pitchFamily="34" charset="-122"/>
+              </a:rPr>
+              <a:t>密度变化范围</a:t>
+            </a:r>
+            <a:endParaRPr lang="zh-CN" altLang="zh-CN" sz="1600" b="1" dirty="0">
+              <a:latin typeface="微软雅黑" panose="020B0503020204020204" pitchFamily="34" charset="-122"/>
+              <a:ea typeface="微软雅黑" panose="020B0503020204020204" pitchFamily="34" charset="-122"/>
+            </a:endParaRPr>
+          </a:p>
+        </p:txBody>
+      </p:sp>
+      <p:graphicFrame>
+        <p:nvGraphicFramePr>
+          <p:cNvPr id="9" name="对象 8">
+            <a:extLst>
+              <a:ext uri="{FF2B5EF4-FFF2-40B4-BE49-F238E27FC236}">
+                <a16:creationId xmlns:a16="http://schemas.microsoft.com/office/drawing/2014/main" id="{464FB76A-D9B9-3823-970F-59B98D5ACE66}"/>
+              </a:ext>
+            </a:extLst>
+          </p:cNvPr>
+          <p:cNvGraphicFramePr>
+            <a:graphicFrameLocks noChangeAspect="1"/>
+          </p:cNvGraphicFramePr>
+          <p:nvPr>
+            <p:extLst>
+              <p:ext uri="{D42A27DB-BD31-4B8C-83A1-F6EECF244321}">
+                <p14:modId xmlns:p14="http://schemas.microsoft.com/office/powerpoint/2010/main" val="4205260895"/>
+              </p:ext>
+            </p:extLst>
+          </p:nvPr>
+        </p:nvGraphicFramePr>
+        <p:xfrm>
+          <a:off x="5110636" y="5325810"/>
+          <a:ext cx="1155701" cy="803769"/>
+        </p:xfrm>
+        <a:graphic>
+          <a:graphicData uri="http://schemas.openxmlformats.org/presentationml/2006/ole">
+            <mc:AlternateContent xmlns:mc="http://schemas.openxmlformats.org/markup-compatibility/2006">
+              <mc:Choice xmlns:v="urn:schemas-microsoft-com:vml" Requires="v">
+                <p:oleObj name="AxMath" r:id="rId6" imgW="807480" imgH="562680" progId="Equation.AxMath">
+                  <p:embed/>
+                </p:oleObj>
+              </mc:Choice>
+              <mc:Fallback>
+                <p:oleObj name="AxMath" r:id="rId6" imgW="807480" imgH="562680" progId="Equation.AxMath">
+                  <p:embed/>
+                  <p:pic>
+                    <p:nvPicPr>
+                      <p:cNvPr id="0" name=""/>
+                      <p:cNvPicPr/>
+                      <p:nvPr/>
+                    </p:nvPicPr>
+                    <p:blipFill>
+                      <a:blip r:embed="rId7"/>
+                      <a:stretch>
+                        <a:fillRect/>
+                      </a:stretch>
+                    </p:blipFill>
+                    <p:spPr>
+                      <a:xfrm>
+                        <a:off x="5110636" y="5325810"/>
+                        <a:ext cx="1155701" cy="803769"/>
+                      </a:xfrm>
+                      <a:prstGeom prst="rect">
+                        <a:avLst/>
+                      </a:prstGeom>
+                    </p:spPr>
+                  </p:pic>
+                </p:oleObj>
+              </mc:Fallback>
+            </mc:AlternateContent>
+          </a:graphicData>
+        </a:graphic>
+      </p:graphicFrame>
+      <p:sp>
+        <p:nvSpPr>
+          <p:cNvPr id="10" name="文本框 9">
+            <a:extLst>
+              <a:ext uri="{FF2B5EF4-FFF2-40B4-BE49-F238E27FC236}">
+                <a16:creationId xmlns:a16="http://schemas.microsoft.com/office/drawing/2014/main" id="{DF8F4277-6FEE-5DFB-942F-FF86C592C748}"/>
+              </a:ext>
+            </a:extLst>
+          </p:cNvPr>
+          <p:cNvSpPr txBox="1"/>
+          <p:nvPr/>
+        </p:nvSpPr>
+        <p:spPr>
+          <a:xfrm>
+            <a:off x="7446816" y="3055679"/>
+            <a:ext cx="1809959" cy="584775"/>
+          </a:xfrm>
+          <a:prstGeom prst="rect">
+            <a:avLst/>
+          </a:prstGeom>
+          <a:noFill/>
+        </p:spPr>
+        <p:txBody>
+          <a:bodyPr wrap="square">
+            <a:spAutoFit/>
+          </a:bodyPr>
+          <a:lstStyle/>
+          <a:p>
+            <a:pPr algn="ctr" fontAlgn="auto">
+              <a:spcAft>
+                <a:spcPts val="0"/>
+              </a:spcAft>
+            </a:pPr>
+            <a:r>
+              <a:rPr lang="zh-CN" altLang="en-US" sz="1600" b="1" dirty="0">
+                <a:latin typeface="微软雅黑" panose="020B0503020204020204" pitchFamily="34" charset="-122"/>
+                <a:ea typeface="微软雅黑" panose="020B0503020204020204" pitchFamily="34" charset="-122"/>
+              </a:rPr>
+              <a:t>大气标高</a:t>
+            </a:r>
+            <a:endParaRPr lang="en-US" altLang="zh-CN" sz="1600" b="1" dirty="0">
+              <a:latin typeface="微软雅黑" panose="020B0503020204020204" pitchFamily="34" charset="-122"/>
+              <a:ea typeface="微软雅黑" panose="020B0503020204020204" pitchFamily="34" charset="-122"/>
+            </a:endParaRPr>
+          </a:p>
+          <a:p>
+            <a:pPr algn="ctr" fontAlgn="auto">
+              <a:spcAft>
+                <a:spcPts val="0"/>
+              </a:spcAft>
+            </a:pPr>
+            <a:r>
+              <a:rPr lang="zh-CN" altLang="en-US" sz="1600" b="1" dirty="0">
+                <a:latin typeface="微软雅黑" panose="020B0503020204020204" pitchFamily="34" charset="-122"/>
+                <a:ea typeface="微软雅黑" panose="020B0503020204020204" pitchFamily="34" charset="-122"/>
+              </a:rPr>
+              <a:t>（可查表）</a:t>
+            </a:r>
+            <a:endParaRPr lang="zh-CN" altLang="zh-CN" sz="1600" b="1" dirty="0">
+              <a:latin typeface="微软雅黑" panose="020B0503020204020204" pitchFamily="34" charset="-122"/>
+              <a:ea typeface="微软雅黑" panose="020B0503020204020204" pitchFamily="34" charset="-122"/>
+            </a:endParaRPr>
+          </a:p>
+        </p:txBody>
+      </p:sp>
+      <p:sp>
+        <p:nvSpPr>
+          <p:cNvPr id="11" name="文本框 10">
+            <a:extLst>
+              <a:ext uri="{FF2B5EF4-FFF2-40B4-BE49-F238E27FC236}">
+                <a16:creationId xmlns:a16="http://schemas.microsoft.com/office/drawing/2014/main" id="{93B2E7F2-23CB-903E-9001-83596B4576A3}"/>
+              </a:ext>
+            </a:extLst>
+          </p:cNvPr>
+          <p:cNvSpPr txBox="1"/>
+          <p:nvPr/>
+        </p:nvSpPr>
+        <p:spPr>
+          <a:xfrm>
+            <a:off x="6118600" y="3748097"/>
+            <a:ext cx="1809959" cy="584775"/>
+          </a:xfrm>
+          <a:prstGeom prst="rect">
+            <a:avLst/>
+          </a:prstGeom>
+          <a:noFill/>
+        </p:spPr>
+        <p:txBody>
+          <a:bodyPr wrap="square">
+            <a:spAutoFit/>
+          </a:bodyPr>
+          <a:lstStyle/>
+          <a:p>
+            <a:pPr algn="ctr" fontAlgn="auto">
+              <a:spcAft>
+                <a:spcPts val="0"/>
+              </a:spcAft>
+            </a:pPr>
+            <a:r>
+              <a:rPr lang="zh-CN" altLang="en-US" sz="1600" b="1" dirty="0">
+                <a:latin typeface="微软雅黑" panose="020B0503020204020204" pitchFamily="34" charset="-122"/>
+                <a:ea typeface="微软雅黑" panose="020B0503020204020204" pitchFamily="34" charset="-122"/>
+              </a:rPr>
+              <a:t>周日峰方向</a:t>
+            </a:r>
+            <a:endParaRPr lang="en-US" altLang="zh-CN" sz="1600" b="1" dirty="0">
+              <a:latin typeface="微软雅黑" panose="020B0503020204020204" pitchFamily="34" charset="-122"/>
+              <a:ea typeface="微软雅黑" panose="020B0503020204020204" pitchFamily="34" charset="-122"/>
+            </a:endParaRPr>
+          </a:p>
+          <a:p>
+            <a:pPr algn="ctr" fontAlgn="auto">
+              <a:spcAft>
+                <a:spcPts val="0"/>
+              </a:spcAft>
+            </a:pPr>
+            <a:r>
+              <a:rPr lang="zh-CN" altLang="en-US" sz="1600" b="1" dirty="0">
+                <a:latin typeface="微软雅黑" panose="020B0503020204020204" pitchFamily="34" charset="-122"/>
+                <a:ea typeface="微软雅黑" panose="020B0503020204020204" pitchFamily="34" charset="-122"/>
+              </a:rPr>
+              <a:t>太阳赤经</a:t>
+            </a:r>
+            <a:r>
+              <a:rPr lang="en-US" altLang="zh-CN" sz="1600" b="1" dirty="0">
+                <a:latin typeface="微软雅黑" panose="020B0503020204020204" pitchFamily="34" charset="-122"/>
+                <a:ea typeface="微软雅黑" panose="020B0503020204020204" pitchFamily="34" charset="-122"/>
+              </a:rPr>
+              <a:t>+~30°</a:t>
+            </a:r>
+            <a:endParaRPr lang="zh-CN" altLang="zh-CN" sz="1600" b="1" dirty="0">
+              <a:latin typeface="微软雅黑" panose="020B0503020204020204" pitchFamily="34" charset="-122"/>
+              <a:ea typeface="微软雅黑" panose="020B0503020204020204" pitchFamily="34" charset="-122"/>
+            </a:endParaRPr>
+          </a:p>
+        </p:txBody>
+      </p:sp>
+      <p:cxnSp>
+        <p:nvCxnSpPr>
+          <p:cNvPr id="13" name="直接箭头连接符 12">
+            <a:extLst>
+              <a:ext uri="{FF2B5EF4-FFF2-40B4-BE49-F238E27FC236}">
+                <a16:creationId xmlns:a16="http://schemas.microsoft.com/office/drawing/2014/main" id="{6E7F4E1B-53BA-C11E-3E44-B0B785E6F461}"/>
+              </a:ext>
+            </a:extLst>
+          </p:cNvPr>
+          <p:cNvCxnSpPr/>
+          <p:nvPr/>
+        </p:nvCxnSpPr>
+        <p:spPr>
+          <a:xfrm flipV="1">
+            <a:off x="4346867" y="2722507"/>
+            <a:ext cx="0" cy="722079"/>
+          </a:xfrm>
+          <a:prstGeom prst="straightConnector1">
+            <a:avLst/>
+          </a:prstGeom>
+          <a:ln w="28575">
+            <a:solidFill>
+              <a:srgbClr val="0000FF"/>
+            </a:solidFill>
+            <a:tailEnd type="triangle"/>
+          </a:ln>
+        </p:spPr>
+        <p:style>
+          <a:lnRef idx="1">
+            <a:schemeClr val="accent1"/>
+          </a:lnRef>
+          <a:fillRef idx="0">
+            <a:schemeClr val="accent1"/>
+          </a:fillRef>
+          <a:effectRef idx="0">
+            <a:schemeClr val="accent1"/>
+          </a:effectRef>
+          <a:fontRef idx="minor">
+            <a:schemeClr val="tx1"/>
+          </a:fontRef>
+        </p:style>
+      </p:cxnSp>
+      <p:cxnSp>
+        <p:nvCxnSpPr>
+          <p:cNvPr id="14" name="直接箭头连接符 13">
+            <a:extLst>
+              <a:ext uri="{FF2B5EF4-FFF2-40B4-BE49-F238E27FC236}">
+                <a16:creationId xmlns:a16="http://schemas.microsoft.com/office/drawing/2014/main" id="{6B4CCD72-B281-F751-9646-077F59020258}"/>
+              </a:ext>
+            </a:extLst>
+          </p:cNvPr>
+          <p:cNvCxnSpPr>
+            <a:cxnSpLocks/>
+            <a:stCxn id="8" idx="0"/>
+          </p:cNvCxnSpPr>
+          <p:nvPr/>
+        </p:nvCxnSpPr>
+        <p:spPr>
+          <a:xfrm flipV="1">
+            <a:off x="5681961" y="2708441"/>
+            <a:ext cx="6526" cy="2220980"/>
+          </a:xfrm>
+          <a:prstGeom prst="straightConnector1">
+            <a:avLst/>
+          </a:prstGeom>
+          <a:ln w="28575">
+            <a:solidFill>
+              <a:srgbClr val="0000FF"/>
+            </a:solidFill>
+            <a:tailEnd type="triangle"/>
+          </a:ln>
+        </p:spPr>
+        <p:style>
+          <a:lnRef idx="1">
+            <a:schemeClr val="accent1"/>
+          </a:lnRef>
+          <a:fillRef idx="0">
+            <a:schemeClr val="accent1"/>
+          </a:fillRef>
+          <a:effectRef idx="0">
+            <a:schemeClr val="accent1"/>
+          </a:effectRef>
+          <a:fontRef idx="minor">
+            <a:schemeClr val="tx1"/>
+          </a:fontRef>
+        </p:style>
+      </p:cxnSp>
+      <p:cxnSp>
+        <p:nvCxnSpPr>
+          <p:cNvPr id="16" name="直接箭头连接符 15">
+            <a:extLst>
+              <a:ext uri="{FF2B5EF4-FFF2-40B4-BE49-F238E27FC236}">
+                <a16:creationId xmlns:a16="http://schemas.microsoft.com/office/drawing/2014/main" id="{053B8795-A995-681A-C510-3505A55E6ED1}"/>
+              </a:ext>
+            </a:extLst>
+          </p:cNvPr>
+          <p:cNvCxnSpPr>
+            <a:cxnSpLocks/>
+          </p:cNvCxnSpPr>
+          <p:nvPr/>
+        </p:nvCxnSpPr>
+        <p:spPr>
+          <a:xfrm flipV="1">
+            <a:off x="6955156" y="2768674"/>
+            <a:ext cx="0" cy="888969"/>
+          </a:xfrm>
+          <a:prstGeom prst="straightConnector1">
+            <a:avLst/>
+          </a:prstGeom>
+          <a:ln w="28575">
+            <a:solidFill>
+              <a:srgbClr val="0000FF"/>
+            </a:solidFill>
+            <a:tailEnd type="triangle"/>
+          </a:ln>
+        </p:spPr>
+        <p:style>
+          <a:lnRef idx="1">
+            <a:schemeClr val="accent1"/>
+          </a:lnRef>
+          <a:fillRef idx="0">
+            <a:schemeClr val="accent1"/>
+          </a:fillRef>
+          <a:effectRef idx="0">
+            <a:schemeClr val="accent1"/>
+          </a:effectRef>
+          <a:fontRef idx="minor">
+            <a:schemeClr val="tx1"/>
+          </a:fontRef>
+        </p:style>
+      </p:cxnSp>
+      <p:cxnSp>
+        <p:nvCxnSpPr>
+          <p:cNvPr id="18" name="直接箭头连接符 17">
+            <a:extLst>
+              <a:ext uri="{FF2B5EF4-FFF2-40B4-BE49-F238E27FC236}">
+                <a16:creationId xmlns:a16="http://schemas.microsoft.com/office/drawing/2014/main" id="{0DBB2B69-4EA3-285B-F7A9-F7AD5081DF33}"/>
+              </a:ext>
+            </a:extLst>
+          </p:cNvPr>
+          <p:cNvCxnSpPr>
+            <a:cxnSpLocks/>
+          </p:cNvCxnSpPr>
+          <p:nvPr/>
+        </p:nvCxnSpPr>
+        <p:spPr>
+          <a:xfrm flipV="1">
+            <a:off x="8349241" y="2530745"/>
+            <a:ext cx="0" cy="538736"/>
+          </a:xfrm>
+          <a:prstGeom prst="straightConnector1">
+            <a:avLst/>
+          </a:prstGeom>
+          <a:ln w="28575">
+            <a:solidFill>
+              <a:srgbClr val="0000FF"/>
+            </a:solidFill>
+            <a:tailEnd type="triangle"/>
+          </a:ln>
+        </p:spPr>
+        <p:style>
+          <a:lnRef idx="1">
+            <a:schemeClr val="accent1"/>
+          </a:lnRef>
+          <a:fillRef idx="0">
+            <a:schemeClr val="accent1"/>
+          </a:fillRef>
+          <a:effectRef idx="0">
+            <a:schemeClr val="accent1"/>
+          </a:effectRef>
+          <a:fontRef idx="minor">
+            <a:schemeClr val="tx1"/>
+          </a:fontRef>
+        </p:style>
+      </p:cxnSp>
+      <p:sp>
+        <p:nvSpPr>
+          <p:cNvPr id="22" name="文本框 21">
+            <a:extLst>
+              <a:ext uri="{FF2B5EF4-FFF2-40B4-BE49-F238E27FC236}">
+                <a16:creationId xmlns:a16="http://schemas.microsoft.com/office/drawing/2014/main" id="{FD06511F-2133-812A-1C9B-C20C6BF3B216}"/>
+              </a:ext>
+            </a:extLst>
+          </p:cNvPr>
+          <p:cNvSpPr txBox="1"/>
+          <p:nvPr/>
+        </p:nvSpPr>
+        <p:spPr>
+          <a:xfrm>
+            <a:off x="5731222" y="4333938"/>
+            <a:ext cx="2514653" cy="523220"/>
+          </a:xfrm>
+          <a:prstGeom prst="rect">
+            <a:avLst/>
+          </a:prstGeom>
+          <a:noFill/>
+        </p:spPr>
+        <p:txBody>
+          <a:bodyPr wrap="square">
+            <a:spAutoFit/>
+          </a:bodyPr>
+          <a:lstStyle/>
+          <a:p>
+            <a:pPr algn="ctr" fontAlgn="auto">
+              <a:spcAft>
+                <a:spcPts val="0"/>
+              </a:spcAft>
+            </a:pPr>
+            <a:r>
+              <a:rPr lang="zh-CN" altLang="en-US" sz="1600" b="1" dirty="0">
+                <a:solidFill>
+                  <a:srgbClr val="0000FF"/>
+                </a:solidFill>
+                <a:latin typeface="微软雅黑" panose="020B0503020204020204" pitchFamily="34" charset="-122"/>
+                <a:ea typeface="微软雅黑" panose="020B0503020204020204" pitchFamily="34" charset="-122"/>
+              </a:rPr>
+              <a:t>主要来源：紫外辐射</a:t>
+            </a:r>
+            <a:endParaRPr lang="en-US" altLang="zh-CN" sz="1600" b="1" dirty="0">
+              <a:solidFill>
+                <a:srgbClr val="0000FF"/>
+              </a:solidFill>
+              <a:latin typeface="微软雅黑" panose="020B0503020204020204" pitchFamily="34" charset="-122"/>
+              <a:ea typeface="微软雅黑" panose="020B0503020204020204" pitchFamily="34" charset="-122"/>
+            </a:endParaRPr>
+          </a:p>
+          <a:p>
+            <a:pPr algn="ctr" fontAlgn="auto">
+              <a:spcAft>
+                <a:spcPts val="0"/>
+              </a:spcAft>
+            </a:pPr>
+            <a:r>
+              <a:rPr lang="zh-CN" altLang="en-US" sz="1200" b="1" dirty="0">
+                <a:solidFill>
+                  <a:srgbClr val="0000FF"/>
+                </a:solidFill>
+                <a:latin typeface="微软雅黑" panose="020B0503020204020204" pitchFamily="34" charset="-122"/>
+                <a:ea typeface="微软雅黑" panose="020B0503020204020204" pitchFamily="34" charset="-122"/>
+              </a:rPr>
+              <a:t>（周日变化）</a:t>
+            </a:r>
+            <a:endParaRPr lang="en-US" altLang="zh-CN" sz="1200" b="1" dirty="0">
+              <a:solidFill>
+                <a:srgbClr val="0000FF"/>
+              </a:solidFill>
+              <a:latin typeface="微软雅黑" panose="020B0503020204020204" pitchFamily="34" charset="-122"/>
+              <a:ea typeface="微软雅黑" panose="020B0503020204020204" pitchFamily="34" charset="-122"/>
+            </a:endParaRPr>
+          </a:p>
+        </p:txBody>
+      </p:sp>
+      <p:sp>
+        <p:nvSpPr>
+          <p:cNvPr id="30" name="文本框 29">
+            <a:extLst>
+              <a:ext uri="{FF2B5EF4-FFF2-40B4-BE49-F238E27FC236}">
+                <a16:creationId xmlns:a16="http://schemas.microsoft.com/office/drawing/2014/main" id="{81E764F3-2C19-942E-2A27-4AC044C30723}"/>
+              </a:ext>
+            </a:extLst>
+          </p:cNvPr>
+          <p:cNvSpPr txBox="1"/>
+          <p:nvPr/>
+        </p:nvSpPr>
+        <p:spPr>
+          <a:xfrm>
+            <a:off x="7193478" y="1295748"/>
+            <a:ext cx="1809959" cy="338554"/>
+          </a:xfrm>
+          <a:prstGeom prst="rect">
+            <a:avLst/>
+          </a:prstGeom>
+          <a:noFill/>
+        </p:spPr>
+        <p:txBody>
+          <a:bodyPr wrap="square">
+            <a:spAutoFit/>
+          </a:bodyPr>
+          <a:lstStyle/>
+          <a:p>
+            <a:pPr algn="ctr" fontAlgn="auto">
+              <a:spcAft>
+                <a:spcPts val="0"/>
+              </a:spcAft>
+            </a:pPr>
+            <a:r>
+              <a:rPr lang="zh-CN" altLang="en-US" sz="1600" b="1" dirty="0">
+                <a:solidFill>
+                  <a:srgbClr val="FF0000"/>
+                </a:solidFill>
+                <a:latin typeface="微软雅黑" panose="020B0503020204020204" pitchFamily="34" charset="-122"/>
+                <a:ea typeface="微软雅黑" panose="020B0503020204020204" pitchFamily="34" charset="-122"/>
+              </a:rPr>
+              <a:t>高度（核心参数）</a:t>
+            </a:r>
+            <a:endParaRPr lang="zh-CN" altLang="zh-CN" sz="1600" b="1" dirty="0">
+              <a:solidFill>
+                <a:srgbClr val="FF0000"/>
+              </a:solidFill>
+              <a:latin typeface="微软雅黑" panose="020B0503020204020204" pitchFamily="34" charset="-122"/>
+              <a:ea typeface="微软雅黑" panose="020B0503020204020204" pitchFamily="34" charset="-122"/>
+            </a:endParaRPr>
+          </a:p>
+        </p:txBody>
+      </p:sp>
+      <p:cxnSp>
+        <p:nvCxnSpPr>
+          <p:cNvPr id="31" name="直接箭头连接符 30">
+            <a:extLst>
+              <a:ext uri="{FF2B5EF4-FFF2-40B4-BE49-F238E27FC236}">
+                <a16:creationId xmlns:a16="http://schemas.microsoft.com/office/drawing/2014/main" id="{A841E80D-CC09-D27F-DD83-00304AB17DF0}"/>
+              </a:ext>
+            </a:extLst>
+          </p:cNvPr>
+          <p:cNvCxnSpPr>
+            <a:cxnSpLocks/>
+          </p:cNvCxnSpPr>
+          <p:nvPr/>
+        </p:nvCxnSpPr>
+        <p:spPr>
+          <a:xfrm>
+            <a:off x="8041087" y="1688123"/>
+            <a:ext cx="0" cy="403749"/>
+          </a:xfrm>
+          <a:prstGeom prst="straightConnector1">
+            <a:avLst/>
+          </a:prstGeom>
+          <a:ln w="28575">
+            <a:solidFill>
+              <a:srgbClr val="FF0000"/>
+            </a:solidFill>
+            <a:tailEnd type="triangle"/>
+          </a:ln>
+        </p:spPr>
+        <p:style>
+          <a:lnRef idx="1">
+            <a:schemeClr val="accent1"/>
+          </a:lnRef>
+          <a:fillRef idx="0">
+            <a:schemeClr val="accent1"/>
+          </a:fillRef>
+          <a:effectRef idx="0">
+            <a:schemeClr val="accent1"/>
+          </a:effectRef>
+          <a:fontRef idx="minor">
+            <a:schemeClr val="tx1"/>
+          </a:fontRef>
+        </p:style>
+      </p:cxnSp>
+      <p:sp>
+        <p:nvSpPr>
+          <p:cNvPr id="34" name="文本框 33">
+            <a:extLst>
+              <a:ext uri="{FF2B5EF4-FFF2-40B4-BE49-F238E27FC236}">
+                <a16:creationId xmlns:a16="http://schemas.microsoft.com/office/drawing/2014/main" id="{C6C43D1E-78CE-5B7A-E46F-0C6D22854FD3}"/>
+              </a:ext>
+            </a:extLst>
+          </p:cNvPr>
+          <p:cNvSpPr txBox="1"/>
+          <p:nvPr/>
+        </p:nvSpPr>
+        <p:spPr>
+          <a:xfrm>
+            <a:off x="7999449" y="3702368"/>
+            <a:ext cx="3022230" cy="338554"/>
+          </a:xfrm>
+          <a:prstGeom prst="rect">
+            <a:avLst/>
+          </a:prstGeom>
+          <a:noFill/>
+        </p:spPr>
+        <p:txBody>
+          <a:bodyPr wrap="square">
+            <a:spAutoFit/>
+          </a:bodyPr>
+          <a:lstStyle/>
+          <a:p>
+            <a:pPr algn="ctr" fontAlgn="auto">
+              <a:spcAft>
+                <a:spcPts val="0"/>
+              </a:spcAft>
+            </a:pPr>
+            <a:r>
+              <a:rPr lang="zh-CN" altLang="en-US" sz="1600" b="1" dirty="0">
+                <a:solidFill>
+                  <a:srgbClr val="0000FF"/>
+                </a:solidFill>
+                <a:latin typeface="微软雅黑" panose="020B0503020204020204" pitchFamily="34" charset="-122"/>
+                <a:ea typeface="微软雅黑" panose="020B0503020204020204" pitchFamily="34" charset="-122"/>
+              </a:rPr>
+              <a:t>改变一定密度所需变化的高度</a:t>
+            </a:r>
+            <a:endParaRPr lang="en-US" altLang="zh-CN" sz="1600" b="1" dirty="0">
+              <a:solidFill>
+                <a:srgbClr val="0000FF"/>
+              </a:solidFill>
+              <a:latin typeface="微软雅黑" panose="020B0503020204020204" pitchFamily="34" charset="-122"/>
+              <a:ea typeface="微软雅黑" panose="020B0503020204020204" pitchFamily="34" charset="-122"/>
+            </a:endParaRPr>
+          </a:p>
+        </p:txBody>
+      </p:sp>
     </p:spTree>
     <p:extLst>
       <p:ext uri="{BB962C8B-B14F-4D97-AF65-F5344CB8AC3E}">
-        <p14:creationId xmlns:p14="http://schemas.microsoft.com/office/powerpoint/2010/main" val="3994311934"/>
+        <p14:creationId xmlns:p14="http://schemas.microsoft.com/office/powerpoint/2010/main" val="2050228123"/>
       </p:ext>
     </p:extLst>
   </p:cSld>
@@ -3937,7 +8159,7 @@
         <p:spPr>
           <a:xfrm>
             <a:off x="407987" y="1052513"/>
-            <a:ext cx="11376025" cy="2601546"/>
+            <a:ext cx="8547087" cy="3037306"/>
           </a:xfrm>
           <a:prstGeom prst="rect">
             <a:avLst/>
@@ -3964,70 +8186,297 @@
                 <a:latin typeface="微软雅黑" panose="020B0503020204020204" pitchFamily="34" charset="-122"/>
                 <a:ea typeface="微软雅黑" panose="020B0503020204020204" pitchFamily="34" charset="-122"/>
               </a:rPr>
-              <a:t>大气密度模型</a:t>
-            </a:r>
-          </a:p>
-          <a:p>
-            <a:pPr marL="342900" indent="-342900" fontAlgn="auto">
-              <a:lnSpc>
-                <a:spcPct val="150000"/>
-              </a:lnSpc>
-              <a:spcAft>
-                <a:spcPts val="0"/>
-              </a:spcAft>
-              <a:buFont typeface="Arial" panose="020B0604020202020204" pitchFamily="34" charset="0"/>
-              <a:buChar char="•"/>
-            </a:pPr>
+              <a:t>其它大气密度模型和参数</a:t>
+            </a:r>
             <a:endParaRPr lang="en-US" altLang="zh-CN" sz="2800" b="1" dirty="0">
               <a:latin typeface="微软雅黑" panose="020B0503020204020204" pitchFamily="34" charset="-122"/>
               <a:ea typeface="微软雅黑" panose="020B0503020204020204" pitchFamily="34" charset="-122"/>
-              <a:sym typeface="+mn-ea"/>
             </a:endParaRPr>
           </a:p>
           <a:p>
-            <a:pPr marL="342900" indent="-342900" fontAlgn="auto">
+            <a:pPr marL="627063" lvl="1" indent="-342900">
               <a:lnSpc>
-                <a:spcPct val="150000"/>
+                <a:spcPct val="120000"/>
               </a:lnSpc>
-              <a:spcAft>
-                <a:spcPts val="0"/>
-              </a:spcAft>
               <a:buFont typeface="Arial" panose="020B0604020202020204" pitchFamily="34" charset="0"/>
               <a:buChar char="•"/>
             </a:pPr>
             <a:r>
-              <a:rPr lang="zh-CN" altLang="en-US" sz="2800" b="1" dirty="0">
-                <a:latin typeface="微软雅黑" panose="020B0503020204020204" pitchFamily="34" charset="-122"/>
-                <a:ea typeface="微软雅黑" panose="020B0503020204020204" pitchFamily="34" charset="-122"/>
-                <a:sym typeface="+mn-ea"/>
-              </a:rPr>
-              <a:t>指数形式</a:t>
-            </a:r>
-            <a:r>
-              <a:rPr lang="en-US" altLang="zh-CN" sz="2800" b="1">
-                <a:latin typeface="微软雅黑" panose="020B0503020204020204" pitchFamily="34" charset="-122"/>
-                <a:ea typeface="微软雅黑" panose="020B0503020204020204" pitchFamily="34" charset="-122"/>
-                <a:sym typeface="+mn-ea"/>
-              </a:rPr>
-              <a:t>p167</a:t>
-            </a:r>
-            <a:endParaRPr lang="en-US" altLang="zh-CN" sz="2800" b="1" dirty="0">
+              <a:rPr lang="en-GB" altLang="zh-CN" b="1" dirty="0" err="1">
+                <a:latin typeface="微软雅黑" panose="020B0503020204020204" pitchFamily="34" charset="-122"/>
+                <a:ea typeface="微软雅黑" panose="020B0503020204020204" pitchFamily="34" charset="-122"/>
+              </a:rPr>
+              <a:t>Jacchia</a:t>
+            </a:r>
+            <a:r>
+              <a:rPr lang="zh-CN" altLang="en-GB" b="1" dirty="0">
+                <a:latin typeface="微软雅黑" panose="020B0503020204020204" pitchFamily="34" charset="-122"/>
+                <a:ea typeface="微软雅黑" panose="020B0503020204020204" pitchFamily="34" charset="-122"/>
+              </a:rPr>
+              <a:t>：</a:t>
+            </a:r>
+            <a:r>
+              <a:rPr lang="zh-CN" altLang="en-US" sz="1400" b="1" dirty="0">
+                <a:latin typeface="微软雅黑" panose="020B0503020204020204" pitchFamily="34" charset="-122"/>
+                <a:ea typeface="微软雅黑" panose="020B0503020204020204" pitchFamily="34" charset="-122"/>
+              </a:rPr>
+              <a:t>最早的三维大气密度模型，</a:t>
+            </a:r>
+            <a:r>
+              <a:rPr lang="en-GB" altLang="zh-CN" sz="1400" b="1" dirty="0">
+                <a:latin typeface="微软雅黑" panose="020B0503020204020204" pitchFamily="34" charset="-122"/>
+                <a:ea typeface="微软雅黑" panose="020B0503020204020204" pitchFamily="34" charset="-122"/>
+              </a:rPr>
+              <a:t>1965, 1970, </a:t>
+            </a:r>
+            <a:r>
+              <a:rPr lang="en-GB" altLang="zh-CN" sz="1400" b="1" dirty="0">
+                <a:solidFill>
+                  <a:srgbClr val="FF0000"/>
+                </a:solidFill>
+                <a:latin typeface="微软雅黑" panose="020B0503020204020204" pitchFamily="34" charset="-122"/>
+                <a:ea typeface="微软雅黑" panose="020B0503020204020204" pitchFamily="34" charset="-122"/>
+              </a:rPr>
+              <a:t>1971</a:t>
+            </a:r>
+            <a:r>
+              <a:rPr lang="en-GB" altLang="zh-CN" sz="1400" b="1" dirty="0">
+                <a:latin typeface="微软雅黑" panose="020B0503020204020204" pitchFamily="34" charset="-122"/>
+                <a:ea typeface="微软雅黑" panose="020B0503020204020204" pitchFamily="34" charset="-122"/>
+              </a:rPr>
+              <a:t>, </a:t>
+            </a:r>
+            <a:r>
+              <a:rPr lang="en-GB" altLang="zh-CN" sz="1400" b="1" dirty="0">
+                <a:solidFill>
+                  <a:srgbClr val="FF0000"/>
+                </a:solidFill>
+                <a:latin typeface="微软雅黑" panose="020B0503020204020204" pitchFamily="34" charset="-122"/>
+                <a:ea typeface="微软雅黑" panose="020B0503020204020204" pitchFamily="34" charset="-122"/>
+              </a:rPr>
+              <a:t>1977</a:t>
+            </a:r>
+            <a:r>
+              <a:rPr lang="en-GB" altLang="zh-CN" sz="1400" b="1" dirty="0">
+                <a:latin typeface="微软雅黑" panose="020B0503020204020204" pitchFamily="34" charset="-122"/>
+                <a:ea typeface="微软雅黑" panose="020B0503020204020204" pitchFamily="34" charset="-122"/>
+              </a:rPr>
+              <a:t>, 1981</a:t>
+            </a:r>
+            <a:endParaRPr lang="en-GB" altLang="zh-CN" b="1" dirty="0">
               <a:latin typeface="微软雅黑" panose="020B0503020204020204" pitchFamily="34" charset="-122"/>
               <a:ea typeface="微软雅黑" panose="020B0503020204020204" pitchFamily="34" charset="-122"/>
-              <a:sym typeface="+mn-ea"/>
             </a:endParaRPr>
           </a:p>
           <a:p>
-            <a:pPr marL="342900" indent="-342900" fontAlgn="auto">
+            <a:pPr marL="627063" lvl="1" indent="-342900">
               <a:lnSpc>
-                <a:spcPct val="150000"/>
+                <a:spcPct val="120000"/>
               </a:lnSpc>
-              <a:spcAft>
-                <a:spcPts val="0"/>
-              </a:spcAft>
               <a:buFont typeface="Arial" panose="020B0604020202020204" pitchFamily="34" charset="0"/>
               <a:buChar char="•"/>
             </a:pPr>
+            <a:r>
+              <a:rPr lang="en-GB" altLang="zh-CN" b="1" dirty="0">
+                <a:latin typeface="微软雅黑" panose="020B0503020204020204" pitchFamily="34" charset="-122"/>
+                <a:ea typeface="微软雅黑" panose="020B0503020204020204" pitchFamily="34" charset="-122"/>
+              </a:rPr>
+              <a:t>CIRA</a:t>
+            </a:r>
+            <a:r>
+              <a:rPr lang="zh-CN" altLang="en-GB" b="1" dirty="0">
+                <a:latin typeface="微软雅黑" panose="020B0503020204020204" pitchFamily="34" charset="-122"/>
+                <a:ea typeface="微软雅黑" panose="020B0503020204020204" pitchFamily="34" charset="-122"/>
+              </a:rPr>
+              <a:t>：</a:t>
+            </a:r>
+            <a:r>
+              <a:rPr lang="en-GB" altLang="zh-CN" sz="1400" b="1" dirty="0">
+                <a:latin typeface="微软雅黑" panose="020B0503020204020204" pitchFamily="34" charset="-122"/>
+                <a:ea typeface="微软雅黑" panose="020B0503020204020204" pitchFamily="34" charset="-122"/>
+              </a:rPr>
+              <a:t>COSPAR International Reference Atmosphere, CIRA 72 ≈ J71</a:t>
+            </a:r>
+            <a:r>
+              <a:rPr lang="en-GB" altLang="zh-CN" b="1" dirty="0">
+                <a:latin typeface="微软雅黑" panose="020B0503020204020204" pitchFamily="34" charset="-122"/>
+                <a:ea typeface="微软雅黑" panose="020B0503020204020204" pitchFamily="34" charset="-122"/>
+              </a:rPr>
+              <a:t>;</a:t>
+            </a:r>
+            <a:endParaRPr lang="en-US" altLang="zh-CN" sz="1800" b="1" dirty="0">
+              <a:latin typeface="微软雅黑" panose="020B0503020204020204" pitchFamily="34" charset="-122"/>
+              <a:ea typeface="微软雅黑" panose="020B0503020204020204" pitchFamily="34" charset="-122"/>
+            </a:endParaRPr>
+          </a:p>
+          <a:p>
+            <a:pPr marL="627063" lvl="1" indent="-342900">
+              <a:lnSpc>
+                <a:spcPct val="120000"/>
+              </a:lnSpc>
+              <a:buFont typeface="Arial" panose="020B0604020202020204" pitchFamily="34" charset="0"/>
+              <a:buChar char="•"/>
+            </a:pPr>
+            <a:r>
+              <a:rPr lang="en-US" altLang="zh-CN" b="1" dirty="0">
+                <a:latin typeface="微软雅黑" panose="020B0503020204020204" pitchFamily="34" charset="-122"/>
+                <a:ea typeface="微软雅黑" panose="020B0503020204020204" pitchFamily="34" charset="-122"/>
+              </a:rPr>
+              <a:t>JB</a:t>
+            </a:r>
+            <a:r>
+              <a:rPr lang="zh-CN" altLang="en-US" b="1" dirty="0">
+                <a:latin typeface="微软雅黑" panose="020B0503020204020204" pitchFamily="34" charset="-122"/>
+                <a:ea typeface="微软雅黑" panose="020B0503020204020204" pitchFamily="34" charset="-122"/>
+              </a:rPr>
+              <a:t>：</a:t>
+            </a:r>
+            <a:r>
+              <a:rPr lang="en-GB" altLang="zh-CN" sz="1400" b="1" dirty="0" err="1">
+                <a:latin typeface="微软雅黑" panose="020B0503020204020204" pitchFamily="34" charset="-122"/>
+                <a:ea typeface="微软雅黑" panose="020B0503020204020204" pitchFamily="34" charset="-122"/>
+              </a:rPr>
+              <a:t>Jacchia</a:t>
+            </a:r>
+            <a:r>
+              <a:rPr lang="en-GB" altLang="zh-CN" sz="1400" b="1" dirty="0">
+                <a:latin typeface="微软雅黑" panose="020B0503020204020204" pitchFamily="34" charset="-122"/>
+                <a:ea typeface="微软雅黑" panose="020B0503020204020204" pitchFamily="34" charset="-122"/>
+              </a:rPr>
+              <a:t>-Bowman 2008 (based on CIRA72)</a:t>
+            </a:r>
+            <a:r>
+              <a:rPr lang="zh-CN" altLang="en-US" sz="1400" b="1" dirty="0">
+                <a:latin typeface="微软雅黑" panose="020B0503020204020204" pitchFamily="34" charset="-122"/>
+                <a:ea typeface="微软雅黑" panose="020B0503020204020204" pitchFamily="34" charset="-122"/>
+              </a:rPr>
+              <a:t>，参数延后发布</a:t>
+            </a:r>
+            <a:endParaRPr lang="en-GB" altLang="zh-CN" sz="1400" b="1" dirty="0">
+              <a:latin typeface="微软雅黑" panose="020B0503020204020204" pitchFamily="34" charset="-122"/>
+              <a:ea typeface="微软雅黑" panose="020B0503020204020204" pitchFamily="34" charset="-122"/>
+            </a:endParaRPr>
+          </a:p>
+          <a:p>
+            <a:pPr marL="627063" lvl="1" indent="-342900">
+              <a:lnSpc>
+                <a:spcPct val="120000"/>
+              </a:lnSpc>
+              <a:buFont typeface="Arial" panose="020B0604020202020204" pitchFamily="34" charset="0"/>
+              <a:buChar char="•"/>
+            </a:pPr>
+            <a:r>
+              <a:rPr lang="en-GB" altLang="zh-CN" b="1" dirty="0">
+                <a:latin typeface="微软雅黑" panose="020B0503020204020204" pitchFamily="34" charset="-122"/>
+                <a:ea typeface="微软雅黑" panose="020B0503020204020204" pitchFamily="34" charset="-122"/>
+              </a:rPr>
+              <a:t>MSIS</a:t>
+            </a:r>
+            <a:r>
+              <a:rPr lang="zh-CN" altLang="en-GB" b="1" dirty="0">
+                <a:latin typeface="微软雅黑" panose="020B0503020204020204" pitchFamily="34" charset="-122"/>
+                <a:ea typeface="微软雅黑" panose="020B0503020204020204" pitchFamily="34" charset="-122"/>
+              </a:rPr>
+              <a:t>：</a:t>
+            </a:r>
+            <a:r>
+              <a:rPr lang="en-GB" altLang="zh-CN" sz="1400" b="1" dirty="0">
+                <a:latin typeface="微软雅黑" panose="020B0503020204020204" pitchFamily="34" charset="-122"/>
+                <a:ea typeface="微软雅黑" panose="020B0503020204020204" pitchFamily="34" charset="-122"/>
+              </a:rPr>
+              <a:t>Mass Spectrometer and Incoherent Scatter</a:t>
+            </a:r>
+          </a:p>
+          <a:p>
+            <a:pPr marL="627063" lvl="1" indent="-342900">
+              <a:lnSpc>
+                <a:spcPct val="120000"/>
+              </a:lnSpc>
+              <a:buFont typeface="Arial" panose="020B0604020202020204" pitchFamily="34" charset="0"/>
+              <a:buChar char="•"/>
+            </a:pPr>
+            <a:r>
+              <a:rPr lang="en-GB" altLang="zh-CN" b="1" dirty="0">
+                <a:latin typeface="微软雅黑" panose="020B0503020204020204" pitchFamily="34" charset="-122"/>
+                <a:ea typeface="微软雅黑" panose="020B0503020204020204" pitchFamily="34" charset="-122"/>
+              </a:rPr>
+              <a:t>DTM</a:t>
+            </a:r>
+            <a:r>
+              <a:rPr lang="zh-CN" altLang="en-GB" b="1" dirty="0">
+                <a:latin typeface="微软雅黑" panose="020B0503020204020204" pitchFamily="34" charset="-122"/>
+                <a:ea typeface="微软雅黑" panose="020B0503020204020204" pitchFamily="34" charset="-122"/>
+              </a:rPr>
+              <a:t>：</a:t>
+            </a:r>
+            <a:r>
+              <a:rPr lang="en-US" altLang="zh-CN" sz="1400" b="1" dirty="0" err="1">
+                <a:latin typeface="微软雅黑" panose="020B0503020204020204" pitchFamily="34" charset="-122"/>
+                <a:ea typeface="微软雅黑" panose="020B0503020204020204" pitchFamily="34" charset="-122"/>
+              </a:rPr>
+              <a:t>Thermospheric</a:t>
+            </a:r>
+            <a:r>
+              <a:rPr lang="en-US" altLang="zh-CN" sz="1400" b="1" dirty="0">
+                <a:latin typeface="微软雅黑" panose="020B0503020204020204" pitchFamily="34" charset="-122"/>
+                <a:ea typeface="微软雅黑" panose="020B0503020204020204" pitchFamily="34" charset="-122"/>
+              </a:rPr>
+              <a:t> Density Model</a:t>
+            </a:r>
+            <a:r>
+              <a:rPr lang="zh-CN" altLang="en-US" sz="1400" b="1" dirty="0">
+                <a:latin typeface="微软雅黑" panose="020B0503020204020204" pitchFamily="34" charset="-122"/>
+                <a:ea typeface="微软雅黑" panose="020B0503020204020204" pitchFamily="34" charset="-122"/>
+              </a:rPr>
+              <a:t>，主要基于卫星阻力反演的大气密度</a:t>
+            </a:r>
+            <a:endParaRPr lang="en-US" altLang="zh-CN" sz="1400" b="1" dirty="0">
+              <a:latin typeface="微软雅黑" panose="020B0503020204020204" pitchFamily="34" charset="-122"/>
+              <a:ea typeface="微软雅黑" panose="020B0503020204020204" pitchFamily="34" charset="-122"/>
+            </a:endParaRPr>
+          </a:p>
+          <a:p>
+            <a:pPr marL="627063" lvl="1" indent="-342900">
+              <a:lnSpc>
+                <a:spcPct val="120000"/>
+              </a:lnSpc>
+              <a:buFont typeface="Arial" panose="020B0604020202020204" pitchFamily="34" charset="0"/>
+              <a:buChar char="•"/>
+            </a:pPr>
+            <a:r>
+              <a:rPr lang="en-US" altLang="zh-CN" b="1" dirty="0">
+                <a:latin typeface="微软雅黑" panose="020B0503020204020204" pitchFamily="34" charset="-122"/>
+                <a:ea typeface="微软雅黑" panose="020B0503020204020204" pitchFamily="34" charset="-122"/>
+              </a:rPr>
+              <a:t>GOST 2004 </a:t>
+            </a:r>
+            <a:r>
+              <a:rPr lang="zh-CN" altLang="en-US" sz="1400" b="1" dirty="0">
+                <a:latin typeface="微软雅黑" panose="020B0503020204020204" pitchFamily="34" charset="-122"/>
+                <a:ea typeface="微软雅黑" panose="020B0503020204020204" pitchFamily="34" charset="-122"/>
+              </a:rPr>
+              <a:t>俄罗斯大气密度模型</a:t>
+            </a:r>
+            <a:endParaRPr lang="en-US" altLang="zh-CN" sz="2400" b="1" dirty="0">
+              <a:latin typeface="微软雅黑" panose="020B0503020204020204" pitchFamily="34" charset="-122"/>
+              <a:ea typeface="微软雅黑" panose="020B0503020204020204" pitchFamily="34" charset="-122"/>
+            </a:endParaRPr>
+          </a:p>
+          <a:p>
+            <a:pPr marL="627063" lvl="1" indent="-342900">
+              <a:lnSpc>
+                <a:spcPct val="120000"/>
+              </a:lnSpc>
+              <a:buFont typeface="Arial" panose="020B0604020202020204" pitchFamily="34" charset="0"/>
+              <a:buChar char="•"/>
+            </a:pPr>
+            <a:r>
+              <a:rPr lang="en-US" altLang="zh-CN" b="1" dirty="0">
+                <a:latin typeface="微软雅黑" panose="020B0503020204020204" pitchFamily="34" charset="-122"/>
+                <a:ea typeface="微软雅黑" panose="020B0503020204020204" pitchFamily="34" charset="-122"/>
+              </a:rPr>
+              <a:t>PMO-2000</a:t>
+            </a:r>
             <a:endParaRPr lang="en-US" altLang="zh-CN" sz="2800" b="1" dirty="0">
               <a:solidFill>
                 <a:srgbClr val="0000FF"/>
@@ -4059,48 +8508,6 @@
               <a:t>8</a:t>
             </a:fld>
             <a:endParaRPr kumimoji="1" lang="zh-CN" altLang="en-US"/>
-          </a:p>
-        </p:txBody>
-      </p:sp>
-      <p:sp>
-        <p:nvSpPr>
-          <p:cNvPr id="6" name="矩形 5"/>
-          <p:cNvSpPr/>
-          <p:nvPr/>
-        </p:nvSpPr>
-        <p:spPr>
-          <a:xfrm>
-            <a:off x="3327171" y="6023928"/>
-            <a:ext cx="6082030" cy="645160"/>
-          </a:xfrm>
-          <a:prstGeom prst="rect">
-            <a:avLst/>
-          </a:prstGeom>
-        </p:spPr>
-        <p:txBody>
-          <a:bodyPr wrap="square">
-            <a:spAutoFit/>
-          </a:bodyPr>
-          <a:lstStyle/>
-          <a:p>
-            <a:pPr algn="ctr" fontAlgn="auto">
-              <a:lnSpc>
-                <a:spcPct val="150000"/>
-              </a:lnSpc>
-              <a:spcAft>
-                <a:spcPts val="0"/>
-              </a:spcAft>
-            </a:pPr>
-            <a:r>
-              <a:rPr lang="zh-CN" sz="2400" b="1" dirty="0">
-                <a:solidFill>
-                  <a:srgbClr val="FF0000"/>
-                </a:solidFill>
-                <a:latin typeface="微软雅黑" panose="020B0503020204020204" pitchFamily="34" charset="-122"/>
-                <a:ea typeface="微软雅黑" panose="020B0503020204020204" pitchFamily="34" charset="-122"/>
-              </a:rPr>
-              <a:t>根据页面具体情况可略微调整</a:t>
-            </a:r>
           </a:p>
         </p:txBody>
       </p:sp>
@@ -4160,10 +8567,937 @@
           </a:p>
         </p:txBody>
       </p:sp>
+      <p:grpSp>
+        <p:nvGrpSpPr>
+          <p:cNvPr id="30" name="组合 29">
+            <a:extLst>
+              <a:ext uri="{FF2B5EF4-FFF2-40B4-BE49-F238E27FC236}">
+                <a16:creationId xmlns:a16="http://schemas.microsoft.com/office/drawing/2014/main" id="{BFA71F83-B242-2976-E00B-9D8682E9FA1A}"/>
+              </a:ext>
+            </a:extLst>
+          </p:cNvPr>
+          <p:cNvGrpSpPr/>
+          <p:nvPr/>
+        </p:nvGrpSpPr>
+        <p:grpSpPr>
+          <a:xfrm>
+            <a:off x="8310359" y="2305228"/>
+            <a:ext cx="3196925" cy="1311451"/>
+            <a:chOff x="7480091" y="2117549"/>
+            <a:chExt cx="3196925" cy="1311451"/>
+          </a:xfrm>
+        </p:grpSpPr>
+        <p:sp>
+          <p:nvSpPr>
+            <p:cNvPr id="23" name="文本框 22">
+              <a:extLst>
+                <a:ext uri="{FF2B5EF4-FFF2-40B4-BE49-F238E27FC236}">
+                  <a16:creationId xmlns:a16="http://schemas.microsoft.com/office/drawing/2014/main" id="{CF363CF8-37B8-31BA-C65F-EBDB469F931A}"/>
+                </a:ext>
+              </a:extLst>
+            </p:cNvPr>
+            <p:cNvSpPr txBox="1"/>
+            <p:nvPr/>
+          </p:nvSpPr>
+          <p:spPr>
+            <a:xfrm>
+              <a:off x="7480091" y="2117549"/>
+              <a:ext cx="3196925" cy="1261884"/>
+            </a:xfrm>
+            <a:prstGeom prst="rect">
+              <a:avLst/>
+            </a:prstGeom>
+            <a:noFill/>
+            <a:ln w="12700">
+              <a:solidFill>
+                <a:srgbClr val="0000FF"/>
+              </a:solidFill>
+            </a:ln>
+          </p:spPr>
+          <p:txBody>
+            <a:bodyPr wrap="square">
+              <a:spAutoFit/>
+            </a:bodyPr>
+            <a:lstStyle/>
+            <a:p>
+              <a:pPr algn="ctr" fontAlgn="auto">
+                <a:spcAft>
+                  <a:spcPts val="0"/>
+                </a:spcAft>
+              </a:pPr>
+              <a:r>
+                <a:rPr lang="zh-CN" altLang="en-US" sz="2000" b="1" dirty="0">
+                  <a:solidFill>
+                    <a:srgbClr val="0000FF"/>
+                  </a:solidFill>
+                  <a:latin typeface="微软雅黑" panose="020B0503020204020204" pitchFamily="34" charset="-122"/>
+                  <a:ea typeface="微软雅黑" panose="020B0503020204020204" pitchFamily="34" charset="-122"/>
+                </a:rPr>
+                <a:t>极紫外辐射</a:t>
+              </a:r>
+              <a:endParaRPr lang="en-US" altLang="zh-CN" sz="2000" b="1" dirty="0">
+                <a:solidFill>
+                  <a:srgbClr val="0000FF"/>
+                </a:solidFill>
+                <a:latin typeface="微软雅黑" panose="020B0503020204020204" pitchFamily="34" charset="-122"/>
+                <a:ea typeface="微软雅黑" panose="020B0503020204020204" pitchFamily="34" charset="-122"/>
+              </a:endParaRPr>
+            </a:p>
+            <a:p>
+              <a:pPr algn="ctr" fontAlgn="auto">
+                <a:spcAft>
+                  <a:spcPts val="0"/>
+                </a:spcAft>
+              </a:pPr>
+              <a:r>
+                <a:rPr lang="zh-CN" altLang="en-US" sz="1400" b="1" dirty="0">
+                  <a:solidFill>
+                    <a:srgbClr val="0000FF"/>
+                  </a:solidFill>
+                  <a:latin typeface="微软雅黑" panose="020B0503020204020204" pitchFamily="34" charset="-122"/>
+                  <a:ea typeface="微软雅黑" panose="020B0503020204020204" pitchFamily="34" charset="-122"/>
+                </a:rPr>
+                <a:t>（太阳自转</a:t>
+              </a:r>
+              <a:r>
+                <a:rPr lang="en-US" altLang="zh-CN" sz="1400" b="1" dirty="0">
+                  <a:solidFill>
+                    <a:srgbClr val="0000FF"/>
+                  </a:solidFill>
+                  <a:latin typeface="微软雅黑" panose="020B0503020204020204" pitchFamily="34" charset="-122"/>
+                  <a:ea typeface="微软雅黑" panose="020B0503020204020204" pitchFamily="34" charset="-122"/>
+                </a:rPr>
+                <a:t>27</a:t>
+              </a:r>
+              <a:r>
+                <a:rPr lang="zh-CN" altLang="en-US" sz="1400" b="1" dirty="0">
+                  <a:solidFill>
+                    <a:srgbClr val="0000FF"/>
+                  </a:solidFill>
+                  <a:latin typeface="微软雅黑" panose="020B0503020204020204" pitchFamily="34" charset="-122"/>
+                  <a:ea typeface="微软雅黑" panose="020B0503020204020204" pitchFamily="34" charset="-122"/>
+                </a:rPr>
+                <a:t>天；太阳活动周期</a:t>
+              </a:r>
+              <a:r>
+                <a:rPr lang="en-US" altLang="zh-CN" sz="1400" b="1" dirty="0">
+                  <a:solidFill>
+                    <a:srgbClr val="0000FF"/>
+                  </a:solidFill>
+                  <a:latin typeface="微软雅黑" panose="020B0503020204020204" pitchFamily="34" charset="-122"/>
+                  <a:ea typeface="微软雅黑" panose="020B0503020204020204" pitchFamily="34" charset="-122"/>
+                </a:rPr>
+                <a:t>11</a:t>
+              </a:r>
+              <a:r>
+                <a:rPr lang="zh-CN" altLang="en-US" sz="1400" b="1" dirty="0">
+                  <a:solidFill>
+                    <a:srgbClr val="0000FF"/>
+                  </a:solidFill>
+                  <a:latin typeface="微软雅黑" panose="020B0503020204020204" pitchFamily="34" charset="-122"/>
+                  <a:ea typeface="微软雅黑" panose="020B0503020204020204" pitchFamily="34" charset="-122"/>
+                </a:rPr>
+                <a:t>年）</a:t>
+              </a:r>
+              <a:endParaRPr lang="en-US" altLang="zh-CN" sz="1600" b="1" dirty="0">
+                <a:solidFill>
+                  <a:srgbClr val="0000FF"/>
+                </a:solidFill>
+                <a:latin typeface="微软雅黑" panose="020B0503020204020204" pitchFamily="34" charset="-122"/>
+                <a:ea typeface="微软雅黑" panose="020B0503020204020204" pitchFamily="34" charset="-122"/>
+              </a:endParaRPr>
+            </a:p>
+            <a:p>
+              <a:pPr marL="285750" marR="0" lvl="0" indent="-285750" defTabSz="914400" rtl="0" eaLnBrk="1" fontAlgn="auto" latinLnBrk="0" hangingPunct="1">
+                <a:lnSpc>
+                  <a:spcPct val="100000"/>
+                </a:lnSpc>
+                <a:spcBef>
+                  <a:spcPts val="600"/>
+                </a:spcBef>
+                <a:spcAft>
+                  <a:spcPts val="0"/>
+                </a:spcAft>
+                <a:buClrTx/>
+                <a:buSzTx/>
+                <a:buFont typeface="Wingdings" panose="05000000000000000000" pitchFamily="2" charset="2"/>
+                <a:buChar char="Ø"/>
+                <a:tabLst/>
+                <a:defRPr/>
+              </a:pPr>
+              <a:r>
+                <a:rPr kumimoji="0" lang="zh-CN" altLang="en-US" sz="1600" b="1" i="0" u="none" strike="noStrike" kern="1200" cap="none" spc="0" normalizeH="0" baseline="0" noProof="0" dirty="0">
+                  <a:ln>
+                    <a:noFill/>
+                  </a:ln>
+                  <a:solidFill>
+                    <a:srgbClr val="0000FF"/>
+                  </a:solidFill>
+                  <a:effectLst/>
+                  <a:uLnTx/>
+                  <a:uFillTx/>
+                  <a:latin typeface="微软雅黑" panose="020B0503020204020204" pitchFamily="34" charset="-122"/>
+                  <a:ea typeface="微软雅黑" panose="020B0503020204020204" pitchFamily="34" charset="-122"/>
+                  <a:cs typeface="+mn-cs"/>
+                </a:rPr>
+                <a:t>与</a:t>
+              </a:r>
+              <a:r>
+                <a:rPr kumimoji="0" lang="en-US" altLang="zh-CN" sz="1600" b="1" i="0" u="none" strike="noStrike" kern="1200" cap="none" spc="0" normalizeH="0" baseline="0" noProof="0" dirty="0">
+                  <a:ln>
+                    <a:noFill/>
+                  </a:ln>
+                  <a:solidFill>
+                    <a:srgbClr val="0000FF"/>
+                  </a:solidFill>
+                  <a:effectLst/>
+                  <a:uLnTx/>
+                  <a:uFillTx/>
+                  <a:latin typeface="微软雅黑" panose="020B0503020204020204" pitchFamily="34" charset="-122"/>
+                  <a:ea typeface="微软雅黑" panose="020B0503020204020204" pitchFamily="34" charset="-122"/>
+                  <a:cs typeface="+mn-cs"/>
+                </a:rPr>
+                <a:t>10.7cm </a:t>
+              </a:r>
+              <a:r>
+                <a:rPr kumimoji="0" lang="zh-CN" altLang="en-US" sz="1600" b="1" i="0" u="none" strike="noStrike" kern="1200" cap="none" spc="0" normalizeH="0" baseline="0" noProof="0" dirty="0">
+                  <a:ln>
+                    <a:noFill/>
+                  </a:ln>
+                  <a:solidFill>
+                    <a:srgbClr val="0000FF"/>
+                  </a:solidFill>
+                  <a:effectLst/>
+                  <a:uLnTx/>
+                  <a:uFillTx/>
+                  <a:latin typeface="微软雅黑" panose="020B0503020204020204" pitchFamily="34" charset="-122"/>
+                  <a:ea typeface="微软雅黑" panose="020B0503020204020204" pitchFamily="34" charset="-122"/>
+                  <a:cs typeface="+mn-cs"/>
+                </a:rPr>
+                <a:t>射电辐射相关</a:t>
+              </a:r>
+              <a:endParaRPr kumimoji="0" lang="en-US" altLang="zh-CN" sz="1600" b="1" i="0" u="none" strike="noStrike" kern="1200" cap="none" spc="0" normalizeH="0" baseline="0" noProof="0" dirty="0">
+                <a:ln>
+                  <a:noFill/>
+                </a:ln>
+                <a:solidFill>
+                  <a:srgbClr val="0000FF"/>
+                </a:solidFill>
+                <a:effectLst/>
+                <a:uLnTx/>
+                <a:uFillTx/>
+                <a:latin typeface="微软雅黑" panose="020B0503020204020204" pitchFamily="34" charset="-122"/>
+                <a:ea typeface="微软雅黑" panose="020B0503020204020204" pitchFamily="34" charset="-122"/>
+                <a:cs typeface="+mn-cs"/>
+              </a:endParaRPr>
+            </a:p>
+            <a:p>
+              <a:pPr marL="285750" marR="0" lvl="0" indent="-285750" defTabSz="914400" rtl="0" eaLnBrk="1" fontAlgn="auto" latinLnBrk="0" hangingPunct="1">
+                <a:lnSpc>
+                  <a:spcPct val="100000"/>
+                </a:lnSpc>
+                <a:spcBef>
+                  <a:spcPts val="600"/>
+                </a:spcBef>
+                <a:spcAft>
+                  <a:spcPts val="0"/>
+                </a:spcAft>
+                <a:buClrTx/>
+                <a:buSzTx/>
+                <a:buFont typeface="Wingdings" panose="05000000000000000000" pitchFamily="2" charset="2"/>
+                <a:buChar char="Ø"/>
+                <a:tabLst/>
+                <a:defRPr/>
+              </a:pPr>
+              <a:r>
+                <a:rPr lang="en-US" altLang="zh-CN" sz="1600" b="1" dirty="0">
+                  <a:solidFill>
+                    <a:srgbClr val="0000FF"/>
+                  </a:solidFill>
+                  <a:latin typeface="微软雅黑" panose="020B0503020204020204" pitchFamily="34" charset="-122"/>
+                  <a:ea typeface="微软雅黑" panose="020B0503020204020204" pitchFamily="34" charset="-122"/>
+                </a:rPr>
+                <a:t>81</a:t>
+              </a:r>
+              <a:r>
+                <a:rPr lang="zh-CN" altLang="en-US" sz="1600" b="1" dirty="0">
+                  <a:solidFill>
+                    <a:srgbClr val="0000FF"/>
+                  </a:solidFill>
+                  <a:latin typeface="微软雅黑" panose="020B0503020204020204" pitchFamily="34" charset="-122"/>
+                  <a:ea typeface="微软雅黑" panose="020B0503020204020204" pitchFamily="34" charset="-122"/>
+                </a:rPr>
+                <a:t>天平均值（</a:t>
+              </a:r>
+              <a:r>
+                <a:rPr lang="en-US" altLang="zh-CN" sz="1600" b="1" dirty="0">
+                  <a:solidFill>
+                    <a:srgbClr val="0000FF"/>
+                  </a:solidFill>
+                  <a:latin typeface="微软雅黑" panose="020B0503020204020204" pitchFamily="34" charset="-122"/>
+                  <a:ea typeface="微软雅黑" panose="020B0503020204020204" pitchFamily="34" charset="-122"/>
+                </a:rPr>
+                <a:t>3</a:t>
+              </a:r>
+              <a:r>
+                <a:rPr lang="zh-CN" altLang="en-US" sz="1600" b="1" dirty="0">
+                  <a:solidFill>
+                    <a:srgbClr val="0000FF"/>
+                  </a:solidFill>
+                  <a:latin typeface="微软雅黑" panose="020B0503020204020204" pitchFamily="34" charset="-122"/>
+                  <a:ea typeface="微软雅黑" panose="020B0503020204020204" pitchFamily="34" charset="-122"/>
+                </a:rPr>
+                <a:t>个周期）</a:t>
+              </a:r>
+              <a:endParaRPr kumimoji="0" lang="en-US" altLang="zh-CN" sz="1200" b="1" i="0" u="none" strike="noStrike" kern="1200" cap="none" spc="0" normalizeH="0" baseline="0" noProof="0" dirty="0">
+                <a:ln>
+                  <a:noFill/>
+                </a:ln>
+                <a:solidFill>
+                  <a:srgbClr val="0000FF"/>
+                </a:solidFill>
+                <a:effectLst/>
+                <a:uLnTx/>
+                <a:uFillTx/>
+                <a:latin typeface="微软雅黑" panose="020B0503020204020204" pitchFamily="34" charset="-122"/>
+                <a:ea typeface="微软雅黑" panose="020B0503020204020204" pitchFamily="34" charset="-122"/>
+                <a:cs typeface="+mn-cs"/>
+              </a:endParaRPr>
+            </a:p>
+          </p:txBody>
+        </p:sp>
+        <p:graphicFrame>
+          <p:nvGraphicFramePr>
+            <p:cNvPr id="15" name="对象 14">
+              <a:extLst>
+                <a:ext uri="{FF2B5EF4-FFF2-40B4-BE49-F238E27FC236}">
+                  <a16:creationId xmlns:a16="http://schemas.microsoft.com/office/drawing/2014/main" id="{3CDCBC57-6EE1-7E41-5EBF-F05004CA6A28}"/>
+                </a:ext>
+              </a:extLst>
+            </p:cNvPr>
+            <p:cNvGraphicFramePr>
+              <a:graphicFrameLocks noChangeAspect="1"/>
+            </p:cNvGraphicFramePr>
+            <p:nvPr>
+              <p:extLst>
+                <p:ext uri="{D42A27DB-BD31-4B8C-83A1-F6EECF244321}">
+                  <p14:modId xmlns:p14="http://schemas.microsoft.com/office/powerpoint/2010/main" val="603835842"/>
+                </p:ext>
+              </p:extLst>
+            </p:nvPr>
+          </p:nvGraphicFramePr>
+          <p:xfrm>
+            <a:off x="10130916" y="2716290"/>
+            <a:ext cx="546100" cy="381000"/>
+          </p:xfrm>
+          <a:graphic>
+            <a:graphicData uri="http://schemas.openxmlformats.org/presentationml/2006/ole">
+              <mc:AlternateContent xmlns:mc="http://schemas.openxmlformats.org/markup-compatibility/2006">
+                <mc:Choice xmlns:v="urn:schemas-microsoft-com:vml" Requires="v">
+                  <p:oleObj name="AxMath" r:id="rId2" imgW="272520" imgH="190440" progId="Equation.AxMath">
+                    <p:embed/>
+                  </p:oleObj>
+                </mc:Choice>
+                <mc:Fallback>
+                  <p:oleObj name="AxMath" r:id="rId2" imgW="272520" imgH="190440" progId="Equation.AxMath">
+                    <p:embed/>
+                    <p:pic>
+                      <p:nvPicPr>
+                        <p:cNvPr id="0" name=""/>
+                        <p:cNvPicPr/>
+                        <p:nvPr/>
+                      </p:nvPicPr>
+                      <p:blipFill>
+                        <a:blip r:embed="rId3"/>
+                        <a:stretch>
+                          <a:fillRect/>
+                        </a:stretch>
+                      </p:blipFill>
+                      <p:spPr>
+                        <a:xfrm>
+                          <a:off x="10130916" y="2716290"/>
+                          <a:ext cx="546100" cy="381000"/>
+                        </a:xfrm>
+                        <a:prstGeom prst="rect">
+                          <a:avLst/>
+                        </a:prstGeom>
+                      </p:spPr>
+                    </p:pic>
+                  </p:oleObj>
+                </mc:Fallback>
+              </mc:AlternateContent>
+            </a:graphicData>
+          </a:graphic>
+        </p:graphicFrame>
+        <p:graphicFrame>
+          <p:nvGraphicFramePr>
+            <p:cNvPr id="29" name="对象 28">
+              <a:extLst>
+                <a:ext uri="{FF2B5EF4-FFF2-40B4-BE49-F238E27FC236}">
+                  <a16:creationId xmlns:a16="http://schemas.microsoft.com/office/drawing/2014/main" id="{93313CB7-71ED-F4F6-FE0D-8B55DF1F5A54}"/>
+                </a:ext>
+              </a:extLst>
+            </p:cNvPr>
+            <p:cNvGraphicFramePr>
+              <a:graphicFrameLocks noChangeAspect="1"/>
+            </p:cNvGraphicFramePr>
+            <p:nvPr>
+              <p:extLst>
+                <p:ext uri="{D42A27DB-BD31-4B8C-83A1-F6EECF244321}">
+                  <p14:modId xmlns:p14="http://schemas.microsoft.com/office/powerpoint/2010/main" val="1307641525"/>
+                </p:ext>
+              </p:extLst>
+            </p:nvPr>
+          </p:nvGraphicFramePr>
+          <p:xfrm>
+            <a:off x="10010266" y="3048000"/>
+            <a:ext cx="393700" cy="381000"/>
+          </p:xfrm>
+          <a:graphic>
+            <a:graphicData uri="http://schemas.openxmlformats.org/presentationml/2006/ole">
+              <mc:AlternateContent xmlns:mc="http://schemas.openxmlformats.org/markup-compatibility/2006">
+                <mc:Choice xmlns:v="urn:schemas-microsoft-com:vml" Requires="v">
+                  <p:oleObj name="AxMath" r:id="rId4" imgW="196200" imgH="190440" progId="Equation.AxMath">
+                    <p:embed/>
+                  </p:oleObj>
+                </mc:Choice>
+                <mc:Fallback>
+                  <p:oleObj name="AxMath" r:id="rId4" imgW="196200" imgH="190440" progId="Equation.AxMath">
+                    <p:embed/>
+                    <p:pic>
+                      <p:nvPicPr>
+                        <p:cNvPr id="15" name="对象 14">
+                          <a:extLst>
+                            <a:ext uri="{FF2B5EF4-FFF2-40B4-BE49-F238E27FC236}">
+                              <a16:creationId xmlns:a16="http://schemas.microsoft.com/office/drawing/2014/main" id="{3CDCBC57-6EE1-7E41-5EBF-F05004CA6A28}"/>
+                            </a:ext>
+                          </a:extLst>
+                        </p:cNvPr>
+                        <p:cNvPicPr/>
+                        <p:nvPr/>
+                      </p:nvPicPr>
+                      <p:blipFill>
+                        <a:blip r:embed="rId5"/>
+                        <a:stretch>
+                          <a:fillRect/>
+                        </a:stretch>
+                      </p:blipFill>
+                      <p:spPr>
+                        <a:xfrm>
+                          <a:off x="10010266" y="3048000"/>
+                          <a:ext cx="393700" cy="381000"/>
+                        </a:xfrm>
+                        <a:prstGeom prst="rect">
+                          <a:avLst/>
+                        </a:prstGeom>
+                      </p:spPr>
+                    </p:pic>
+                  </p:oleObj>
+                </mc:Fallback>
+              </mc:AlternateContent>
+            </a:graphicData>
+          </a:graphic>
+        </p:graphicFrame>
+      </p:grpSp>
+      <p:pic>
+        <p:nvPicPr>
+          <p:cNvPr id="21" name="图片 20">
+            <a:extLst>
+              <a:ext uri="{FF2B5EF4-FFF2-40B4-BE49-F238E27FC236}">
+                <a16:creationId xmlns:a16="http://schemas.microsoft.com/office/drawing/2014/main" id="{6D1837B5-93B2-62EE-54FB-78F0158A98A1}"/>
+              </a:ext>
+            </a:extLst>
+          </p:cNvPr>
+          <p:cNvPicPr>
+            <a:picLocks noChangeAspect="1"/>
+          </p:cNvPicPr>
+          <p:nvPr/>
+        </p:nvPicPr>
+        <p:blipFill>
+          <a:blip r:embed="rId6"/>
+          <a:stretch>
+            <a:fillRect/>
+          </a:stretch>
+        </p:blipFill>
+        <p:spPr>
+          <a:xfrm>
+            <a:off x="316030" y="5335676"/>
+            <a:ext cx="5656396" cy="743656"/>
+          </a:xfrm>
+          <a:prstGeom prst="rect">
+            <a:avLst/>
+          </a:prstGeom>
+        </p:spPr>
+      </p:pic>
+      <p:grpSp>
+        <p:nvGrpSpPr>
+          <p:cNvPr id="28" name="组合 27">
+            <a:extLst>
+              <a:ext uri="{FF2B5EF4-FFF2-40B4-BE49-F238E27FC236}">
+                <a16:creationId xmlns:a16="http://schemas.microsoft.com/office/drawing/2014/main" id="{19A174D6-7F25-6E63-9912-9F2C3099D161}"/>
+              </a:ext>
+            </a:extLst>
+          </p:cNvPr>
+          <p:cNvGrpSpPr/>
+          <p:nvPr/>
+        </p:nvGrpSpPr>
+        <p:grpSpPr>
+          <a:xfrm>
+            <a:off x="566212" y="4153195"/>
+            <a:ext cx="5220217" cy="1075353"/>
+            <a:chOff x="6093777" y="3897532"/>
+            <a:chExt cx="5220217" cy="1075353"/>
+          </a:xfrm>
+        </p:grpSpPr>
+        <p:sp>
+          <p:nvSpPr>
+            <p:cNvPr id="17" name="文本框 16">
+              <a:extLst>
+                <a:ext uri="{FF2B5EF4-FFF2-40B4-BE49-F238E27FC236}">
+                  <a16:creationId xmlns:a16="http://schemas.microsoft.com/office/drawing/2014/main" id="{CE62D365-FDF1-50D5-4612-C1C478E5B2E4}"/>
+                </a:ext>
+              </a:extLst>
+            </p:cNvPr>
+            <p:cNvSpPr txBox="1"/>
+            <p:nvPr/>
+          </p:nvSpPr>
+          <p:spPr>
+            <a:xfrm>
+              <a:off x="6093777" y="3897532"/>
+              <a:ext cx="5220217" cy="1046440"/>
+            </a:xfrm>
+            <a:prstGeom prst="rect">
+              <a:avLst/>
+            </a:prstGeom>
+            <a:noFill/>
+            <a:ln w="12700">
+              <a:solidFill>
+                <a:srgbClr val="0000FF"/>
+              </a:solidFill>
+            </a:ln>
+          </p:spPr>
+          <p:txBody>
+            <a:bodyPr wrap="square">
+              <a:spAutoFit/>
+            </a:bodyPr>
+            <a:lstStyle/>
+            <a:p>
+              <a:pPr algn="ctr" fontAlgn="auto">
+                <a:spcAft>
+                  <a:spcPts val="0"/>
+                </a:spcAft>
+              </a:pPr>
+              <a:r>
+                <a:rPr lang="zh-CN" altLang="en-US" sz="2000" b="1" dirty="0">
+                  <a:solidFill>
+                    <a:srgbClr val="0000FF"/>
+                  </a:solidFill>
+                  <a:latin typeface="微软雅黑" panose="020B0503020204020204" pitchFamily="34" charset="-122"/>
+                  <a:ea typeface="微软雅黑" panose="020B0503020204020204" pitchFamily="34" charset="-122"/>
+                </a:rPr>
+                <a:t>地磁活动指数</a:t>
+              </a:r>
+              <a:endParaRPr lang="en-US" altLang="zh-CN" sz="2000" b="1" dirty="0">
+                <a:solidFill>
+                  <a:srgbClr val="0000FF"/>
+                </a:solidFill>
+                <a:latin typeface="微软雅黑" panose="020B0503020204020204" pitchFamily="34" charset="-122"/>
+                <a:ea typeface="微软雅黑" panose="020B0503020204020204" pitchFamily="34" charset="-122"/>
+              </a:endParaRPr>
+            </a:p>
+            <a:p>
+              <a:pPr marL="285750" indent="-285750" fontAlgn="auto">
+                <a:spcBef>
+                  <a:spcPts val="600"/>
+                </a:spcBef>
+                <a:spcAft>
+                  <a:spcPts val="0"/>
+                </a:spcAft>
+                <a:buFont typeface="Wingdings" panose="05000000000000000000" pitchFamily="2" charset="2"/>
+                <a:buChar char="Ø"/>
+              </a:pPr>
+              <a:r>
+                <a:rPr lang="en-US" altLang="zh-CN" sz="1600" b="1" dirty="0">
+                  <a:solidFill>
+                    <a:srgbClr val="0000FF"/>
+                  </a:solidFill>
+                  <a:latin typeface="微软雅黑" panose="020B0503020204020204" pitchFamily="34" charset="-122"/>
+                  <a:ea typeface="微软雅黑" panose="020B0503020204020204" pitchFamily="34" charset="-122"/>
+                </a:rPr>
+                <a:t>three-hourly planetary geomagnetic index</a:t>
+              </a:r>
+            </a:p>
+            <a:p>
+              <a:pPr marL="285750" indent="-285750" fontAlgn="auto">
+                <a:spcBef>
+                  <a:spcPts val="600"/>
+                </a:spcBef>
+                <a:spcAft>
+                  <a:spcPts val="0"/>
+                </a:spcAft>
+                <a:buFont typeface="Wingdings" panose="05000000000000000000" pitchFamily="2" charset="2"/>
+                <a:buChar char="Ø"/>
+              </a:pPr>
+              <a:r>
+                <a:rPr lang="en-US" altLang="zh-CN" sz="1600" b="1" dirty="0">
+                  <a:solidFill>
+                    <a:srgbClr val="0000FF"/>
+                  </a:solidFill>
+                  <a:latin typeface="微软雅黑" panose="020B0503020204020204" pitchFamily="34" charset="-122"/>
+                  <a:ea typeface="微软雅黑" panose="020B0503020204020204" pitchFamily="34" charset="-122"/>
+                </a:rPr>
+                <a:t>three-hourly planetary amplitude index</a:t>
+              </a:r>
+              <a:endParaRPr lang="en-US" altLang="zh-CN" sz="2000" b="1" dirty="0">
+                <a:solidFill>
+                  <a:srgbClr val="0000FF"/>
+                </a:solidFill>
+                <a:latin typeface="微软雅黑" panose="020B0503020204020204" pitchFamily="34" charset="-122"/>
+                <a:ea typeface="微软雅黑" panose="020B0503020204020204" pitchFamily="34" charset="-122"/>
+              </a:endParaRPr>
+            </a:p>
+          </p:txBody>
+        </p:sp>
+        <p:graphicFrame>
+          <p:nvGraphicFramePr>
+            <p:cNvPr id="24" name="对象 23">
+              <a:extLst>
+                <a:ext uri="{FF2B5EF4-FFF2-40B4-BE49-F238E27FC236}">
+                  <a16:creationId xmlns:a16="http://schemas.microsoft.com/office/drawing/2014/main" id="{89BAA5E9-535E-B9CB-09F6-88E122568534}"/>
+                </a:ext>
+              </a:extLst>
+            </p:cNvPr>
+            <p:cNvGraphicFramePr>
+              <a:graphicFrameLocks noChangeAspect="1"/>
+            </p:cNvGraphicFramePr>
+            <p:nvPr>
+              <p:extLst>
+                <p:ext uri="{D42A27DB-BD31-4B8C-83A1-F6EECF244321}">
+                  <p14:modId xmlns:p14="http://schemas.microsoft.com/office/powerpoint/2010/main" val="456717084"/>
+                </p:ext>
+              </p:extLst>
+            </p:nvPr>
+          </p:nvGraphicFramePr>
+          <p:xfrm>
+            <a:off x="10891707" y="4284767"/>
+            <a:ext cx="365125" cy="381000"/>
+          </p:xfrm>
+          <a:graphic>
+            <a:graphicData uri="http://schemas.openxmlformats.org/presentationml/2006/ole">
+              <mc:AlternateContent xmlns:mc="http://schemas.openxmlformats.org/markup-compatibility/2006">
+                <mc:Choice xmlns:v="urn:schemas-microsoft-com:vml" Requires="v">
+                  <p:oleObj name="AxMath" r:id="rId7" imgW="182160" imgH="190440" progId="Equation.AxMath">
+                    <p:embed/>
+                  </p:oleObj>
+                </mc:Choice>
+                <mc:Fallback>
+                  <p:oleObj name="AxMath" r:id="rId7" imgW="182160" imgH="190440" progId="Equation.AxMath">
+                    <p:embed/>
+                    <p:pic>
+                      <p:nvPicPr>
+                        <p:cNvPr id="0" name=""/>
+                        <p:cNvPicPr/>
+                        <p:nvPr/>
+                      </p:nvPicPr>
+                      <p:blipFill>
+                        <a:blip r:embed="rId8"/>
+                        <a:stretch>
+                          <a:fillRect/>
+                        </a:stretch>
+                      </p:blipFill>
+                      <p:spPr>
+                        <a:xfrm>
+                          <a:off x="10891707" y="4284767"/>
+                          <a:ext cx="365125" cy="381000"/>
+                        </a:xfrm>
+                        <a:prstGeom prst="rect">
+                          <a:avLst/>
+                        </a:prstGeom>
+                      </p:spPr>
+                    </p:pic>
+                  </p:oleObj>
+                </mc:Fallback>
+              </mc:AlternateContent>
+            </a:graphicData>
+          </a:graphic>
+        </p:graphicFrame>
+        <p:graphicFrame>
+          <p:nvGraphicFramePr>
+            <p:cNvPr id="25" name="对象 24">
+              <a:extLst>
+                <a:ext uri="{FF2B5EF4-FFF2-40B4-BE49-F238E27FC236}">
+                  <a16:creationId xmlns:a16="http://schemas.microsoft.com/office/drawing/2014/main" id="{D7EDE079-9A7F-8983-046D-7A18C544CAA9}"/>
+                </a:ext>
+              </a:extLst>
+            </p:cNvPr>
+            <p:cNvGraphicFramePr>
+              <a:graphicFrameLocks noChangeAspect="1"/>
+            </p:cNvGraphicFramePr>
+            <p:nvPr>
+              <p:extLst>
+                <p:ext uri="{D42A27DB-BD31-4B8C-83A1-F6EECF244321}">
+                  <p14:modId xmlns:p14="http://schemas.microsoft.com/office/powerpoint/2010/main" val="3113943966"/>
+                </p:ext>
+              </p:extLst>
+            </p:nvPr>
+          </p:nvGraphicFramePr>
+          <p:xfrm>
+            <a:off x="10622887" y="4591885"/>
+            <a:ext cx="333375" cy="381000"/>
+          </p:xfrm>
+          <a:graphic>
+            <a:graphicData uri="http://schemas.openxmlformats.org/presentationml/2006/ole">
+              <mc:AlternateContent xmlns:mc="http://schemas.openxmlformats.org/markup-compatibility/2006">
+                <mc:Choice xmlns:v="urn:schemas-microsoft-com:vml" Requires="v">
+                  <p:oleObj name="AxMath" r:id="rId9" imgW="167040" imgH="190440" progId="Equation.AxMath">
+                    <p:embed/>
+                  </p:oleObj>
+                </mc:Choice>
+                <mc:Fallback>
+                  <p:oleObj name="AxMath" r:id="rId9" imgW="167040" imgH="190440" progId="Equation.AxMath">
+                    <p:embed/>
+                    <p:pic>
+                      <p:nvPicPr>
+                        <p:cNvPr id="0" name=""/>
+                        <p:cNvPicPr/>
+                        <p:nvPr/>
+                      </p:nvPicPr>
+                      <p:blipFill>
+                        <a:blip r:embed="rId10"/>
+                        <a:stretch>
+                          <a:fillRect/>
+                        </a:stretch>
+                      </p:blipFill>
+                      <p:spPr>
+                        <a:xfrm>
+                          <a:off x="10622887" y="4591885"/>
+                          <a:ext cx="333375" cy="381000"/>
+                        </a:xfrm>
+                        <a:prstGeom prst="rect">
+                          <a:avLst/>
+                        </a:prstGeom>
+                      </p:spPr>
+                    </p:pic>
+                  </p:oleObj>
+                </mc:Fallback>
+              </mc:AlternateContent>
+            </a:graphicData>
+          </a:graphic>
+        </p:graphicFrame>
+      </p:grpSp>
+      <p:pic>
+        <p:nvPicPr>
+          <p:cNvPr id="32" name="图片 31">
+            <a:extLst>
+              <a:ext uri="{FF2B5EF4-FFF2-40B4-BE49-F238E27FC236}">
+                <a16:creationId xmlns:a16="http://schemas.microsoft.com/office/drawing/2014/main" id="{105FEB38-38E8-C0FD-2A9F-DF9A87A2E88D}"/>
+              </a:ext>
+            </a:extLst>
+          </p:cNvPr>
+          <p:cNvPicPr>
+            <a:picLocks noChangeAspect="1"/>
+          </p:cNvPicPr>
+          <p:nvPr/>
+        </p:nvPicPr>
+        <p:blipFill>
+          <a:blip r:embed="rId11"/>
+          <a:stretch>
+            <a:fillRect/>
+          </a:stretch>
+        </p:blipFill>
+        <p:spPr>
+          <a:xfrm>
+            <a:off x="6763305" y="3744387"/>
+            <a:ext cx="5355436" cy="2282868"/>
+          </a:xfrm>
+          <a:prstGeom prst="rect">
+            <a:avLst/>
+          </a:prstGeom>
+        </p:spPr>
+      </p:pic>
+      <p:sp>
+        <p:nvSpPr>
+          <p:cNvPr id="33" name="文本框 32">
+            <a:extLst>
+              <a:ext uri="{FF2B5EF4-FFF2-40B4-BE49-F238E27FC236}">
+                <a16:creationId xmlns:a16="http://schemas.microsoft.com/office/drawing/2014/main" id="{FF8713CE-20F1-9266-88D0-E31C13D459D3}"/>
+              </a:ext>
+            </a:extLst>
+          </p:cNvPr>
+          <p:cNvSpPr txBox="1"/>
+          <p:nvPr/>
+        </p:nvSpPr>
+        <p:spPr>
+          <a:xfrm>
+            <a:off x="3523179" y="6186460"/>
+            <a:ext cx="4217829" cy="400110"/>
+          </a:xfrm>
+          <a:prstGeom prst="rect">
+            <a:avLst/>
+          </a:prstGeom>
+          <a:noFill/>
+        </p:spPr>
+        <p:txBody>
+          <a:bodyPr wrap="square">
+            <a:spAutoFit/>
+          </a:bodyPr>
+          <a:lstStyle/>
+          <a:p>
+            <a:pPr algn="ctr" fontAlgn="auto">
+              <a:spcAft>
+                <a:spcPts val="0"/>
+              </a:spcAft>
+            </a:pPr>
+            <a:r>
+              <a:rPr lang="en-GB" altLang="zh-CN" sz="2000" b="1" dirty="0">
+                <a:latin typeface="微软雅黑" panose="020B0503020204020204" pitchFamily="34" charset="-122"/>
+                <a:ea typeface="微软雅黑" panose="020B0503020204020204" pitchFamily="34" charset="-122"/>
+                <a:hlinkClick r:id="rId12"/>
+              </a:rPr>
+              <a:t>celestrak.org/</a:t>
+            </a:r>
+            <a:r>
+              <a:rPr lang="en-GB" altLang="zh-CN" sz="2000" b="1" dirty="0" err="1">
+                <a:latin typeface="微软雅黑" panose="020B0503020204020204" pitchFamily="34" charset="-122"/>
+                <a:ea typeface="微软雅黑" panose="020B0503020204020204" pitchFamily="34" charset="-122"/>
+                <a:hlinkClick r:id="rId12"/>
+              </a:rPr>
+              <a:t>SpaceData</a:t>
+            </a:r>
+            <a:endParaRPr lang="zh-CN" altLang="zh-CN" sz="2000" b="1" dirty="0">
+              <a:latin typeface="微软雅黑" panose="020B0503020204020204" pitchFamily="34" charset="-122"/>
+              <a:ea typeface="微软雅黑" panose="020B0503020204020204" pitchFamily="34" charset="-122"/>
+            </a:endParaRPr>
+          </a:p>
+        </p:txBody>
+      </p:sp>
+      <p:sp>
+        <p:nvSpPr>
+          <p:cNvPr id="35" name="文本框 34">
+            <a:extLst>
+              <a:ext uri="{FF2B5EF4-FFF2-40B4-BE49-F238E27FC236}">
+                <a16:creationId xmlns:a16="http://schemas.microsoft.com/office/drawing/2014/main" id="{5A7A7840-2A36-70CC-DBFD-A7AF24C80170}"/>
+              </a:ext>
+            </a:extLst>
+          </p:cNvPr>
+          <p:cNvSpPr txBox="1"/>
+          <p:nvPr/>
+        </p:nvSpPr>
+        <p:spPr>
+          <a:xfrm>
+            <a:off x="6870635" y="1141904"/>
+            <a:ext cx="4913378" cy="784830"/>
+          </a:xfrm>
+          <a:prstGeom prst="rect">
+            <a:avLst/>
+          </a:prstGeom>
+          <a:noFill/>
+        </p:spPr>
+        <p:txBody>
+          <a:bodyPr wrap="square">
+            <a:spAutoFit/>
+          </a:bodyPr>
+          <a:lstStyle/>
+          <a:p>
+            <a:pPr algn="ctr" fontAlgn="auto">
+              <a:spcBef>
+                <a:spcPts val="600"/>
+              </a:spcBef>
+              <a:spcAft>
+                <a:spcPts val="0"/>
+              </a:spcAft>
+            </a:pPr>
+            <a:r>
+              <a:rPr lang="zh-CN" altLang="en-US" sz="2000" b="1" dirty="0">
+                <a:solidFill>
+                  <a:srgbClr val="FF0000"/>
+                </a:solidFill>
+                <a:latin typeface="微软雅黑" panose="020B0503020204020204" pitchFamily="34" charset="-122"/>
+                <a:ea typeface="微软雅黑" panose="020B0503020204020204" pitchFamily="34" charset="-122"/>
+              </a:rPr>
+              <a:t>通常建模：卫星数据反演</a:t>
+            </a:r>
+            <a:r>
+              <a:rPr lang="en-US" altLang="zh-CN" sz="2000" b="1" dirty="0">
+                <a:solidFill>
+                  <a:srgbClr val="FF0000"/>
+                </a:solidFill>
+                <a:latin typeface="微软雅黑" panose="020B0503020204020204" pitchFamily="34" charset="-122"/>
+                <a:ea typeface="微软雅黑" panose="020B0503020204020204" pitchFamily="34" charset="-122"/>
+              </a:rPr>
+              <a:t>+</a:t>
+            </a:r>
+            <a:r>
+              <a:rPr lang="zh-CN" altLang="en-US" sz="2000" b="1" dirty="0">
+                <a:solidFill>
+                  <a:srgbClr val="FF0000"/>
+                </a:solidFill>
+                <a:latin typeface="微软雅黑" panose="020B0503020204020204" pitchFamily="34" charset="-122"/>
+                <a:ea typeface="微软雅黑" panose="020B0503020204020204" pitchFamily="34" charset="-122"/>
+              </a:rPr>
+              <a:t>参数拟合</a:t>
+            </a:r>
+            <a:endParaRPr lang="en-US" altLang="zh-CN" sz="2000" b="1" dirty="0">
+              <a:solidFill>
+                <a:srgbClr val="FF0000"/>
+              </a:solidFill>
+              <a:latin typeface="微软雅黑" panose="020B0503020204020204" pitchFamily="34" charset="-122"/>
+              <a:ea typeface="微软雅黑" panose="020B0503020204020204" pitchFamily="34" charset="-122"/>
+            </a:endParaRPr>
+          </a:p>
+          <a:p>
+            <a:pPr algn="ctr" fontAlgn="auto">
+              <a:spcBef>
+                <a:spcPts val="600"/>
+              </a:spcBef>
+              <a:spcAft>
+                <a:spcPts val="0"/>
+              </a:spcAft>
+            </a:pPr>
+            <a:r>
+              <a:rPr lang="zh-CN" altLang="en-US" sz="2000" b="1" dirty="0">
+                <a:solidFill>
+                  <a:srgbClr val="FF0000"/>
+                </a:solidFill>
+                <a:latin typeface="微软雅黑" panose="020B0503020204020204" pitchFamily="34" charset="-122"/>
+                <a:ea typeface="微软雅黑" panose="020B0503020204020204" pitchFamily="34" charset="-122"/>
+              </a:rPr>
+              <a:t>误差</a:t>
+            </a:r>
+            <a:r>
+              <a:rPr lang="en-US" altLang="zh-CN" sz="2000" b="1" dirty="0">
+                <a:solidFill>
+                  <a:srgbClr val="FF0000"/>
+                </a:solidFill>
+                <a:latin typeface="微软雅黑" panose="020B0503020204020204" pitchFamily="34" charset="-122"/>
+                <a:ea typeface="微软雅黑" panose="020B0503020204020204" pitchFamily="34" charset="-122"/>
+              </a:rPr>
+              <a:t>~15%</a:t>
+            </a:r>
+            <a:r>
+              <a:rPr lang="zh-CN" altLang="en-US" b="1" dirty="0">
+                <a:solidFill>
+                  <a:srgbClr val="FF0000"/>
+                </a:solidFill>
+                <a:latin typeface="微软雅黑" panose="020B0503020204020204" pitchFamily="34" charset="-122"/>
+                <a:ea typeface="微软雅黑" panose="020B0503020204020204" pitchFamily="34" charset="-122"/>
+              </a:rPr>
+              <a:t>（内符合）</a:t>
+            </a:r>
+            <a:endParaRPr lang="zh-CN" altLang="zh-CN" sz="2000" b="1" dirty="0">
+              <a:solidFill>
+                <a:srgbClr val="FF0000"/>
+              </a:solidFill>
+              <a:latin typeface="微软雅黑" panose="020B0503020204020204" pitchFamily="34" charset="-122"/>
+              <a:ea typeface="微软雅黑" panose="020B0503020204020204" pitchFamily="34" charset="-122"/>
+            </a:endParaRPr>
+          </a:p>
+        </p:txBody>
+      </p:sp>
     </p:spTree>
     <p:extLst>
       <p:ext uri="{BB962C8B-B14F-4D97-AF65-F5344CB8AC3E}">
-        <p14:creationId xmlns:p14="http://schemas.microsoft.com/office/powerpoint/2010/main" val="2050228123"/>
+        <p14:creationId xmlns:p14="http://schemas.microsoft.com/office/powerpoint/2010/main" val="1984525288"/>
       </p:ext>
     </p:extLst>
   </p:cSld>
@@ -4182,6 +9516,194 @@
       </p:transition>
     </mc:Fallback>
   </mc:AlternateContent>
+  <p:timing>
+    <p:tnLst>
+      <p:par>
+        <p:cTn id="1" dur="indefinite" restart="never" nodeType="tmRoot">
+          <p:childTnLst>
+            <p:seq concurrent="1" nextAc="seek">
+              <p:cTn id="2" dur="indefinite" nodeType="mainSeq">
+                <p:childTnLst>
+                  <p:par>
+                    <p:cTn id="3" fill="hold">
+                      <p:stCondLst>
+                        <p:cond delay="indefinite"/>
+                      </p:stCondLst>
+                      <p:childTnLst>
+                        <p:par>
+                          <p:cTn id="4" fill="hold">
+                            <p:stCondLst>
+                              <p:cond delay="0"/>
+                            </p:stCondLst>
+                            <p:childTnLst>
+                              <p:par>
+                                <p:cTn id="5" presetID="10" presetClass="entr" presetSubtype="0" fill="hold" nodeType="clickEffect">
+                                  <p:stCondLst>
+                                    <p:cond delay="0"/>
+                                  </p:stCondLst>
+                                  <p:childTnLst>
+                                    <p:set>
+                                      <p:cBhvr>
+                                        <p:cTn id="6" dur="1" fill="hold">
+                                          <p:stCondLst>
+                                            <p:cond delay="0"/>
+                                          </p:stCondLst>
+                                        </p:cTn>
+                                        <p:tgtEl>
+                                          <p:spTgt spid="28"/>
+                                        </p:tgtEl>
+                                        <p:attrNameLst>
+                                          <p:attrName>style.visibility</p:attrName>
+                                        </p:attrNameLst>
+                                      </p:cBhvr>
+                                      <p:to>
+                                        <p:strVal val="visible"/>
+                                      </p:to>
+                                    </p:set>
+                                    <p:animEffect transition="in" filter="fade">
+                                      <p:cBhvr>
+                                        <p:cTn id="7" dur="500"/>
+                                        <p:tgtEl>
+                                          <p:spTgt spid="28"/>
+                                        </p:tgtEl>
+                                      </p:cBhvr>
+                                    </p:animEffect>
+                                  </p:childTnLst>
+                                </p:cTn>
+                              </p:par>
+                              <p:par>
+                                <p:cTn id="8" presetID="10" presetClass="entr" presetSubtype="0" fill="hold" nodeType="withEffect">
+                                  <p:stCondLst>
+                                    <p:cond delay="0"/>
+                                  </p:stCondLst>
+                                  <p:childTnLst>
+                                    <p:set>
+                                      <p:cBhvr>
+                                        <p:cTn id="9" dur="1" fill="hold">
+                                          <p:stCondLst>
+                                            <p:cond delay="0"/>
+                                          </p:stCondLst>
+                                        </p:cTn>
+                                        <p:tgtEl>
+                                          <p:spTgt spid="21"/>
+                                        </p:tgtEl>
+                                        <p:attrNameLst>
+                                          <p:attrName>style.visibility</p:attrName>
+                                        </p:attrNameLst>
+                                      </p:cBhvr>
+                                      <p:to>
+                                        <p:strVal val="visible"/>
+                                      </p:to>
+                                    </p:set>
+                                    <p:animEffect transition="in" filter="fade">
+                                      <p:cBhvr>
+                                        <p:cTn id="10" dur="500"/>
+                                        <p:tgtEl>
+                                          <p:spTgt spid="21"/>
+                                        </p:tgtEl>
+                                      </p:cBhvr>
+                                    </p:animEffect>
+                                  </p:childTnLst>
+                                </p:cTn>
+                              </p:par>
+                              <p:par>
+                                <p:cTn id="11" presetID="10" presetClass="entr" presetSubtype="0" fill="hold" nodeType="withEffect">
+                                  <p:stCondLst>
+                                    <p:cond delay="0"/>
+                                  </p:stCondLst>
+                                  <p:childTnLst>
+                                    <p:set>
+                                      <p:cBhvr>
+                                        <p:cTn id="12" dur="1" fill="hold">
+                                          <p:stCondLst>
+                                            <p:cond delay="0"/>
+                                          </p:stCondLst>
+                                        </p:cTn>
+                                        <p:tgtEl>
+                                          <p:spTgt spid="30"/>
+                                        </p:tgtEl>
+                                        <p:attrNameLst>
+                                          <p:attrName>style.visibility</p:attrName>
+                                        </p:attrNameLst>
+                                      </p:cBhvr>
+                                      <p:to>
+                                        <p:strVal val="visible"/>
+                                      </p:to>
+                                    </p:set>
+                                    <p:animEffect transition="in" filter="fade">
+                                      <p:cBhvr>
+                                        <p:cTn id="13" dur="500"/>
+                                        <p:tgtEl>
+                                          <p:spTgt spid="30"/>
+                                        </p:tgtEl>
+                                      </p:cBhvr>
+                                    </p:animEffect>
+                                  </p:childTnLst>
+                                </p:cTn>
+                              </p:par>
+                              <p:par>
+                                <p:cTn id="14" presetID="10" presetClass="entr" presetSubtype="0" fill="hold" nodeType="withEffect">
+                                  <p:stCondLst>
+                                    <p:cond delay="0"/>
+                                  </p:stCondLst>
+                                  <p:childTnLst>
+                                    <p:set>
+                                      <p:cBhvr>
+                                        <p:cTn id="15" dur="1" fill="hold">
+                                          <p:stCondLst>
+                                            <p:cond delay="0"/>
+                                          </p:stCondLst>
+                                        </p:cTn>
+                                        <p:tgtEl>
+                                          <p:spTgt spid="32"/>
+                                        </p:tgtEl>
+                                        <p:attrNameLst>
+                                          <p:attrName>style.visibility</p:attrName>
+                                        </p:attrNameLst>
+                                      </p:cBhvr>
+                                      <p:to>
+                                        <p:strVal val="visible"/>
+                                      </p:to>
+                                    </p:set>
+                                    <p:animEffect transition="in" filter="fade">
+                                      <p:cBhvr>
+                                        <p:cTn id="16" dur="500"/>
+                                        <p:tgtEl>
+                                          <p:spTgt spid="32"/>
+                                        </p:tgtEl>
+                                      </p:cBhvr>
+                                    </p:animEffect>
+                                  </p:childTnLst>
+                                </p:cTn>
+                              </p:par>
+                            </p:childTnLst>
+                          </p:cTn>
+                        </p:par>
+                      </p:childTnLst>
+                    </p:cTn>
+                  </p:par>
+                </p:childTnLst>
+              </p:cTn>
+              <p:prevCondLst>
+                <p:cond evt="onPrev" delay="0">
+                  <p:tgtEl>
+                    <p:sldTgt/>
+                  </p:tgtEl>
+                </p:cond>
+              </p:prevCondLst>
+              <p:nextCondLst>
+                <p:cond evt="onNext" delay="0">
+                  <p:tgtEl>
+                    <p:sldTgt/>
+                  </p:tgtEl>
+                </p:cond>
+              </p:nextCondLst>
+            </p:seq>
+          </p:childTnLst>
+        </p:cTn>
+      </p:par>
+    </p:tnLst>
+  </p:timing>
 </p:sld>
 </file>
 
@@ -4211,7 +9733,7 @@
         <p:spPr>
           <a:xfrm>
             <a:off x="407987" y="1052513"/>
-            <a:ext cx="11376025" cy="5833200"/>
+            <a:ext cx="11376025" cy="5474704"/>
           </a:xfrm>
           <a:prstGeom prst="rect">
             <a:avLst/>
@@ -4238,8 +9760,66 @@
                 <a:latin typeface="微软雅黑" panose="020B0503020204020204" pitchFamily="34" charset="-122"/>
                 <a:ea typeface="微软雅黑" panose="020B0503020204020204" pitchFamily="34" charset="-122"/>
               </a:rPr>
-              <a:t>寿命预报（中长期）</a:t>
-            </a:r>
+              <a:t>陨落（再入）预报：</a:t>
+            </a:r>
+            <a:endParaRPr lang="en-US" altLang="zh-CN" sz="2800" b="1" dirty="0">
+              <a:latin typeface="微软雅黑" panose="020B0503020204020204" pitchFamily="34" charset="-122"/>
+              <a:ea typeface="微软雅黑" panose="020B0503020204020204" pitchFamily="34" charset="-122"/>
+            </a:endParaRPr>
+          </a:p>
+          <a:p>
+            <a:pPr marL="800100" lvl="1" indent="-342900">
+              <a:lnSpc>
+                <a:spcPct val="150000"/>
+              </a:lnSpc>
+              <a:buFont typeface="Arial" panose="020B0604020202020204" pitchFamily="34" charset="0"/>
+              <a:buChar char="•"/>
+            </a:pPr>
+            <a:r>
+              <a:rPr lang="zh-CN" altLang="en-US" sz="2800" b="1" dirty="0">
+                <a:latin typeface="微软雅黑" panose="020B0503020204020204" pitchFamily="34" charset="-122"/>
+                <a:ea typeface="微软雅黑" panose="020B0503020204020204" pitchFamily="34" charset="-122"/>
+              </a:rPr>
+              <a:t>中长期预报</a:t>
+            </a:r>
+            <a:r>
+              <a:rPr lang="zh-CN" altLang="en-US" sz="2400" b="1" dirty="0">
+                <a:latin typeface="微软雅黑" panose="020B0503020204020204" pitchFamily="34" charset="-122"/>
+                <a:ea typeface="微软雅黑" panose="020B0503020204020204" pitchFamily="34" charset="-122"/>
+              </a:rPr>
+              <a:t>（轨道寿命）</a:t>
+            </a:r>
+            <a:endParaRPr lang="en-US" altLang="zh-CN" sz="2400" b="1" dirty="0">
+              <a:latin typeface="微软雅黑" panose="020B0503020204020204" pitchFamily="34" charset="-122"/>
+              <a:ea typeface="微软雅黑" panose="020B0503020204020204" pitchFamily="34" charset="-122"/>
+            </a:endParaRPr>
+          </a:p>
+          <a:p>
+            <a:pPr marL="800100" lvl="1" indent="-342900">
+              <a:lnSpc>
+                <a:spcPct val="150000"/>
+              </a:lnSpc>
+              <a:buFont typeface="Arial" panose="020B0604020202020204" pitchFamily="34" charset="0"/>
+              <a:buChar char="•"/>
+            </a:pPr>
+            <a:r>
+              <a:rPr lang="zh-CN" altLang="en-US" sz="2800" b="1" dirty="0">
+                <a:latin typeface="微软雅黑" panose="020B0503020204020204" pitchFamily="34" charset="-122"/>
+                <a:ea typeface="微软雅黑" panose="020B0503020204020204" pitchFamily="34" charset="-122"/>
+              </a:rPr>
+              <a:t>短期预报</a:t>
+            </a:r>
+            <a:r>
+              <a:rPr lang="zh-CN" altLang="en-US" sz="2400" b="1" dirty="0">
+                <a:latin typeface="微软雅黑" panose="020B0503020204020204" pitchFamily="34" charset="-122"/>
+                <a:ea typeface="微软雅黑" panose="020B0503020204020204" pitchFamily="34" charset="-122"/>
+              </a:rPr>
+              <a:t>（陨落时刻、落点）</a:t>
+            </a:r>
+            <a:endParaRPr lang="en-US" altLang="zh-CN" sz="2400" b="1" dirty="0">
+              <a:latin typeface="微软雅黑" panose="020B0503020204020204" pitchFamily="34" charset="-122"/>
+              <a:ea typeface="微软雅黑" panose="020B0503020204020204" pitchFamily="34" charset="-122"/>
+            </a:endParaRPr>
           </a:p>
           <a:p>
             <a:pPr marL="342900" indent="-342900" fontAlgn="auto">
@@ -4252,13 +9832,10 @@
               <a:buFont typeface="Arial" panose="020B0604020202020204" pitchFamily="34" charset="0"/>
               <a:buChar char="•"/>
             </a:pPr>
-            <a:r>
-              <a:rPr lang="zh-CN" altLang="en-US" sz="2800" b="1" dirty="0">
-                <a:latin typeface="微软雅黑" panose="020B0503020204020204" pitchFamily="34" charset="-122"/>
-                <a:ea typeface="微软雅黑" panose="020B0503020204020204" pitchFamily="34" charset="-122"/>
-              </a:rPr>
-              <a:t>临期预报（陨落时刻、落点）</a:t>
-            </a:r>
+            <a:endParaRPr lang="en-US" altLang="zh-CN" sz="2800" b="1" dirty="0">
+              <a:latin typeface="微软雅黑" panose="020B0503020204020204" pitchFamily="34" charset="-122"/>
+              <a:ea typeface="微软雅黑" panose="020B0503020204020204" pitchFamily="34" charset="-122"/>
+            </a:endParaRPr>
           </a:p>
           <a:p>
             <a:pPr marL="342900" indent="-342900" fontAlgn="auto">
@@ -4276,131 +9853,93 @@
                 <a:latin typeface="微软雅黑" panose="020B0503020204020204" pitchFamily="34" charset="-122"/>
                 <a:ea typeface="微软雅黑" panose="020B0503020204020204" pitchFamily="34" charset="-122"/>
               </a:rPr>
-              <a:t>影响陨落预报精度的主要因素：轨道精度、大气模型精度、空间环境、卫星姿态（面质比等）</a:t>
-            </a:r>
-          </a:p>
-          <a:p>
-            <a:pPr marL="342900" indent="-342900" fontAlgn="auto">
+              <a:t>影响陨落预报精度的主要因素：</a:t>
+            </a:r>
+            <a:endParaRPr lang="en-US" altLang="zh-CN" sz="2800" b="1" dirty="0">
+              <a:latin typeface="微软雅黑" panose="020B0503020204020204" pitchFamily="34" charset="-122"/>
+              <a:ea typeface="微软雅黑" panose="020B0503020204020204" pitchFamily="34" charset="-122"/>
+            </a:endParaRPr>
+          </a:p>
+          <a:p>
+            <a:pPr marL="800100" lvl="1" indent="-342900">
               <a:lnSpc>
                 <a:spcPct val="150000"/>
               </a:lnSpc>
-              <a:spcAft>
-                <a:spcPts val="0"/>
-              </a:spcAft>
               <a:buFont typeface="Arial" panose="020B0604020202020204" pitchFamily="34" charset="0"/>
               <a:buChar char="•"/>
             </a:pPr>
-            <a:endParaRPr lang="zh-CN" altLang="en-US" sz="2800" b="1" dirty="0">
+            <a:r>
+              <a:rPr lang="zh-CN" altLang="en-US" sz="2400" b="1" dirty="0">
+                <a:latin typeface="微软雅黑" panose="020B0503020204020204" pitchFamily="34" charset="-122"/>
+                <a:ea typeface="微软雅黑" panose="020B0503020204020204" pitchFamily="34" charset="-122"/>
+              </a:rPr>
+              <a:t>轨道精度</a:t>
+            </a:r>
+            <a:endParaRPr lang="en-US" altLang="zh-CN" sz="2400" b="1" dirty="0">
               <a:latin typeface="微软雅黑" panose="020B0503020204020204" pitchFamily="34" charset="-122"/>
               <a:ea typeface="微软雅黑" panose="020B0503020204020204" pitchFamily="34" charset="-122"/>
             </a:endParaRPr>
           </a:p>
           <a:p>
-            <a:pPr marL="342900" indent="-342900" fontAlgn="auto">
+            <a:pPr marL="800100" lvl="1" indent="-342900">
               <a:lnSpc>
                 <a:spcPct val="150000"/>
               </a:lnSpc>
-              <a:spcAft>
-                <a:spcPts val="0"/>
-              </a:spcAft>
               <a:buFont typeface="Arial" panose="020B0604020202020204" pitchFamily="34" charset="0"/>
               <a:buChar char="•"/>
             </a:pPr>
+            <a:r>
+              <a:rPr lang="zh-CN" altLang="en-US" sz="2400" b="1" dirty="0">
+                <a:latin typeface="微软雅黑" panose="020B0503020204020204" pitchFamily="34" charset="-122"/>
+                <a:ea typeface="微软雅黑" panose="020B0503020204020204" pitchFamily="34" charset="-122"/>
+              </a:rPr>
+              <a:t>大气模型精度</a:t>
+            </a:r>
+            <a:endParaRPr lang="en-US" altLang="zh-CN" sz="2400" b="1" dirty="0">
+              <a:latin typeface="微软雅黑" panose="020B0503020204020204" pitchFamily="34" charset="-122"/>
+              <a:ea typeface="微软雅黑" panose="020B0503020204020204" pitchFamily="34" charset="-122"/>
+            </a:endParaRPr>
+          </a:p>
+          <a:p>
+            <a:pPr marL="800100" lvl="1" indent="-342900">
+              <a:lnSpc>
+                <a:spcPct val="150000"/>
+              </a:lnSpc>
+              <a:buFont typeface="Arial" panose="020B0604020202020204" pitchFamily="34" charset="0"/>
+              <a:buChar char="•"/>
+            </a:pPr>
+            <a:r>
+              <a:rPr lang="zh-CN" altLang="en-US" sz="2400" b="1" dirty="0">
+                <a:latin typeface="微软雅黑" panose="020B0503020204020204" pitchFamily="34" charset="-122"/>
+                <a:ea typeface="微软雅黑" panose="020B0503020204020204" pitchFamily="34" charset="-122"/>
+              </a:rPr>
+              <a:t>空间环境</a:t>
+            </a:r>
+            <a:endParaRPr lang="en-US" altLang="zh-CN" sz="2400" b="1" dirty="0">
+              <a:latin typeface="微软雅黑" panose="020B0503020204020204" pitchFamily="34" charset="-122"/>
+              <a:ea typeface="微软雅黑" panose="020B0503020204020204" pitchFamily="34" charset="-122"/>
+            </a:endParaRPr>
+          </a:p>
+          <a:p>
+            <a:pPr marL="800100" lvl="1" indent="-342900">
+              <a:lnSpc>
+                <a:spcPct val="150000"/>
+              </a:lnSpc>
+              <a:buFont typeface="Arial" panose="020B0604020202020204" pitchFamily="34" charset="0"/>
+              <a:buChar char="•"/>
+            </a:pPr>
+            <a:r>
+              <a:rPr lang="zh-CN" altLang="en-US" sz="2400" b="1" dirty="0">
+                <a:latin typeface="微软雅黑" panose="020B0503020204020204" pitchFamily="34" charset="-122"/>
+                <a:ea typeface="微软雅黑" panose="020B0503020204020204" pitchFamily="34" charset="-122"/>
+              </a:rPr>
+              <a:t>卫星姿态（面质比等）</a:t>
+            </a:r>
             <a:endParaRPr lang="en-US" altLang="zh-CN" sz="2800" b="1" dirty="0">
               <a:latin typeface="微软雅黑" panose="020B0503020204020204" pitchFamily="34" charset="-122"/>
               <a:ea typeface="微软雅黑" panose="020B0503020204020204" pitchFamily="34" charset="-122"/>
               <a:sym typeface="+mn-ea"/>
             </a:endParaRPr>
-          </a:p>
-          <a:p>
-            <a:pPr marL="342900" indent="-342900" fontAlgn="auto">
-              <a:lnSpc>
-                <a:spcPct val="150000"/>
-              </a:lnSpc>
-              <a:spcAft>
-                <a:spcPts val="0"/>
-              </a:spcAft>
-              <a:buFont typeface="Arial" panose="020B0604020202020204" pitchFamily="34" charset="0"/>
-              <a:buChar char="•"/>
-            </a:pPr>
-            <a:endParaRPr lang="en-US" altLang="zh-CN" sz="2800" b="1" dirty="0">
-              <a:solidFill>
-                <a:srgbClr val="0000FF"/>
-              </a:solidFill>
-              <a:latin typeface="微软雅黑" panose="020B0503020204020204" pitchFamily="34" charset="-122"/>
-              <a:ea typeface="微软雅黑" panose="020B0503020204020204" pitchFamily="34" charset="-122"/>
-              <a:sym typeface="+mn-ea"/>
-            </a:endParaRPr>
-          </a:p>
-          <a:p>
-            <a:pPr marL="342900" indent="-342900" fontAlgn="auto">
-              <a:lnSpc>
-                <a:spcPct val="150000"/>
-              </a:lnSpc>
-              <a:spcAft>
-                <a:spcPts val="0"/>
-              </a:spcAft>
-              <a:buFont typeface="Arial" panose="020B0604020202020204" pitchFamily="34" charset="0"/>
-              <a:buChar char="•"/>
-            </a:pPr>
-            <a:r>
-              <a:rPr lang="zh-CN" altLang="en-US" sz="2800" b="1" dirty="0">
-                <a:solidFill>
-                  <a:srgbClr val="0000FF"/>
-                </a:solidFill>
-                <a:latin typeface="微软雅黑" panose="020B0503020204020204" pitchFamily="34" charset="-122"/>
-                <a:ea typeface="微软雅黑" panose="020B0503020204020204" pitchFamily="34" charset="-122"/>
-                <a:sym typeface="+mn-ea"/>
-              </a:rPr>
-              <a:t>蓝色（突出）、</a:t>
-            </a:r>
-            <a:r>
-              <a:rPr lang="zh-CN" sz="2800" b="1" dirty="0">
-                <a:solidFill>
-                  <a:srgbClr val="FF0000"/>
-                </a:solidFill>
-                <a:latin typeface="微软雅黑" panose="020B0503020204020204" pitchFamily="34" charset="-122"/>
-                <a:ea typeface="微软雅黑" panose="020B0503020204020204" pitchFamily="34" charset="-122"/>
-                <a:sym typeface="+mn-ea"/>
-              </a:rPr>
-              <a:t>红色（强调）</a:t>
-            </a:r>
-          </a:p>
-          <a:p>
-            <a:pPr marL="342900" lvl="0" indent="-342900" algn="l" fontAlgn="auto">
-              <a:lnSpc>
-                <a:spcPct val="150000"/>
-              </a:lnSpc>
-              <a:spcAft>
-                <a:spcPts val="0"/>
-              </a:spcAft>
-              <a:buClrTx/>
-              <a:buSzTx/>
-              <a:buFont typeface="Arial" panose="020B0604020202020204" pitchFamily="34" charset="0"/>
-              <a:buChar char="•"/>
-            </a:pPr>
-            <a:r>
-              <a:rPr lang="zh-CN" sz="2800" b="1" dirty="0">
-                <a:solidFill>
-                  <a:schemeClr val="tx1"/>
-                </a:solidFill>
-                <a:latin typeface="微软雅黑" panose="020B0503020204020204" pitchFamily="34" charset="-122"/>
-                <a:ea typeface="微软雅黑" panose="020B0503020204020204" pitchFamily="34" charset="-122"/>
-                <a:sym typeface="+mn-ea"/>
-              </a:rPr>
-              <a:t>行距：</a:t>
-            </a:r>
-            <a:r>
-              <a:rPr lang="en-US" altLang="zh-CN" sz="2800" b="1" dirty="0">
-                <a:solidFill>
-                  <a:schemeClr val="tx1"/>
-                </a:solidFill>
-                <a:latin typeface="微软雅黑" panose="020B0503020204020204" pitchFamily="34" charset="-122"/>
-                <a:ea typeface="微软雅黑" panose="020B0503020204020204" pitchFamily="34" charset="-122"/>
-                <a:sym typeface="+mn-ea"/>
-              </a:rPr>
-              <a:t>1.5</a:t>
-            </a:r>
           </a:p>
         </p:txBody>
       </p:sp>
@@ -4424,48 +9963,6 @@
               <a:t>9</a:t>
             </a:fld>
             <a:endParaRPr kumimoji="1" lang="zh-CN" altLang="en-US"/>
-          </a:p>
-        </p:txBody>
-      </p:sp>
-      <p:sp>
-        <p:nvSpPr>
-          <p:cNvPr id="6" name="矩形 5"/>
-          <p:cNvSpPr/>
-          <p:nvPr/>
-        </p:nvSpPr>
-        <p:spPr>
-          <a:xfrm>
-            <a:off x="3327171" y="6023928"/>
-            <a:ext cx="6082030" cy="645160"/>
-          </a:xfrm>
-          <a:prstGeom prst="rect">
-            <a:avLst/>
-          </a:prstGeom>
-        </p:spPr>
-        <p:txBody>
-          <a:bodyPr wrap="square">
-            <a:spAutoFit/>
-          </a:bodyPr>
-          <a:lstStyle/>
-          <a:p>
-            <a:pPr algn="ctr" fontAlgn="auto">
-              <a:lnSpc>
-                <a:spcPct val="150000"/>
-              </a:lnSpc>
-              <a:spcAft>
-                <a:spcPts val="0"/>
-              </a:spcAft>
-            </a:pPr>
-            <a:r>
-              <a:rPr lang="zh-CN" sz="2400" b="1" dirty="0">
-                <a:solidFill>
-                  <a:srgbClr val="FF0000"/>
-                </a:solidFill>
-                <a:latin typeface="微软雅黑" panose="020B0503020204020204" pitchFamily="34" charset="-122"/>
-                <a:ea typeface="微软雅黑" panose="020B0503020204020204" pitchFamily="34" charset="-122"/>
-              </a:rPr>
-              <a:t>根据页面具体情况可略微调整</a:t>
-            </a:r>
           </a:p>
         </p:txBody>
       </p:sp>
@@ -4528,7 +10025,7 @@
     </p:spTree>
     <p:extLst>
       <p:ext uri="{BB962C8B-B14F-4D97-AF65-F5344CB8AC3E}">
-        <p14:creationId xmlns:p14="http://schemas.microsoft.com/office/powerpoint/2010/main" val="2151966853"/>
+        <p14:creationId xmlns:p14="http://schemas.microsoft.com/office/powerpoint/2010/main" val="757535133"/>
       </p:ext>
     </p:extLst>
   </p:cSld>
